--- a/Csharp_study_Plane.pptx
+++ b/Csharp_study_Plane.pptx
@@ -5,18 +5,20 @@
     <p:sldMasterId id="2147483648" r:id="rId1"/>
   </p:sldMasterIdLst>
   <p:notesMasterIdLst>
-    <p:notesMasterId r:id="rId8"/>
+    <p:notesMasterId r:id="rId10"/>
   </p:notesMasterIdLst>
   <p:handoutMasterIdLst>
-    <p:handoutMasterId r:id="rId9"/>
+    <p:handoutMasterId r:id="rId11"/>
   </p:handoutMasterIdLst>
   <p:sldIdLst>
     <p:sldId id="395" r:id="rId2"/>
     <p:sldId id="423" r:id="rId3"/>
-    <p:sldId id="424" r:id="rId4"/>
-    <p:sldId id="425" r:id="rId5"/>
-    <p:sldId id="426" r:id="rId6"/>
-    <p:sldId id="414" r:id="rId7"/>
+    <p:sldId id="427" r:id="rId4"/>
+    <p:sldId id="424" r:id="rId5"/>
+    <p:sldId id="429" r:id="rId6"/>
+    <p:sldId id="425" r:id="rId7"/>
+    <p:sldId id="426" r:id="rId8"/>
+    <p:sldId id="414" r:id="rId9"/>
   </p:sldIdLst>
   <p:sldSz cx="12192000" cy="6858000"/>
   <p:notesSz cx="6735763" cy="9866313"/>
@@ -152,7 +154,9 @@
           <p14:sldIdLst>
             <p14:sldId id="395"/>
             <p14:sldId id="423"/>
+            <p14:sldId id="427"/>
             <p14:sldId id="424"/>
+            <p14:sldId id="429"/>
             <p14:sldId id="425"/>
             <p14:sldId id="426"/>
             <p14:sldId id="414"/>
@@ -370,7 +374,7 @@
               <a:pPr>
                 <a:defRPr/>
               </a:pPr>
-              <a:t>2024-03-05</a:t>
+              <a:t>2024-03-06</a:t>
             </a:fld>
             <a:endParaRPr lang="ko-KR" altLang="en-US"/>
           </a:p>
@@ -617,7 +621,7 @@
               <a:pPr>
                 <a:defRPr/>
               </a:pPr>
-              <a:t>2024-03-05</a:t>
+              <a:t>2024-03-06</a:t>
             </a:fld>
             <a:endParaRPr lang="ko-KR" altLang="en-US"/>
           </a:p>
@@ -5659,7 +5663,7 @@
                     <a:lstStyle/>
                     <a:p>
                       <a:pPr algn="ctr" latinLnBrk="1"/>
-                      <a:endParaRPr lang="ko-KR" altLang="en-US" sz="1000"/>
+                      <a:endParaRPr lang="ko-KR" altLang="en-US" sz="1000" dirty="0"/>
                     </a:p>
                   </a:txBody>
                   <a:tcPr/>
@@ -6131,7 +6135,7 @@
           <p:cNvPr id="2" name="제목 1">
             <a:extLst>
               <a:ext uri="{FF2B5EF4-FFF2-40B4-BE49-F238E27FC236}">
-                <a16:creationId xmlns:a16="http://schemas.microsoft.com/office/drawing/2014/main" id="{2604F435-2ED8-48AE-9B3A-7F21AE77755D}"/>
+                <a16:creationId xmlns:a16="http://schemas.microsoft.com/office/drawing/2014/main" id="{49865218-7D91-4795-B28D-9AD453A725CA}"/>
               </a:ext>
             </a:extLst>
           </p:cNvPr>
@@ -6149,15 +6153,7 @@
           <a:p>
             <a:r>
               <a:rPr lang="en-US" altLang="ko-KR" dirty="0"/>
-              <a:t>Log</a:t>
-            </a:r>
-            <a:r>
-              <a:rPr lang="ko-KR" altLang="en-US" dirty="0"/>
-              <a:t> </a:t>
-            </a:r>
-            <a:r>
-              <a:rPr lang="en-US" altLang="ko-KR" dirty="0"/>
-              <a:t>Viewer</a:t>
+              <a:t>C# WPF MVVM Pattern</a:t>
             </a:r>
             <a:endParaRPr lang="ko-KR" altLang="en-US" dirty="0"/>
           </a:p>
@@ -6168,7 +6164,7 @@
           <p:cNvPr id="3" name="슬라이드 번호 개체 틀 2">
             <a:extLst>
               <a:ext uri="{FF2B5EF4-FFF2-40B4-BE49-F238E27FC236}">
-                <a16:creationId xmlns:a16="http://schemas.microsoft.com/office/drawing/2014/main" id="{F79F8127-E617-4C34-8CB0-F3953E7354AE}"/>
+                <a16:creationId xmlns:a16="http://schemas.microsoft.com/office/drawing/2014/main" id="{34E652A2-744C-4C59-9B77-BA67716D20F7}"/>
               </a:ext>
             </a:extLst>
           </p:cNvPr>
@@ -6200,10 +6196,10 @@
       </p:sp>
       <p:grpSp>
         <p:nvGrpSpPr>
-          <p:cNvPr id="31" name="그룹 30">
+          <p:cNvPr id="11" name="그룹 10">
             <a:extLst>
               <a:ext uri="{FF2B5EF4-FFF2-40B4-BE49-F238E27FC236}">
-                <a16:creationId xmlns:a16="http://schemas.microsoft.com/office/drawing/2014/main" id="{55613641-3F81-4DEA-8152-B27F376CAD7C}"/>
+                <a16:creationId xmlns:a16="http://schemas.microsoft.com/office/drawing/2014/main" id="{911CD329-AEF1-4AE6-A7B5-1218EE661D9D}"/>
               </a:ext>
             </a:extLst>
           </p:cNvPr>
@@ -6212,18 +6208,1619 @@
         </p:nvGrpSpPr>
         <p:grpSpPr>
           <a:xfrm>
-            <a:off x="263352" y="980728"/>
-            <a:ext cx="6710611" cy="4079946"/>
+            <a:off x="312760" y="908720"/>
+            <a:ext cx="2871995" cy="2664295"/>
+            <a:chOff x="263352" y="908721"/>
+            <a:chExt cx="3415347" cy="3168352"/>
+          </a:xfrm>
+        </p:grpSpPr>
+        <p:pic>
+          <p:nvPicPr>
+            <p:cNvPr id="6" name="그림 5">
+              <a:extLst>
+                <a:ext uri="{FF2B5EF4-FFF2-40B4-BE49-F238E27FC236}">
+                  <a16:creationId xmlns:a16="http://schemas.microsoft.com/office/drawing/2014/main" id="{84FFAD14-9DA6-4D04-A6CC-7F8CBA713F83}"/>
+                </a:ext>
+              </a:extLst>
+            </p:cNvPr>
+            <p:cNvPicPr>
+              <a:picLocks noChangeAspect="1"/>
+            </p:cNvPicPr>
+            <p:nvPr/>
+          </p:nvPicPr>
+          <p:blipFill>
+            <a:blip r:embed="rId2"/>
+            <a:stretch>
+              <a:fillRect/>
+            </a:stretch>
+          </p:blipFill>
+          <p:spPr>
+            <a:xfrm>
+              <a:off x="263352" y="908721"/>
+              <a:ext cx="3415347" cy="3168352"/>
+            </a:xfrm>
+            <a:prstGeom prst="rect">
+              <a:avLst/>
+            </a:prstGeom>
+          </p:spPr>
+        </p:pic>
+        <p:sp>
+          <p:nvSpPr>
+            <p:cNvPr id="8" name="직사각형 7">
+              <a:extLst>
+                <a:ext uri="{FF2B5EF4-FFF2-40B4-BE49-F238E27FC236}">
+                  <a16:creationId xmlns:a16="http://schemas.microsoft.com/office/drawing/2014/main" id="{6785C60D-99A1-4597-9973-DF83C9491A75}"/>
+                </a:ext>
+              </a:extLst>
+            </p:cNvPr>
+            <p:cNvSpPr/>
+            <p:nvPr/>
+          </p:nvSpPr>
+          <p:spPr>
+            <a:xfrm>
+              <a:off x="494616" y="2716540"/>
+              <a:ext cx="941862" cy="144016"/>
+            </a:xfrm>
+            <a:prstGeom prst="rect">
+              <a:avLst/>
+            </a:prstGeom>
+            <a:noFill/>
+            <a:ln w="9525">
+              <a:solidFill>
+                <a:schemeClr val="accent2"/>
+              </a:solidFill>
+            </a:ln>
+          </p:spPr>
+          <p:style>
+            <a:lnRef idx="2">
+              <a:schemeClr val="accent1">
+                <a:shade val="50000"/>
+              </a:schemeClr>
+            </a:lnRef>
+            <a:fillRef idx="1">
+              <a:schemeClr val="accent1"/>
+            </a:fillRef>
+            <a:effectRef idx="0">
+              <a:schemeClr val="accent1"/>
+            </a:effectRef>
+            <a:fontRef idx="minor">
+              <a:schemeClr val="lt1"/>
+            </a:fontRef>
+          </p:style>
+          <p:txBody>
+            <a:bodyPr rtlCol="0" anchor="ctr"/>
+            <a:lstStyle/>
+            <a:p>
+              <a:pPr algn="ctr"/>
+              <a:endParaRPr lang="ko-KR" altLang="en-US"/>
+            </a:p>
+          </p:txBody>
+        </p:sp>
+        <p:sp>
+          <p:nvSpPr>
+            <p:cNvPr id="9" name="직사각형 8">
+              <a:extLst>
+                <a:ext uri="{FF2B5EF4-FFF2-40B4-BE49-F238E27FC236}">
+                  <a16:creationId xmlns:a16="http://schemas.microsoft.com/office/drawing/2014/main" id="{133D2EA4-21A6-498E-9F82-C3CF55014EF3}"/>
+                </a:ext>
+              </a:extLst>
+            </p:cNvPr>
+            <p:cNvSpPr/>
+            <p:nvPr/>
+          </p:nvSpPr>
+          <p:spPr>
+            <a:xfrm>
+              <a:off x="494616" y="2883416"/>
+              <a:ext cx="941862" cy="144016"/>
+            </a:xfrm>
+            <a:prstGeom prst="rect">
+              <a:avLst/>
+            </a:prstGeom>
+            <a:noFill/>
+            <a:ln w="9525">
+              <a:solidFill>
+                <a:schemeClr val="accent2"/>
+              </a:solidFill>
+            </a:ln>
+          </p:spPr>
+          <p:style>
+            <a:lnRef idx="2">
+              <a:schemeClr val="accent1">
+                <a:shade val="50000"/>
+              </a:schemeClr>
+            </a:lnRef>
+            <a:fillRef idx="1">
+              <a:schemeClr val="accent1"/>
+            </a:fillRef>
+            <a:effectRef idx="0">
+              <a:schemeClr val="accent1"/>
+            </a:effectRef>
+            <a:fontRef idx="minor">
+              <a:schemeClr val="lt1"/>
+            </a:fontRef>
+          </p:style>
+          <p:txBody>
+            <a:bodyPr rtlCol="0" anchor="ctr"/>
+            <a:lstStyle/>
+            <a:p>
+              <a:pPr algn="ctr"/>
+              <a:endParaRPr lang="ko-KR" altLang="en-US"/>
+            </a:p>
+          </p:txBody>
+        </p:sp>
+        <p:sp>
+          <p:nvSpPr>
+            <p:cNvPr id="10" name="직사각형 9">
+              <a:extLst>
+                <a:ext uri="{FF2B5EF4-FFF2-40B4-BE49-F238E27FC236}">
+                  <a16:creationId xmlns:a16="http://schemas.microsoft.com/office/drawing/2014/main" id="{429583A7-2144-4369-8C98-4468E4ACE363}"/>
+                </a:ext>
+              </a:extLst>
+            </p:cNvPr>
+            <p:cNvSpPr/>
+            <p:nvPr/>
+          </p:nvSpPr>
+          <p:spPr>
+            <a:xfrm>
+              <a:off x="445194" y="3696465"/>
+              <a:ext cx="1330326" cy="144016"/>
+            </a:xfrm>
+            <a:prstGeom prst="rect">
+              <a:avLst/>
+            </a:prstGeom>
+            <a:noFill/>
+            <a:ln w="9525">
+              <a:solidFill>
+                <a:schemeClr val="accent2"/>
+              </a:solidFill>
+            </a:ln>
+          </p:spPr>
+          <p:style>
+            <a:lnRef idx="2">
+              <a:schemeClr val="accent1">
+                <a:shade val="50000"/>
+              </a:schemeClr>
+            </a:lnRef>
+            <a:fillRef idx="1">
+              <a:schemeClr val="accent1"/>
+            </a:fillRef>
+            <a:effectRef idx="0">
+              <a:schemeClr val="accent1"/>
+            </a:effectRef>
+            <a:fontRef idx="minor">
+              <a:schemeClr val="lt1"/>
+            </a:fontRef>
+          </p:style>
+          <p:txBody>
+            <a:bodyPr rtlCol="0" anchor="ctr"/>
+            <a:lstStyle/>
+            <a:p>
+              <a:pPr algn="ctr"/>
+              <a:endParaRPr lang="ko-KR" altLang="en-US"/>
+            </a:p>
+          </p:txBody>
+        </p:sp>
+      </p:grpSp>
+      <p:pic>
+        <p:nvPicPr>
+          <p:cNvPr id="1026" name="Picture 2" descr="C# WPF] MVVM 간단하게 시작하기 - 1 (데이터바인딩, 연동)">
+            <a:extLst>
+              <a:ext uri="{FF2B5EF4-FFF2-40B4-BE49-F238E27FC236}">
+                <a16:creationId xmlns:a16="http://schemas.microsoft.com/office/drawing/2014/main" id="{2C4BCC85-2362-4E94-ABFE-9E0B2BA5D01E}"/>
+              </a:ext>
+            </a:extLst>
+          </p:cNvPr>
+          <p:cNvPicPr>
+            <a:picLocks noChangeAspect="1" noChangeArrowheads="1"/>
+          </p:cNvPicPr>
+          <p:nvPr/>
+        </p:nvPicPr>
+        <p:blipFill>
+          <a:blip r:embed="rId3">
+            <a:extLst>
+              <a:ext uri="{28A0092B-C50C-407E-A947-70E740481C1C}">
+                <a14:useLocalDpi xmlns:a14="http://schemas.microsoft.com/office/drawing/2010/main" val="0"/>
+              </a:ext>
+            </a:extLst>
+          </a:blip>
+          <a:srcRect/>
+          <a:stretch>
+            <a:fillRect/>
+          </a:stretch>
+        </p:blipFill>
+        <p:spPr bwMode="auto">
+          <a:xfrm>
+            <a:off x="3620121" y="1354985"/>
+            <a:ext cx="3163864" cy="1771764"/>
+          </a:xfrm>
+          <a:prstGeom prst="rect">
+            <a:avLst/>
+          </a:prstGeom>
+          <a:noFill/>
+          <a:extLst>
+            <a:ext uri="{909E8E84-426E-40DD-AFC4-6F175D3DCCD1}">
+              <a14:hiddenFill xmlns:a14="http://schemas.microsoft.com/office/drawing/2010/main">
+                <a:solidFill>
+                  <a:srgbClr val="FFFFFF"/>
+                </a:solidFill>
+              </a14:hiddenFill>
+            </a:ext>
+          </a:extLst>
+        </p:spPr>
+      </p:pic>
+      <p:sp>
+        <p:nvSpPr>
+          <p:cNvPr id="13" name="TextBox 12">
+            <a:extLst>
+              <a:ext uri="{FF2B5EF4-FFF2-40B4-BE49-F238E27FC236}">
+                <a16:creationId xmlns:a16="http://schemas.microsoft.com/office/drawing/2014/main" id="{97E65BCB-977D-4D85-934D-33CE53FEC5B2}"/>
+              </a:ext>
+            </a:extLst>
+          </p:cNvPr>
+          <p:cNvSpPr txBox="1"/>
+          <p:nvPr/>
+        </p:nvSpPr>
+        <p:spPr>
+          <a:xfrm>
+            <a:off x="4086277" y="2863740"/>
+            <a:ext cx="2422306" cy="246221"/>
+          </a:xfrm>
+          <a:prstGeom prst="rect">
+            <a:avLst/>
+          </a:prstGeom>
+          <a:noFill/>
+        </p:spPr>
+        <p:txBody>
+          <a:bodyPr wrap="square" rtlCol="0">
+            <a:spAutoFit/>
+          </a:bodyPr>
+          <a:lstStyle/>
+          <a:p>
+            <a:pPr algn="ctr"/>
+            <a:r>
+              <a:rPr lang="en-US" altLang="ko-KR" sz="1000" dirty="0">
+                <a:latin typeface="Arial" panose="020B0604020202020204" pitchFamily="34" charset="0"/>
+                <a:cs typeface="Arial" panose="020B0604020202020204" pitchFamily="34" charset="0"/>
+              </a:rPr>
+              <a:t>UI</a:t>
+            </a:r>
+            <a:r>
+              <a:rPr lang="ko-KR" altLang="en-US" sz="1000" dirty="0">
+                <a:latin typeface="Arial" panose="020B0604020202020204" pitchFamily="34" charset="0"/>
+                <a:cs typeface="Arial" panose="020B0604020202020204" pitchFamily="34" charset="0"/>
+              </a:rPr>
+              <a:t> 와 기능 분리</a:t>
+            </a:r>
+            <a:r>
+              <a:rPr lang="en-US" altLang="ko-KR" sz="1000" dirty="0">
+                <a:latin typeface="Arial" panose="020B0604020202020204" pitchFamily="34" charset="0"/>
+                <a:cs typeface="Arial" panose="020B0604020202020204" pitchFamily="34" charset="0"/>
+              </a:rPr>
+              <a:t>(front</a:t>
+            </a:r>
+            <a:r>
+              <a:rPr lang="ko-KR" altLang="en-US" sz="1000" dirty="0">
+                <a:latin typeface="Arial" panose="020B0604020202020204" pitchFamily="34" charset="0"/>
+                <a:cs typeface="Arial" panose="020B0604020202020204" pitchFamily="34" charset="0"/>
+              </a:rPr>
+              <a:t> </a:t>
+            </a:r>
+            <a:r>
+              <a:rPr lang="en-US" altLang="ko-KR" sz="1000" dirty="0">
+                <a:latin typeface="Arial" panose="020B0604020202020204" pitchFamily="34" charset="0"/>
+                <a:cs typeface="Arial" panose="020B0604020202020204" pitchFamily="34" charset="0"/>
+              </a:rPr>
+              <a:t>/ Back)</a:t>
+            </a:r>
+            <a:endParaRPr lang="ko-KR" altLang="en-US" sz="1000" dirty="0">
+              <a:latin typeface="Arial" panose="020B0604020202020204" pitchFamily="34" charset="0"/>
+              <a:cs typeface="Arial" panose="020B0604020202020204" pitchFamily="34" charset="0"/>
+            </a:endParaRPr>
+          </a:p>
+        </p:txBody>
+      </p:sp>
+      <p:sp>
+        <p:nvSpPr>
+          <p:cNvPr id="14" name="TextBox 13">
+            <a:extLst>
+              <a:ext uri="{FF2B5EF4-FFF2-40B4-BE49-F238E27FC236}">
+                <a16:creationId xmlns:a16="http://schemas.microsoft.com/office/drawing/2014/main" id="{83558764-5606-49BD-B9DC-C6EFD5401804}"/>
+              </a:ext>
+            </a:extLst>
+          </p:cNvPr>
+          <p:cNvSpPr txBox="1"/>
+          <p:nvPr/>
+        </p:nvSpPr>
+        <p:spPr>
+          <a:xfrm>
+            <a:off x="232210" y="3990483"/>
+            <a:ext cx="6943910" cy="2400657"/>
+          </a:xfrm>
+          <a:prstGeom prst="rect">
+            <a:avLst/>
+          </a:prstGeom>
+          <a:noFill/>
+        </p:spPr>
+        <p:txBody>
+          <a:bodyPr wrap="square" rtlCol="0">
+            <a:spAutoFit/>
+          </a:bodyPr>
+          <a:lstStyle/>
+          <a:p>
+            <a:pPr algn="l">
+              <a:buFont typeface="+mj-lt"/>
+              <a:buAutoNum type="arabicPeriod"/>
+            </a:pPr>
+            <a:r>
+              <a:rPr lang="ko-KR" altLang="en-US" sz="1000" b="1" i="0" dirty="0">
+                <a:effectLst/>
+                <a:latin typeface="Söhne"/>
+              </a:rPr>
+              <a:t>모델 </a:t>
+            </a:r>
+            <a:r>
+              <a:rPr lang="en-US" altLang="ko-KR" sz="1000" b="1" i="0" dirty="0">
+                <a:effectLst/>
+                <a:latin typeface="Söhne"/>
+              </a:rPr>
+              <a:t>(Model):</a:t>
+            </a:r>
+            <a:endParaRPr lang="ko-KR" altLang="en-US" sz="1000" b="0" i="0" dirty="0">
+              <a:effectLst/>
+              <a:latin typeface="Söhne"/>
+            </a:endParaRPr>
+          </a:p>
+          <a:p>
+            <a:pPr marL="742950" lvl="1" indent="-285750" algn="l">
+              <a:buFont typeface="+mj-lt"/>
+              <a:buAutoNum type="arabicPeriod"/>
+            </a:pPr>
+            <a:r>
+              <a:rPr lang="ko-KR" altLang="en-US" sz="1000" b="0" i="0" dirty="0">
+                <a:effectLst/>
+                <a:latin typeface="Söhne"/>
+              </a:rPr>
+              <a:t>모델은 애플리케이션의 데이터와 비즈니스 로직을 담당</a:t>
+            </a:r>
+            <a:r>
+              <a:rPr lang="en-US" altLang="ko-KR" sz="1000" b="0" i="0" dirty="0">
+                <a:effectLst/>
+                <a:latin typeface="Söhne"/>
+              </a:rPr>
+              <a:t>.</a:t>
+            </a:r>
+          </a:p>
+          <a:p>
+            <a:pPr marL="742950" lvl="1" indent="-285750" algn="l">
+              <a:buFont typeface="+mj-lt"/>
+              <a:buAutoNum type="arabicPeriod"/>
+            </a:pPr>
+            <a:r>
+              <a:rPr lang="ko-KR" altLang="en-US" sz="1000" b="0" i="0" dirty="0">
+                <a:effectLst/>
+                <a:latin typeface="Söhne"/>
+              </a:rPr>
+              <a:t>데이터베이스</a:t>
+            </a:r>
+            <a:r>
+              <a:rPr lang="en-US" altLang="ko-KR" sz="1000" b="0" i="0" dirty="0">
+                <a:effectLst/>
+                <a:latin typeface="Söhne"/>
+              </a:rPr>
+              <a:t>, </a:t>
+            </a:r>
+            <a:r>
+              <a:rPr lang="ko-KR" altLang="en-US" sz="1000" b="0" i="0" dirty="0">
+                <a:effectLst/>
+                <a:latin typeface="Söhne"/>
+              </a:rPr>
+              <a:t>외부 서비스 또는 애플리케이션 내부의 데이터와 관련된 작업을 수</a:t>
+            </a:r>
+            <a:r>
+              <a:rPr lang="ko-KR" altLang="en-US" sz="1000" dirty="0">
+                <a:latin typeface="Söhne"/>
+              </a:rPr>
+              <a:t>행</a:t>
+            </a:r>
+            <a:r>
+              <a:rPr lang="en-US" altLang="ko-KR" sz="1000" dirty="0">
+                <a:latin typeface="Söhne"/>
+              </a:rPr>
+              <a:t>.</a:t>
+            </a:r>
+            <a:endParaRPr lang="en-US" altLang="ko-KR" sz="1000" b="0" i="0" dirty="0">
+              <a:effectLst/>
+              <a:latin typeface="Söhne"/>
+            </a:endParaRPr>
+          </a:p>
+          <a:p>
+            <a:pPr marL="742950" lvl="1" indent="-285750" algn="l">
+              <a:buFont typeface="+mj-lt"/>
+              <a:buAutoNum type="arabicPeriod"/>
+            </a:pPr>
+            <a:r>
+              <a:rPr lang="ko-KR" altLang="en-US" sz="1000" b="0" i="0" dirty="0">
+                <a:effectLst/>
+                <a:latin typeface="Söhne"/>
+              </a:rPr>
+              <a:t>주로 데이터 구조와 데이터 조작을 담당</a:t>
+            </a:r>
+            <a:r>
+              <a:rPr lang="en-US" altLang="ko-KR" sz="1000" b="0" i="0" dirty="0">
+                <a:effectLst/>
+                <a:latin typeface="Söhne"/>
+              </a:rPr>
+              <a:t>.</a:t>
+            </a:r>
+          </a:p>
+          <a:p>
+            <a:pPr marL="742950" lvl="1" indent="-285750" algn="l">
+              <a:buFont typeface="+mj-lt"/>
+              <a:buAutoNum type="arabicPeriod"/>
+            </a:pPr>
+            <a:endParaRPr lang="en-US" altLang="ko-KR" sz="1000" b="0" i="0" dirty="0">
+              <a:effectLst/>
+              <a:latin typeface="Söhne"/>
+            </a:endParaRPr>
+          </a:p>
+          <a:p>
+            <a:pPr algn="l">
+              <a:buFont typeface="+mj-lt"/>
+              <a:buAutoNum type="arabicPeriod"/>
+            </a:pPr>
+            <a:r>
+              <a:rPr lang="ko-KR" altLang="en-US" sz="1000" b="1" i="0" dirty="0">
+                <a:effectLst/>
+                <a:latin typeface="Söhne"/>
+              </a:rPr>
+              <a:t>뷰 </a:t>
+            </a:r>
+            <a:r>
+              <a:rPr lang="en-US" altLang="ko-KR" sz="1000" b="1" i="0" dirty="0">
+                <a:effectLst/>
+                <a:latin typeface="Söhne"/>
+              </a:rPr>
+              <a:t>(View):</a:t>
+            </a:r>
+            <a:endParaRPr lang="ko-KR" altLang="en-US" sz="1000" b="0" i="0" dirty="0">
+              <a:effectLst/>
+              <a:latin typeface="Söhne"/>
+            </a:endParaRPr>
+          </a:p>
+          <a:p>
+            <a:pPr marL="742950" lvl="1" indent="-285750" algn="l">
+              <a:buFont typeface="+mj-lt"/>
+              <a:buAutoNum type="arabicPeriod"/>
+            </a:pPr>
+            <a:r>
+              <a:rPr lang="ko-KR" altLang="en-US" sz="1000" b="0" i="0" dirty="0">
+                <a:effectLst/>
+                <a:latin typeface="Söhne"/>
+              </a:rPr>
+              <a:t>뷰는 </a:t>
+            </a:r>
+            <a:r>
+              <a:rPr lang="en-US" altLang="ko-KR" sz="1000" dirty="0">
+                <a:latin typeface="Söhne"/>
+              </a:rPr>
+              <a:t>UI</a:t>
+            </a:r>
+            <a:r>
+              <a:rPr lang="ko-KR" altLang="en-US" sz="1000" dirty="0">
+                <a:latin typeface="Söhne"/>
+              </a:rPr>
+              <a:t>를 의미</a:t>
+            </a:r>
+            <a:endParaRPr lang="en-US" altLang="ko-KR" sz="1000" dirty="0">
+              <a:latin typeface="Söhne"/>
+            </a:endParaRPr>
+          </a:p>
+          <a:p>
+            <a:pPr marL="742950" lvl="1" indent="-285750" algn="l">
+              <a:buFont typeface="+mj-lt"/>
+              <a:buAutoNum type="arabicPeriod"/>
+            </a:pPr>
+            <a:r>
+              <a:rPr lang="en-US" altLang="ko-KR" sz="1000" b="0" i="0" dirty="0">
+                <a:effectLst/>
+                <a:latin typeface="Söhne"/>
+              </a:rPr>
+              <a:t>XAML</a:t>
+            </a:r>
+            <a:r>
+              <a:rPr lang="ko-KR" altLang="en-US" sz="1000" b="0" i="0" dirty="0">
+                <a:effectLst/>
+                <a:latin typeface="Söhne"/>
+              </a:rPr>
+              <a:t>을 사용하여 디자인됨</a:t>
+            </a:r>
+            <a:endParaRPr lang="en-US" altLang="ko-KR" sz="1000" b="0" i="0" dirty="0">
+              <a:effectLst/>
+              <a:latin typeface="Söhne"/>
+            </a:endParaRPr>
+          </a:p>
+          <a:p>
+            <a:pPr marL="742950" lvl="1" indent="-285750" algn="l">
+              <a:buFont typeface="+mj-lt"/>
+              <a:buAutoNum type="arabicPeriod"/>
+            </a:pPr>
+            <a:r>
+              <a:rPr lang="ko-KR" altLang="en-US" sz="1000" b="0" i="0" dirty="0">
+                <a:effectLst/>
+                <a:latin typeface="Söhne"/>
+              </a:rPr>
+              <a:t>사용자의 입력을 받아 </a:t>
+            </a:r>
+            <a:r>
+              <a:rPr lang="ko-KR" altLang="en-US" sz="1000" b="0" i="0" dirty="0" err="1">
+                <a:effectLst/>
+                <a:latin typeface="Söhne"/>
+              </a:rPr>
+              <a:t>뷰모델에</a:t>
+            </a:r>
+            <a:r>
+              <a:rPr lang="ko-KR" altLang="en-US" sz="1000" b="0" i="0" dirty="0">
+                <a:effectLst/>
+                <a:latin typeface="Söhne"/>
+              </a:rPr>
+              <a:t> 전달하고</a:t>
+            </a:r>
+            <a:r>
+              <a:rPr lang="en-US" altLang="ko-KR" sz="1000" b="0" i="0" dirty="0">
+                <a:effectLst/>
+                <a:latin typeface="Söhne"/>
+              </a:rPr>
+              <a:t>, </a:t>
+            </a:r>
+            <a:r>
+              <a:rPr lang="ko-KR" altLang="en-US" sz="1000" b="0" i="0" dirty="0" err="1">
+                <a:effectLst/>
+                <a:latin typeface="Söhne"/>
+              </a:rPr>
+              <a:t>뷰모델로부터</a:t>
+            </a:r>
+            <a:r>
+              <a:rPr lang="ko-KR" altLang="en-US" sz="1000" b="0" i="0" dirty="0">
+                <a:effectLst/>
+                <a:latin typeface="Söhne"/>
+              </a:rPr>
+              <a:t> 데이터를 가져와 화면에 표시</a:t>
+            </a:r>
+            <a:endParaRPr lang="en-US" altLang="ko-KR" sz="1000" b="0" i="0" dirty="0">
+              <a:effectLst/>
+              <a:latin typeface="Söhne"/>
+            </a:endParaRPr>
+          </a:p>
+          <a:p>
+            <a:pPr marL="742950" lvl="1" indent="-285750" algn="l">
+              <a:buFont typeface="+mj-lt"/>
+              <a:buAutoNum type="arabicPeriod"/>
+            </a:pPr>
+            <a:endParaRPr lang="en-US" altLang="ko-KR" sz="1000" b="0" i="0" dirty="0">
+              <a:effectLst/>
+              <a:latin typeface="Söhne"/>
+            </a:endParaRPr>
+          </a:p>
+          <a:p>
+            <a:pPr algn="l">
+              <a:buFont typeface="+mj-lt"/>
+              <a:buAutoNum type="arabicPeriod"/>
+            </a:pPr>
+            <a:r>
+              <a:rPr lang="ko-KR" altLang="en-US" sz="1000" b="1" i="0" dirty="0" err="1">
+                <a:effectLst/>
+                <a:latin typeface="Söhne"/>
+              </a:rPr>
+              <a:t>뷰모델</a:t>
+            </a:r>
+            <a:r>
+              <a:rPr lang="ko-KR" altLang="en-US" sz="1000" b="1" i="0" dirty="0">
+                <a:effectLst/>
+                <a:latin typeface="Söhne"/>
+              </a:rPr>
+              <a:t> </a:t>
+            </a:r>
+            <a:r>
+              <a:rPr lang="en-US" altLang="ko-KR" sz="1000" b="1" i="0" dirty="0">
+                <a:effectLst/>
+                <a:latin typeface="Söhne"/>
+              </a:rPr>
+              <a:t>(</a:t>
+            </a:r>
+            <a:r>
+              <a:rPr lang="en-US" altLang="ko-KR" sz="1000" b="1" i="0" dirty="0" err="1">
+                <a:effectLst/>
+                <a:latin typeface="Söhne"/>
+              </a:rPr>
+              <a:t>ViewModel</a:t>
+            </a:r>
+            <a:r>
+              <a:rPr lang="en-US" altLang="ko-KR" sz="1000" b="1" i="0" dirty="0">
+                <a:effectLst/>
+                <a:latin typeface="Söhne"/>
+              </a:rPr>
+              <a:t>):</a:t>
+            </a:r>
+            <a:endParaRPr lang="ko-KR" altLang="en-US" sz="1000" b="0" i="0" dirty="0">
+              <a:effectLst/>
+              <a:latin typeface="Söhne"/>
+            </a:endParaRPr>
+          </a:p>
+          <a:p>
+            <a:pPr marL="742950" lvl="1" indent="-285750" algn="l">
+              <a:buFont typeface="+mj-lt"/>
+              <a:buAutoNum type="arabicPeriod"/>
+            </a:pPr>
+            <a:r>
+              <a:rPr lang="ko-KR" altLang="en-US" sz="1000" b="0" i="0" dirty="0" err="1">
+                <a:effectLst/>
+                <a:latin typeface="Söhne"/>
+              </a:rPr>
+              <a:t>뷰모델은</a:t>
+            </a:r>
+            <a:r>
+              <a:rPr lang="ko-KR" altLang="en-US" sz="1000" b="0" i="0" dirty="0">
+                <a:effectLst/>
+                <a:latin typeface="Söhne"/>
+              </a:rPr>
+              <a:t> 뷰와 모델 간의 중간 역할을 합니다</a:t>
+            </a:r>
+            <a:r>
+              <a:rPr lang="en-US" altLang="ko-KR" sz="1000" b="0" i="0" dirty="0">
+                <a:effectLst/>
+                <a:latin typeface="Söhne"/>
+              </a:rPr>
+              <a:t>.</a:t>
+            </a:r>
+          </a:p>
+          <a:p>
+            <a:pPr marL="742950" lvl="1" indent="-285750" algn="l">
+              <a:buFont typeface="+mj-lt"/>
+              <a:buAutoNum type="arabicPeriod"/>
+            </a:pPr>
+            <a:r>
+              <a:rPr lang="ko-KR" altLang="en-US" sz="1000" b="0" i="0" dirty="0">
+                <a:effectLst/>
+                <a:latin typeface="Söhne"/>
+              </a:rPr>
+              <a:t>사용자 인터페이스와 관련된 로직을 처리하며</a:t>
+            </a:r>
+            <a:r>
+              <a:rPr lang="en-US" altLang="ko-KR" sz="1000" b="0" i="0" dirty="0">
+                <a:effectLst/>
+                <a:latin typeface="Söhne"/>
+              </a:rPr>
+              <a:t>, </a:t>
+            </a:r>
+            <a:r>
+              <a:rPr lang="ko-KR" altLang="en-US" sz="1000" b="0" i="0" dirty="0">
+                <a:effectLst/>
+                <a:latin typeface="Söhne"/>
+              </a:rPr>
+              <a:t>뷰에서 발생한 이벤트를 감지하고 모델에 데이터 요청을 전달</a:t>
+            </a:r>
+            <a:r>
+              <a:rPr lang="en-US" altLang="ko-KR" sz="1000" b="0" i="0" dirty="0">
+                <a:effectLst/>
+                <a:latin typeface="Söhne"/>
+              </a:rPr>
+              <a:t>.</a:t>
+            </a:r>
+          </a:p>
+          <a:p>
+            <a:pPr marL="742950" lvl="1" indent="-285750" algn="l">
+              <a:buFont typeface="+mj-lt"/>
+              <a:buAutoNum type="arabicPeriod"/>
+            </a:pPr>
+            <a:r>
+              <a:rPr lang="ko-KR" altLang="en-US" sz="1000" b="0" i="0" dirty="0">
+                <a:effectLst/>
+                <a:latin typeface="Söhne"/>
+              </a:rPr>
+              <a:t>데이터 바인딩을 통해 뷰와 모델을 연결하고</a:t>
+            </a:r>
+            <a:r>
+              <a:rPr lang="en-US" altLang="ko-KR" sz="1000" b="0" i="0" dirty="0">
+                <a:effectLst/>
+                <a:latin typeface="Söhne"/>
+              </a:rPr>
+              <a:t>, </a:t>
+            </a:r>
+            <a:r>
+              <a:rPr lang="ko-KR" altLang="en-US" sz="1000" b="0" i="0" dirty="0">
+                <a:effectLst/>
+                <a:latin typeface="Söhne"/>
+              </a:rPr>
+              <a:t>뷰에서 필요한 데이터를 제공</a:t>
+            </a:r>
+            <a:r>
+              <a:rPr lang="en-US" altLang="ko-KR" sz="1000" b="0" i="0" dirty="0">
+                <a:effectLst/>
+                <a:latin typeface="Söhne"/>
+              </a:rPr>
+              <a:t>.</a:t>
+            </a:r>
+          </a:p>
+          <a:p>
+            <a:pPr marL="742950" lvl="1" indent="-285750" algn="l">
+              <a:buFont typeface="+mj-lt"/>
+              <a:buAutoNum type="arabicPeriod"/>
+            </a:pPr>
+            <a:r>
+              <a:rPr lang="ko-KR" altLang="en-US" sz="1000" b="0" i="0" dirty="0">
+                <a:effectLst/>
+                <a:latin typeface="Söhne"/>
+              </a:rPr>
+              <a:t>주로 비즈니스 로직</a:t>
+            </a:r>
+            <a:r>
+              <a:rPr lang="en-US" altLang="ko-KR" sz="1000" b="0" i="0" dirty="0">
+                <a:effectLst/>
+                <a:latin typeface="Söhne"/>
+              </a:rPr>
+              <a:t>, </a:t>
+            </a:r>
+            <a:r>
+              <a:rPr lang="ko-KR" altLang="en-US" sz="1000" b="0" i="0" dirty="0">
+                <a:effectLst/>
+                <a:latin typeface="Söhne"/>
+              </a:rPr>
+              <a:t>데이터 가공 및 뷰에 표시할 데이터를 관리</a:t>
+            </a:r>
+            <a:r>
+              <a:rPr lang="en-US" altLang="ko-KR" sz="1000" b="0" i="0" dirty="0">
+                <a:effectLst/>
+                <a:latin typeface="Söhne"/>
+              </a:rPr>
+              <a:t>.</a:t>
+            </a:r>
+          </a:p>
+        </p:txBody>
+      </p:sp>
+      <p:grpSp>
+        <p:nvGrpSpPr>
+          <p:cNvPr id="18" name="그룹 17">
+            <a:extLst>
+              <a:ext uri="{FF2B5EF4-FFF2-40B4-BE49-F238E27FC236}">
+                <a16:creationId xmlns:a16="http://schemas.microsoft.com/office/drawing/2014/main" id="{E4683A94-586E-474A-9C4D-B4F216C339CA}"/>
+              </a:ext>
+            </a:extLst>
+          </p:cNvPr>
+          <p:cNvGrpSpPr/>
+          <p:nvPr/>
+        </p:nvGrpSpPr>
+        <p:grpSpPr>
+          <a:xfrm>
+            <a:off x="7494437" y="853971"/>
+            <a:ext cx="3408261" cy="1258847"/>
+            <a:chOff x="73141" y="1084237"/>
+            <a:chExt cx="3408261" cy="1258847"/>
+          </a:xfrm>
+        </p:grpSpPr>
+        <p:pic>
+          <p:nvPicPr>
+            <p:cNvPr id="19" name="그림 18">
+              <a:extLst>
+                <a:ext uri="{FF2B5EF4-FFF2-40B4-BE49-F238E27FC236}">
+                  <a16:creationId xmlns:a16="http://schemas.microsoft.com/office/drawing/2014/main" id="{729DC216-DB63-4B28-B3D0-EFE6D058AD8E}"/>
+                </a:ext>
+              </a:extLst>
+            </p:cNvPr>
+            <p:cNvPicPr>
+              <a:picLocks noChangeAspect="1"/>
+            </p:cNvPicPr>
+            <p:nvPr/>
+          </p:nvPicPr>
+          <p:blipFill>
+            <a:blip r:embed="rId4"/>
+            <a:stretch>
+              <a:fillRect/>
+            </a:stretch>
+          </p:blipFill>
+          <p:spPr>
+            <a:xfrm>
+              <a:off x="1800836" y="1084237"/>
+              <a:ext cx="1680566" cy="1144816"/>
+            </a:xfrm>
+            <a:prstGeom prst="rect">
+              <a:avLst/>
+            </a:prstGeom>
+          </p:spPr>
+        </p:pic>
+        <p:sp>
+          <p:nvSpPr>
+            <p:cNvPr id="20" name="TextBox 19">
+              <a:extLst>
+                <a:ext uri="{FF2B5EF4-FFF2-40B4-BE49-F238E27FC236}">
+                  <a16:creationId xmlns:a16="http://schemas.microsoft.com/office/drawing/2014/main" id="{C04DA90E-1F57-43CF-B318-6A4ACC2AC095}"/>
+                </a:ext>
+              </a:extLst>
+            </p:cNvPr>
+            <p:cNvSpPr txBox="1"/>
+            <p:nvPr/>
+          </p:nvSpPr>
+          <p:spPr>
+            <a:xfrm>
+              <a:off x="444577" y="2096863"/>
+              <a:ext cx="812611" cy="246221"/>
+            </a:xfrm>
+            <a:prstGeom prst="rect">
+              <a:avLst/>
+            </a:prstGeom>
+            <a:noFill/>
+          </p:spPr>
+          <p:txBody>
+            <a:bodyPr wrap="square" rtlCol="0">
+              <a:spAutoFit/>
+            </a:bodyPr>
+            <a:lstStyle/>
+            <a:p>
+              <a:pPr algn="ctr"/>
+              <a:r>
+                <a:rPr lang="en-US" altLang="ko-KR" sz="1000" dirty="0">
+                  <a:latin typeface="Arial" panose="020B0604020202020204" pitchFamily="34" charset="0"/>
+                  <a:cs typeface="Arial" panose="020B0604020202020204" pitchFamily="34" charset="0"/>
+                </a:rPr>
+                <a:t>View</a:t>
+              </a:r>
+            </a:p>
+          </p:txBody>
+        </p:sp>
+        <p:pic>
+          <p:nvPicPr>
+            <p:cNvPr id="21" name="그림 20">
+              <a:extLst>
+                <a:ext uri="{FF2B5EF4-FFF2-40B4-BE49-F238E27FC236}">
+                  <a16:creationId xmlns:a16="http://schemas.microsoft.com/office/drawing/2014/main" id="{DD215BDF-E847-4FDD-B502-242E6B02F148}"/>
+                </a:ext>
+              </a:extLst>
+            </p:cNvPr>
+            <p:cNvPicPr>
+              <a:picLocks noChangeAspect="1"/>
+            </p:cNvPicPr>
+            <p:nvPr/>
+          </p:nvPicPr>
+          <p:blipFill>
+            <a:blip r:embed="rId5"/>
+            <a:stretch>
+              <a:fillRect/>
+            </a:stretch>
+          </p:blipFill>
+          <p:spPr>
+            <a:xfrm>
+              <a:off x="73141" y="1204068"/>
+              <a:ext cx="1599141" cy="907730"/>
+            </a:xfrm>
+            <a:prstGeom prst="rect">
+              <a:avLst/>
+            </a:prstGeom>
+          </p:spPr>
+        </p:pic>
+        <p:cxnSp>
+          <p:nvCxnSpPr>
+            <p:cNvPr id="22" name="직선 화살표 연결선 21">
+              <a:extLst>
+                <a:ext uri="{FF2B5EF4-FFF2-40B4-BE49-F238E27FC236}">
+                  <a16:creationId xmlns:a16="http://schemas.microsoft.com/office/drawing/2014/main" id="{06D84AE2-4AF2-4637-8D63-E5A104F4F545}"/>
+                </a:ext>
+              </a:extLst>
+            </p:cNvPr>
+            <p:cNvCxnSpPr>
+              <a:cxnSpLocks/>
+            </p:cNvCxnSpPr>
+            <p:nvPr/>
+          </p:nvCxnSpPr>
+          <p:spPr>
+            <a:xfrm>
+              <a:off x="1476171" y="1623257"/>
+              <a:ext cx="504056" cy="0"/>
+            </a:xfrm>
+            <a:prstGeom prst="straightConnector1">
+              <a:avLst/>
+            </a:prstGeom>
+            <a:ln>
+              <a:headEnd type="triangle"/>
+              <a:tailEnd type="triangle"/>
+            </a:ln>
+          </p:spPr>
+          <p:style>
+            <a:lnRef idx="1">
+              <a:schemeClr val="accent2"/>
+            </a:lnRef>
+            <a:fillRef idx="0">
+              <a:schemeClr val="accent2"/>
+            </a:fillRef>
+            <a:effectRef idx="0">
+              <a:schemeClr val="accent2"/>
+            </a:effectRef>
+            <a:fontRef idx="minor">
+              <a:schemeClr val="tx1"/>
+            </a:fontRef>
+          </p:style>
+        </p:cxnSp>
+      </p:grpSp>
+      <p:grpSp>
+        <p:nvGrpSpPr>
+          <p:cNvPr id="23" name="그룹 22">
+            <a:extLst>
+              <a:ext uri="{FF2B5EF4-FFF2-40B4-BE49-F238E27FC236}">
+                <a16:creationId xmlns:a16="http://schemas.microsoft.com/office/drawing/2014/main" id="{AA30E025-C9A5-49CC-8751-E08F7883447F}"/>
+              </a:ext>
+            </a:extLst>
+          </p:cNvPr>
+          <p:cNvGrpSpPr/>
+          <p:nvPr/>
+        </p:nvGrpSpPr>
+        <p:grpSpPr>
+          <a:xfrm>
+            <a:off x="7104112" y="2409474"/>
+            <a:ext cx="4880555" cy="671583"/>
+            <a:chOff x="176828" y="2799971"/>
+            <a:chExt cx="4880555" cy="671583"/>
+          </a:xfrm>
+        </p:grpSpPr>
+        <p:pic>
+          <p:nvPicPr>
+            <p:cNvPr id="24" name="그림 23">
+              <a:extLst>
+                <a:ext uri="{FF2B5EF4-FFF2-40B4-BE49-F238E27FC236}">
+                  <a16:creationId xmlns:a16="http://schemas.microsoft.com/office/drawing/2014/main" id="{5518D313-B59E-4F34-AE77-54408923BF1B}"/>
+                </a:ext>
+              </a:extLst>
+            </p:cNvPr>
+            <p:cNvPicPr>
+              <a:picLocks noChangeAspect="1"/>
+            </p:cNvPicPr>
+            <p:nvPr/>
+          </p:nvPicPr>
+          <p:blipFill>
+            <a:blip r:embed="rId6"/>
+            <a:stretch>
+              <a:fillRect/>
+            </a:stretch>
+          </p:blipFill>
+          <p:spPr>
+            <a:xfrm>
+              <a:off x="1849436" y="2799971"/>
+              <a:ext cx="3207947" cy="671583"/>
+            </a:xfrm>
+            <a:prstGeom prst="rect">
+              <a:avLst/>
+            </a:prstGeom>
+          </p:spPr>
+        </p:pic>
+        <p:grpSp>
+          <p:nvGrpSpPr>
+            <p:cNvPr id="25" name="그룹 24">
+              <a:extLst>
+                <a:ext uri="{FF2B5EF4-FFF2-40B4-BE49-F238E27FC236}">
+                  <a16:creationId xmlns:a16="http://schemas.microsoft.com/office/drawing/2014/main" id="{0F0E513A-262A-45F7-9685-2A363FF460B5}"/>
+                </a:ext>
+              </a:extLst>
+            </p:cNvPr>
+            <p:cNvGrpSpPr/>
+            <p:nvPr/>
+          </p:nvGrpSpPr>
+          <p:grpSpPr>
+            <a:xfrm>
+              <a:off x="176828" y="3036909"/>
+              <a:ext cx="1454676" cy="287888"/>
+              <a:chOff x="187369" y="3168468"/>
+              <a:chExt cx="1454676" cy="287888"/>
+            </a:xfrm>
+          </p:grpSpPr>
+          <p:sp>
+            <p:nvSpPr>
+              <p:cNvPr id="28" name="사각형: 둥근 모서리 27">
+                <a:extLst>
+                  <a:ext uri="{FF2B5EF4-FFF2-40B4-BE49-F238E27FC236}">
+                    <a16:creationId xmlns:a16="http://schemas.microsoft.com/office/drawing/2014/main" id="{F8F196E4-717F-44A1-BE19-BE64942335CE}"/>
+                  </a:ext>
+                </a:extLst>
+              </p:cNvPr>
+              <p:cNvSpPr/>
+              <p:nvPr/>
+            </p:nvSpPr>
+            <p:spPr>
+              <a:xfrm>
+                <a:off x="187369" y="3168468"/>
+                <a:ext cx="1454676" cy="287888"/>
+              </a:xfrm>
+              <a:prstGeom prst="roundRect">
+                <a:avLst/>
+              </a:prstGeom>
+              <a:solidFill>
+                <a:schemeClr val="accent5">
+                  <a:lumMod val="20000"/>
+                  <a:lumOff val="80000"/>
+                </a:schemeClr>
+              </a:solidFill>
+              <a:ln>
+                <a:noFill/>
+              </a:ln>
+            </p:spPr>
+            <p:style>
+              <a:lnRef idx="2">
+                <a:schemeClr val="accent1">
+                  <a:shade val="50000"/>
+                </a:schemeClr>
+              </a:lnRef>
+              <a:fillRef idx="1">
+                <a:schemeClr val="accent1"/>
+              </a:fillRef>
+              <a:effectRef idx="0">
+                <a:schemeClr val="accent1"/>
+              </a:effectRef>
+              <a:fontRef idx="minor">
+                <a:schemeClr val="lt1"/>
+              </a:fontRef>
+            </p:style>
+            <p:txBody>
+              <a:bodyPr rtlCol="0" anchor="ctr"/>
+              <a:lstStyle/>
+              <a:p>
+                <a:pPr algn="ctr"/>
+                <a:endParaRPr lang="ko-KR" altLang="en-US"/>
+              </a:p>
+            </p:txBody>
+          </p:sp>
+          <p:sp>
+            <p:nvSpPr>
+              <p:cNvPr id="29" name="TextBox 28">
+                <a:extLst>
+                  <a:ext uri="{FF2B5EF4-FFF2-40B4-BE49-F238E27FC236}">
+                    <a16:creationId xmlns:a16="http://schemas.microsoft.com/office/drawing/2014/main" id="{25923A82-455E-405B-B24B-8A09DBE73893}"/>
+                  </a:ext>
+                </a:extLst>
+              </p:cNvPr>
+              <p:cNvSpPr txBox="1"/>
+              <p:nvPr/>
+            </p:nvSpPr>
+            <p:spPr>
+              <a:xfrm>
+                <a:off x="497860" y="3189302"/>
+                <a:ext cx="812611" cy="246221"/>
+              </a:xfrm>
+              <a:prstGeom prst="rect">
+                <a:avLst/>
+              </a:prstGeom>
+              <a:noFill/>
+            </p:spPr>
+            <p:txBody>
+              <a:bodyPr wrap="square" rtlCol="0">
+                <a:spAutoFit/>
+              </a:bodyPr>
+              <a:lstStyle/>
+              <a:p>
+                <a:pPr algn="ctr"/>
+                <a:r>
+                  <a:rPr lang="en-US" altLang="ko-KR" sz="1000" dirty="0">
+                    <a:latin typeface="Arial" panose="020B0604020202020204" pitchFamily="34" charset="0"/>
+                    <a:cs typeface="Arial" panose="020B0604020202020204" pitchFamily="34" charset="0"/>
+                  </a:rPr>
+                  <a:t>Binding</a:t>
+                </a:r>
+              </a:p>
+            </p:txBody>
+          </p:sp>
+        </p:grpSp>
+        <p:cxnSp>
+          <p:nvCxnSpPr>
+            <p:cNvPr id="26" name="직선 화살표 연결선 25">
+              <a:extLst>
+                <a:ext uri="{FF2B5EF4-FFF2-40B4-BE49-F238E27FC236}">
+                  <a16:creationId xmlns:a16="http://schemas.microsoft.com/office/drawing/2014/main" id="{E3B7ACCD-25F7-44AC-ACEE-4FA81B5B6708}"/>
+                </a:ext>
+              </a:extLst>
+            </p:cNvPr>
+            <p:cNvCxnSpPr>
+              <a:cxnSpLocks/>
+            </p:cNvCxnSpPr>
+            <p:nvPr/>
+          </p:nvCxnSpPr>
+          <p:spPr>
+            <a:xfrm>
+              <a:off x="1506189" y="3180853"/>
+              <a:ext cx="504056" cy="0"/>
+            </a:xfrm>
+            <a:prstGeom prst="straightConnector1">
+              <a:avLst/>
+            </a:prstGeom>
+            <a:ln>
+              <a:headEnd type="triangle"/>
+              <a:tailEnd type="triangle"/>
+            </a:ln>
+          </p:spPr>
+          <p:style>
+            <a:lnRef idx="1">
+              <a:schemeClr val="accent2"/>
+            </a:lnRef>
+            <a:fillRef idx="0">
+              <a:schemeClr val="accent2"/>
+            </a:fillRef>
+            <a:effectRef idx="0">
+              <a:schemeClr val="accent2"/>
+            </a:effectRef>
+            <a:fontRef idx="minor">
+              <a:schemeClr val="tx1"/>
+            </a:fontRef>
+          </p:style>
+        </p:cxnSp>
+        <p:cxnSp>
+          <p:nvCxnSpPr>
+            <p:cNvPr id="27" name="직선 연결선 26">
+              <a:extLst>
+                <a:ext uri="{FF2B5EF4-FFF2-40B4-BE49-F238E27FC236}">
+                  <a16:creationId xmlns:a16="http://schemas.microsoft.com/office/drawing/2014/main" id="{92E97C82-9672-4C9E-A257-E068B89C8B45}"/>
+                </a:ext>
+              </a:extLst>
+            </p:cNvPr>
+            <p:cNvCxnSpPr>
+              <a:cxnSpLocks/>
+            </p:cNvCxnSpPr>
+            <p:nvPr/>
+          </p:nvCxnSpPr>
+          <p:spPr>
+            <a:xfrm>
+              <a:off x="2135560" y="3324797"/>
+              <a:ext cx="2016224" cy="0"/>
+            </a:xfrm>
+            <a:prstGeom prst="line">
+              <a:avLst/>
+            </a:prstGeom>
+            <a:ln w="9525" cap="flat" cmpd="sng" algn="ctr">
+              <a:solidFill>
+                <a:schemeClr val="accent2"/>
+              </a:solidFill>
+              <a:prstDash val="dash"/>
+              <a:round/>
+              <a:headEnd type="none" w="med" len="med"/>
+              <a:tailEnd type="none" w="med" len="med"/>
+            </a:ln>
+          </p:spPr>
+          <p:style>
+            <a:lnRef idx="0">
+              <a:scrgbClr r="0" g="0" b="0"/>
+            </a:lnRef>
+            <a:fillRef idx="0">
+              <a:scrgbClr r="0" g="0" b="0"/>
+            </a:fillRef>
+            <a:effectRef idx="0">
+              <a:scrgbClr r="0" g="0" b="0"/>
+            </a:effectRef>
+            <a:fontRef idx="minor">
+              <a:schemeClr val="tx1"/>
+            </a:fontRef>
+          </p:style>
+        </p:cxnSp>
+      </p:grpSp>
+      <p:grpSp>
+        <p:nvGrpSpPr>
+          <p:cNvPr id="30" name="그룹 29">
+            <a:extLst>
+              <a:ext uri="{FF2B5EF4-FFF2-40B4-BE49-F238E27FC236}">
+                <a16:creationId xmlns:a16="http://schemas.microsoft.com/office/drawing/2014/main" id="{95C3E861-FDAD-4B77-A05D-6C26DB50A941}"/>
+              </a:ext>
+            </a:extLst>
+          </p:cNvPr>
+          <p:cNvGrpSpPr/>
+          <p:nvPr/>
+        </p:nvGrpSpPr>
+        <p:grpSpPr>
+          <a:xfrm>
+            <a:off x="7104112" y="3313510"/>
+            <a:ext cx="3427105" cy="1543265"/>
+            <a:chOff x="5551733" y="1359449"/>
+            <a:chExt cx="3427105" cy="1543265"/>
+          </a:xfrm>
+        </p:grpSpPr>
+        <p:pic>
+          <p:nvPicPr>
+            <p:cNvPr id="31" name="그림 30">
+              <a:extLst>
+                <a:ext uri="{FF2B5EF4-FFF2-40B4-BE49-F238E27FC236}">
+                  <a16:creationId xmlns:a16="http://schemas.microsoft.com/office/drawing/2014/main" id="{92540324-89FB-4F5A-882C-44D14AE34E59}"/>
+                </a:ext>
+              </a:extLst>
+            </p:cNvPr>
+            <p:cNvPicPr>
+              <a:picLocks noChangeAspect="1"/>
+            </p:cNvPicPr>
+            <p:nvPr/>
+          </p:nvPicPr>
+          <p:blipFill>
+            <a:blip r:embed="rId7"/>
+            <a:stretch>
+              <a:fillRect/>
+            </a:stretch>
+          </p:blipFill>
+          <p:spPr>
+            <a:xfrm>
+              <a:off x="7464152" y="1359449"/>
+              <a:ext cx="1514686" cy="1543265"/>
+            </a:xfrm>
+            <a:prstGeom prst="rect">
+              <a:avLst/>
+            </a:prstGeom>
+          </p:spPr>
+        </p:pic>
+        <p:sp>
+          <p:nvSpPr>
+            <p:cNvPr id="32" name="사각형: 둥근 모서리 31">
+              <a:extLst>
+                <a:ext uri="{FF2B5EF4-FFF2-40B4-BE49-F238E27FC236}">
+                  <a16:creationId xmlns:a16="http://schemas.microsoft.com/office/drawing/2014/main" id="{66CF8E54-D5BD-4939-AC68-824374299B59}"/>
+                </a:ext>
+              </a:extLst>
+            </p:cNvPr>
+            <p:cNvSpPr/>
+            <p:nvPr/>
+          </p:nvSpPr>
+          <p:spPr>
+            <a:xfrm>
+              <a:off x="5551733" y="1967293"/>
+              <a:ext cx="1454676" cy="287888"/>
+            </a:xfrm>
+            <a:prstGeom prst="roundRect">
+              <a:avLst/>
+            </a:prstGeom>
+            <a:solidFill>
+              <a:schemeClr val="accent5">
+                <a:lumMod val="20000"/>
+                <a:lumOff val="80000"/>
+              </a:schemeClr>
+            </a:solidFill>
+            <a:ln>
+              <a:noFill/>
+            </a:ln>
+          </p:spPr>
+          <p:style>
+            <a:lnRef idx="2">
+              <a:schemeClr val="accent1">
+                <a:shade val="50000"/>
+              </a:schemeClr>
+            </a:lnRef>
+            <a:fillRef idx="1">
+              <a:schemeClr val="accent1"/>
+            </a:fillRef>
+            <a:effectRef idx="0">
+              <a:schemeClr val="accent1"/>
+            </a:effectRef>
+            <a:fontRef idx="minor">
+              <a:schemeClr val="lt1"/>
+            </a:fontRef>
+          </p:style>
+          <p:txBody>
+            <a:bodyPr rtlCol="0" anchor="ctr"/>
+            <a:lstStyle/>
+            <a:p>
+              <a:pPr algn="ctr"/>
+              <a:r>
+                <a:rPr lang="en-US" altLang="ko-KR" sz="1000" dirty="0">
+                  <a:solidFill>
+                    <a:schemeClr val="tx1"/>
+                  </a:solidFill>
+                </a:rPr>
+                <a:t>Model</a:t>
+              </a:r>
+              <a:endParaRPr lang="ko-KR" altLang="en-US" sz="1000" dirty="0">
+                <a:solidFill>
+                  <a:schemeClr val="tx1"/>
+                </a:solidFill>
+              </a:endParaRPr>
+            </a:p>
+          </p:txBody>
+        </p:sp>
+        <p:cxnSp>
+          <p:nvCxnSpPr>
+            <p:cNvPr id="33" name="직선 화살표 연결선 32">
+              <a:extLst>
+                <a:ext uri="{FF2B5EF4-FFF2-40B4-BE49-F238E27FC236}">
+                  <a16:creationId xmlns:a16="http://schemas.microsoft.com/office/drawing/2014/main" id="{49BE0AD5-E18C-4A64-AE5B-6461DA9F0219}"/>
+                </a:ext>
+              </a:extLst>
+            </p:cNvPr>
+            <p:cNvCxnSpPr>
+              <a:cxnSpLocks/>
+            </p:cNvCxnSpPr>
+            <p:nvPr/>
+          </p:nvCxnSpPr>
+          <p:spPr>
+            <a:xfrm>
+              <a:off x="6884270" y="2103322"/>
+              <a:ext cx="504056" cy="0"/>
+            </a:xfrm>
+            <a:prstGeom prst="straightConnector1">
+              <a:avLst/>
+            </a:prstGeom>
+            <a:ln>
+              <a:headEnd type="triangle"/>
+              <a:tailEnd type="triangle"/>
+            </a:ln>
+          </p:spPr>
+          <p:style>
+            <a:lnRef idx="1">
+              <a:schemeClr val="accent2"/>
+            </a:lnRef>
+            <a:fillRef idx="0">
+              <a:schemeClr val="accent2"/>
+            </a:fillRef>
+            <a:effectRef idx="0">
+              <a:schemeClr val="accent2"/>
+            </a:effectRef>
+            <a:fontRef idx="minor">
+              <a:schemeClr val="tx1"/>
+            </a:fontRef>
+          </p:style>
+        </p:cxnSp>
+      </p:grpSp>
+      <p:grpSp>
+        <p:nvGrpSpPr>
+          <p:cNvPr id="39" name="그룹 38">
+            <a:extLst>
+              <a:ext uri="{FF2B5EF4-FFF2-40B4-BE49-F238E27FC236}">
+                <a16:creationId xmlns:a16="http://schemas.microsoft.com/office/drawing/2014/main" id="{9DB361EE-D62E-49E1-B2B3-A52D3DC19AF2}"/>
+              </a:ext>
+            </a:extLst>
+          </p:cNvPr>
+          <p:cNvGrpSpPr/>
+          <p:nvPr/>
+        </p:nvGrpSpPr>
+        <p:grpSpPr>
+          <a:xfrm>
+            <a:off x="7184990" y="5219254"/>
+            <a:ext cx="3929010" cy="1249354"/>
+            <a:chOff x="7178637" y="5233354"/>
+            <a:chExt cx="3929010" cy="1249354"/>
+          </a:xfrm>
+        </p:grpSpPr>
+        <p:grpSp>
+          <p:nvGrpSpPr>
+            <p:cNvPr id="34" name="그룹 33">
+              <a:extLst>
+                <a:ext uri="{FF2B5EF4-FFF2-40B4-BE49-F238E27FC236}">
+                  <a16:creationId xmlns:a16="http://schemas.microsoft.com/office/drawing/2014/main" id="{36343BEF-4A0D-483F-B65F-907BD9E47960}"/>
+                </a:ext>
+              </a:extLst>
+            </p:cNvPr>
+            <p:cNvGrpSpPr/>
+            <p:nvPr/>
+          </p:nvGrpSpPr>
+          <p:grpSpPr>
+            <a:xfrm>
+              <a:off x="7178637" y="5233354"/>
+              <a:ext cx="3900431" cy="838317"/>
+              <a:chOff x="251353" y="3869551"/>
+              <a:chExt cx="3900431" cy="838317"/>
+            </a:xfrm>
+          </p:grpSpPr>
+          <p:pic>
+            <p:nvPicPr>
+              <p:cNvPr id="35" name="그림 34">
+                <a:extLst>
+                  <a:ext uri="{FF2B5EF4-FFF2-40B4-BE49-F238E27FC236}">
+                    <a16:creationId xmlns:a16="http://schemas.microsoft.com/office/drawing/2014/main" id="{CB7B2885-5800-435B-B2A2-8E76DAD2C848}"/>
+                  </a:ext>
+                </a:extLst>
+              </p:cNvPr>
+              <p:cNvPicPr>
+                <a:picLocks noChangeAspect="1"/>
+              </p:cNvPicPr>
+              <p:nvPr/>
+            </p:nvPicPr>
+            <p:blipFill>
+              <a:blip r:embed="rId8"/>
+              <a:stretch>
+                <a:fillRect/>
+              </a:stretch>
+            </p:blipFill>
+            <p:spPr>
+              <a:xfrm>
+                <a:off x="1884518" y="3869551"/>
+                <a:ext cx="2267266" cy="838317"/>
+              </a:xfrm>
+              <a:prstGeom prst="rect">
+                <a:avLst/>
+              </a:prstGeom>
+            </p:spPr>
+          </p:pic>
+          <p:sp>
+            <p:nvSpPr>
+              <p:cNvPr id="36" name="사각형: 둥근 모서리 35">
+                <a:extLst>
+                  <a:ext uri="{FF2B5EF4-FFF2-40B4-BE49-F238E27FC236}">
+                    <a16:creationId xmlns:a16="http://schemas.microsoft.com/office/drawing/2014/main" id="{60557656-AD0E-44AD-AF28-B562D8AC5703}"/>
+                  </a:ext>
+                </a:extLst>
+              </p:cNvPr>
+              <p:cNvSpPr/>
+              <p:nvPr/>
+            </p:nvSpPr>
+            <p:spPr>
+              <a:xfrm>
+                <a:off x="251353" y="4204752"/>
+                <a:ext cx="1454676" cy="287888"/>
+              </a:xfrm>
+              <a:prstGeom prst="roundRect">
+                <a:avLst/>
+              </a:prstGeom>
+              <a:solidFill>
+                <a:schemeClr val="accent5">
+                  <a:lumMod val="20000"/>
+                  <a:lumOff val="80000"/>
+                </a:schemeClr>
+              </a:solidFill>
+              <a:ln>
+                <a:noFill/>
+              </a:ln>
+            </p:spPr>
+            <p:style>
+              <a:lnRef idx="2">
+                <a:schemeClr val="accent1">
+                  <a:shade val="50000"/>
+                </a:schemeClr>
+              </a:lnRef>
+              <a:fillRef idx="1">
+                <a:schemeClr val="accent1"/>
+              </a:fillRef>
+              <a:effectRef idx="0">
+                <a:schemeClr val="accent1"/>
+              </a:effectRef>
+              <a:fontRef idx="minor">
+                <a:schemeClr val="lt1"/>
+              </a:fontRef>
+            </p:style>
+            <p:txBody>
+              <a:bodyPr rtlCol="0" anchor="ctr"/>
+              <a:lstStyle/>
+              <a:p>
+                <a:pPr algn="ctr"/>
+                <a:r>
+                  <a:rPr lang="en-US" altLang="ko-KR" sz="1000" dirty="0">
+                    <a:solidFill>
+                      <a:schemeClr val="tx1"/>
+                    </a:solidFill>
+                  </a:rPr>
+                  <a:t>View model</a:t>
+                </a:r>
+                <a:endParaRPr lang="ko-KR" altLang="en-US" sz="1000" dirty="0">
+                  <a:solidFill>
+                    <a:schemeClr val="tx1"/>
+                  </a:solidFill>
+                </a:endParaRPr>
+              </a:p>
+            </p:txBody>
+          </p:sp>
+          <p:cxnSp>
+            <p:nvCxnSpPr>
+              <p:cNvPr id="37" name="직선 화살표 연결선 36">
+                <a:extLst>
+                  <a:ext uri="{FF2B5EF4-FFF2-40B4-BE49-F238E27FC236}">
+                    <a16:creationId xmlns:a16="http://schemas.microsoft.com/office/drawing/2014/main" id="{74AA4290-0F35-44FF-89AA-EA8784C003FF}"/>
+                  </a:ext>
+                </a:extLst>
+              </p:cNvPr>
+              <p:cNvCxnSpPr>
+                <a:cxnSpLocks/>
+              </p:cNvCxnSpPr>
+              <p:nvPr/>
+            </p:nvCxnSpPr>
+            <p:spPr>
+              <a:xfrm>
+                <a:off x="1583890" y="4340781"/>
+                <a:ext cx="504056" cy="0"/>
+              </a:xfrm>
+              <a:prstGeom prst="straightConnector1">
+                <a:avLst/>
+              </a:prstGeom>
+              <a:ln>
+                <a:headEnd type="triangle"/>
+                <a:tailEnd type="triangle"/>
+              </a:ln>
+            </p:spPr>
+            <p:style>
+              <a:lnRef idx="1">
+                <a:schemeClr val="accent2"/>
+              </a:lnRef>
+              <a:fillRef idx="0">
+                <a:schemeClr val="accent2"/>
+              </a:fillRef>
+              <a:effectRef idx="0">
+                <a:schemeClr val="accent2"/>
+              </a:effectRef>
+              <a:fontRef idx="minor">
+                <a:schemeClr val="tx1"/>
+              </a:fontRef>
+            </p:style>
+          </p:cxnSp>
+        </p:grpSp>
+        <p:pic>
+          <p:nvPicPr>
+            <p:cNvPr id="38" name="그림 37">
+              <a:extLst>
+                <a:ext uri="{FF2B5EF4-FFF2-40B4-BE49-F238E27FC236}">
+                  <a16:creationId xmlns:a16="http://schemas.microsoft.com/office/drawing/2014/main" id="{863A084D-BF41-43C0-989A-D10234EE6275}"/>
+                </a:ext>
+              </a:extLst>
+            </p:cNvPr>
+            <p:cNvPicPr>
+              <a:picLocks noChangeAspect="1"/>
+            </p:cNvPicPr>
+            <p:nvPr/>
+          </p:nvPicPr>
+          <p:blipFill>
+            <a:blip r:embed="rId9"/>
+            <a:stretch>
+              <a:fillRect/>
+            </a:stretch>
+          </p:blipFill>
+          <p:spPr>
+            <a:xfrm>
+              <a:off x="8811802" y="6054023"/>
+              <a:ext cx="2295845" cy="428685"/>
+            </a:xfrm>
+            <a:prstGeom prst="rect">
+              <a:avLst/>
+            </a:prstGeom>
+          </p:spPr>
+        </p:pic>
+      </p:grpSp>
+    </p:spTree>
+    <p:extLst>
+      <p:ext uri="{BB962C8B-B14F-4D97-AF65-F5344CB8AC3E}">
+        <p14:creationId xmlns:p14="http://schemas.microsoft.com/office/powerpoint/2010/main" val="1046500600"/>
+      </p:ext>
+    </p:extLst>
+  </p:cSld>
+  <p:clrMapOvr>
+    <a:masterClrMapping/>
+  </p:clrMapOvr>
+</p:sld>
+</file>
+
+<file path=ppt/slides/slide4.xml><?xml version="1.0" encoding="utf-8"?>
+<p:sld xmlns:a="http://schemas.openxmlformats.org/drawingml/2006/main" xmlns:r="http://schemas.openxmlformats.org/officeDocument/2006/relationships" xmlns:p="http://schemas.openxmlformats.org/presentationml/2006/main">
+  <p:cSld>
+    <p:spTree>
+      <p:nvGrpSpPr>
+        <p:cNvPr id="1" name=""/>
+        <p:cNvGrpSpPr/>
+        <p:nvPr/>
+      </p:nvGrpSpPr>
+      <p:grpSpPr>
+        <a:xfrm>
+          <a:off x="0" y="0"/>
+          <a:ext cx="0" cy="0"/>
+          <a:chOff x="0" y="0"/>
+          <a:chExt cx="0" cy="0"/>
+        </a:xfrm>
+      </p:grpSpPr>
+      <p:grpSp>
+        <p:nvGrpSpPr>
+          <p:cNvPr id="36" name="그룹 35">
+            <a:extLst>
+              <a:ext uri="{FF2B5EF4-FFF2-40B4-BE49-F238E27FC236}">
+                <a16:creationId xmlns:a16="http://schemas.microsoft.com/office/drawing/2014/main" id="{41FB523C-DD2D-41DE-8410-84F0C235DA46}"/>
+              </a:ext>
+            </a:extLst>
+          </p:cNvPr>
+          <p:cNvGrpSpPr/>
+          <p:nvPr/>
+        </p:nvGrpSpPr>
+        <p:grpSpPr>
+          <a:xfrm>
+            <a:off x="920443" y="1416905"/>
+            <a:ext cx="3231342" cy="1964605"/>
             <a:chOff x="318305" y="1046688"/>
             <a:chExt cx="9072749" cy="5516089"/>
           </a:xfrm>
         </p:grpSpPr>
         <p:grpSp>
           <p:nvGrpSpPr>
-            <p:cNvPr id="5" name="그룹 4">
+            <p:cNvPr id="37" name="그룹 36">
               <a:extLst>
                 <a:ext uri="{FF2B5EF4-FFF2-40B4-BE49-F238E27FC236}">
-                  <a16:creationId xmlns:a16="http://schemas.microsoft.com/office/drawing/2014/main" id="{A0973449-DD5F-4144-B53E-50045E4E0C31}"/>
+                  <a16:creationId xmlns:a16="http://schemas.microsoft.com/office/drawing/2014/main" id="{5CA73EF2-1C61-4BA9-A100-EB828CBB0052}"/>
                 </a:ext>
               </a:extLst>
             </p:cNvPr>
@@ -6240,10 +7837,10 @@
           </p:grpSpPr>
           <p:sp>
             <p:nvSpPr>
-              <p:cNvPr id="6" name="직사각형 5">
+              <p:cNvPr id="53" name="직사각형 52">
                 <a:extLst>
                   <a:ext uri="{FF2B5EF4-FFF2-40B4-BE49-F238E27FC236}">
-                    <a16:creationId xmlns:a16="http://schemas.microsoft.com/office/drawing/2014/main" id="{42DC990D-1986-4F4A-80B4-84D054C12F05}"/>
+                    <a16:creationId xmlns:a16="http://schemas.microsoft.com/office/drawing/2014/main" id="{CCDEE589-5960-4117-B41B-CA5158631F68}"/>
                   </a:ext>
                 </a:extLst>
               </p:cNvPr>
@@ -6292,10 +7889,10 @@
           </p:sp>
           <p:sp>
             <p:nvSpPr>
-              <p:cNvPr id="7" name="직사각형 6">
+              <p:cNvPr id="54" name="직사각형 53">
                 <a:extLst>
                   <a:ext uri="{FF2B5EF4-FFF2-40B4-BE49-F238E27FC236}">
-                    <a16:creationId xmlns:a16="http://schemas.microsoft.com/office/drawing/2014/main" id="{81A0161A-3128-4EA2-AC19-D60EDFC9DB6B}"/>
+                    <a16:creationId xmlns:a16="http://schemas.microsoft.com/office/drawing/2014/main" id="{CA8C3EFE-2131-4DB5-BC72-85397E894B83}"/>
                   </a:ext>
                 </a:extLst>
               </p:cNvPr>
@@ -6340,7 +7937,7 @@
               <a:lstStyle/>
               <a:p>
                 <a:r>
-                  <a:rPr lang="en-US" altLang="ko-KR" sz="1000" dirty="0">
+                  <a:rPr lang="en-US" altLang="ko-KR" sz="300" dirty="0">
                     <a:solidFill>
                       <a:schemeClr val="tx1"/>
                     </a:solidFill>
@@ -6348,7 +7945,7 @@
                   <a:t>  Log</a:t>
                 </a:r>
                 <a:r>
-                  <a:rPr lang="ko-KR" altLang="en-US" sz="1000" dirty="0">
+                  <a:rPr lang="ko-KR" altLang="en-US" sz="300" dirty="0">
                     <a:solidFill>
                       <a:schemeClr val="tx1"/>
                     </a:solidFill>
@@ -6356,14 +7953,14 @@
                   <a:t> </a:t>
                 </a:r>
                 <a:r>
-                  <a:rPr lang="en-US" altLang="ko-KR" sz="1000" dirty="0">
+                  <a:rPr lang="en-US" altLang="ko-KR" sz="300" dirty="0">
                     <a:solidFill>
                       <a:schemeClr val="tx1"/>
                     </a:solidFill>
                   </a:rPr>
                   <a:t>Viewer</a:t>
                 </a:r>
-                <a:endParaRPr lang="ko-KR" altLang="en-US" sz="1000" dirty="0">
+                <a:endParaRPr lang="ko-KR" altLang="en-US" sz="300" dirty="0">
                   <a:solidFill>
                     <a:schemeClr val="tx1"/>
                   </a:solidFill>
@@ -6374,10 +7971,10 @@
         </p:grpSp>
         <p:pic>
           <p:nvPicPr>
-            <p:cNvPr id="8" name="그림 7">
+            <p:cNvPr id="38" name="그림 37">
               <a:extLst>
                 <a:ext uri="{FF2B5EF4-FFF2-40B4-BE49-F238E27FC236}">
-                  <a16:creationId xmlns:a16="http://schemas.microsoft.com/office/drawing/2014/main" id="{AC4A4AF6-FB9B-47E3-A5FA-00D765528281}"/>
+                  <a16:creationId xmlns:a16="http://schemas.microsoft.com/office/drawing/2014/main" id="{E5C61B7E-7C26-4240-8429-D37AE7DE56F1}"/>
                 </a:ext>
               </a:extLst>
             </p:cNvPr>
@@ -6410,10 +8007,10 @@
         </p:pic>
         <p:sp>
           <p:nvSpPr>
-            <p:cNvPr id="9" name="직사각형 8">
+            <p:cNvPr id="40" name="직사각형 39">
               <a:extLst>
                 <a:ext uri="{FF2B5EF4-FFF2-40B4-BE49-F238E27FC236}">
-                  <a16:creationId xmlns:a16="http://schemas.microsoft.com/office/drawing/2014/main" id="{EF793F07-9CF5-43AB-A2FB-0D3679E78D9C}"/>
+                  <a16:creationId xmlns:a16="http://schemas.microsoft.com/office/drawing/2014/main" id="{30D54306-4FCB-44FD-8629-8C8DEDE72AF9}"/>
                 </a:ext>
               </a:extLst>
             </p:cNvPr>
@@ -6462,10 +8059,10 @@
         </p:sp>
         <p:cxnSp>
           <p:nvCxnSpPr>
-            <p:cNvPr id="10" name="직선 연결선 9">
+            <p:cNvPr id="41" name="직선 연결선 40">
               <a:extLst>
                 <a:ext uri="{FF2B5EF4-FFF2-40B4-BE49-F238E27FC236}">
-                  <a16:creationId xmlns:a16="http://schemas.microsoft.com/office/drawing/2014/main" id="{9A04754C-E1D5-4B36-AD5D-D92D8A7A06FF}"/>
+                  <a16:creationId xmlns:a16="http://schemas.microsoft.com/office/drawing/2014/main" id="{D270800A-5FE0-4FF7-8AFD-921BB5FE7FF7}"/>
                 </a:ext>
               </a:extLst>
             </p:cNvPr>
@@ -6505,10 +8102,10 @@
         </p:cxnSp>
         <p:cxnSp>
           <p:nvCxnSpPr>
-            <p:cNvPr id="11" name="직선 연결선 10">
+            <p:cNvPr id="42" name="직선 연결선 41">
               <a:extLst>
                 <a:ext uri="{FF2B5EF4-FFF2-40B4-BE49-F238E27FC236}">
-                  <a16:creationId xmlns:a16="http://schemas.microsoft.com/office/drawing/2014/main" id="{8BFDBFF1-3457-48E3-86F4-8739E16A462E}"/>
+                  <a16:creationId xmlns:a16="http://schemas.microsoft.com/office/drawing/2014/main" id="{8BC318F7-BD6F-4BCE-B61D-FCFD49D4C0A9}"/>
                 </a:ext>
               </a:extLst>
             </p:cNvPr>
@@ -6548,10 +8145,10 @@
         </p:cxnSp>
         <p:cxnSp>
           <p:nvCxnSpPr>
-            <p:cNvPr id="12" name="직선 연결선 11">
+            <p:cNvPr id="43" name="직선 연결선 42">
               <a:extLst>
                 <a:ext uri="{FF2B5EF4-FFF2-40B4-BE49-F238E27FC236}">
-                  <a16:creationId xmlns:a16="http://schemas.microsoft.com/office/drawing/2014/main" id="{56A843D8-19C0-46DC-B089-7A0CBEDC3EA6}"/>
+                  <a16:creationId xmlns:a16="http://schemas.microsoft.com/office/drawing/2014/main" id="{D3F4BB0A-9A1D-442A-A8BE-4A083EC63B50}"/>
                 </a:ext>
               </a:extLst>
             </p:cNvPr>
@@ -6591,10 +8188,10 @@
         </p:cxnSp>
         <p:cxnSp>
           <p:nvCxnSpPr>
-            <p:cNvPr id="13" name="직선 연결선 12">
+            <p:cNvPr id="44" name="직선 연결선 43">
               <a:extLst>
                 <a:ext uri="{FF2B5EF4-FFF2-40B4-BE49-F238E27FC236}">
-                  <a16:creationId xmlns:a16="http://schemas.microsoft.com/office/drawing/2014/main" id="{F52C4642-66C9-4358-A256-9110B57431C7}"/>
+                  <a16:creationId xmlns:a16="http://schemas.microsoft.com/office/drawing/2014/main" id="{0B035D86-3C78-4C62-A088-6DC2C4361A04}"/>
                 </a:ext>
               </a:extLst>
             </p:cNvPr>
@@ -6634,10 +8231,10 @@
         </p:cxnSp>
         <p:sp>
           <p:nvSpPr>
-            <p:cNvPr id="14" name="TextBox 13">
+            <p:cNvPr id="45" name="TextBox 44">
               <a:extLst>
                 <a:ext uri="{FF2B5EF4-FFF2-40B4-BE49-F238E27FC236}">
-                  <a16:creationId xmlns:a16="http://schemas.microsoft.com/office/drawing/2014/main" id="{77C0DAE0-20E8-42D7-BA60-A8B1D62A1C00}"/>
+                  <a16:creationId xmlns:a16="http://schemas.microsoft.com/office/drawing/2014/main" id="{EE6953F4-4BDC-44BF-B1C6-6AB899598A57}"/>
                 </a:ext>
               </a:extLst>
             </p:cNvPr>
@@ -6646,8 +8243,8 @@
           </p:nvSpPr>
           <p:spPr>
             <a:xfrm>
-              <a:off x="674429" y="2127569"/>
-              <a:ext cx="587828" cy="270474"/>
+              <a:off x="537261" y="2058770"/>
+              <a:ext cx="895024" cy="388868"/>
             </a:xfrm>
             <a:prstGeom prst="rect">
               <a:avLst/>
@@ -6662,7 +8259,7 @@
             <a:p>
               <a:pPr algn="ctr"/>
               <a:r>
-                <a:rPr lang="en-US" altLang="ko-KR" sz="700" dirty="0">
+                <a:rPr lang="en-US" altLang="ko-KR" sz="300" dirty="0">
                   <a:solidFill>
                     <a:schemeClr val="bg1"/>
                   </a:solidFill>
@@ -6671,7 +8268,7 @@
                 </a:rPr>
                 <a:t>Date</a:t>
               </a:r>
-              <a:endParaRPr lang="ko-KR" altLang="en-US" sz="700" dirty="0">
+              <a:endParaRPr lang="ko-KR" altLang="en-US" sz="300" dirty="0">
                 <a:solidFill>
                   <a:schemeClr val="bg1"/>
                 </a:solidFill>
@@ -6683,10 +8280,10 @@
         </p:sp>
         <p:sp>
           <p:nvSpPr>
-            <p:cNvPr id="15" name="TextBox 14">
+            <p:cNvPr id="46" name="TextBox 45">
               <a:extLst>
                 <a:ext uri="{FF2B5EF4-FFF2-40B4-BE49-F238E27FC236}">
-                  <a16:creationId xmlns:a16="http://schemas.microsoft.com/office/drawing/2014/main" id="{FA5DF2F2-BFA2-408D-BD53-AAED282600FA}"/>
+                  <a16:creationId xmlns:a16="http://schemas.microsoft.com/office/drawing/2014/main" id="{AB31C33F-A462-4FC2-9F2B-B603C2BE358E}"/>
                 </a:ext>
               </a:extLst>
             </p:cNvPr>
@@ -6695,8 +8292,8 @@
           </p:nvSpPr>
           <p:spPr>
             <a:xfrm>
-              <a:off x="1513481" y="2127074"/>
-              <a:ext cx="930655" cy="270474"/>
+              <a:off x="1300324" y="2058772"/>
+              <a:ext cx="1265373" cy="388868"/>
             </a:xfrm>
             <a:prstGeom prst="rect">
               <a:avLst/>
@@ -6711,7 +8308,7 @@
             <a:p>
               <a:pPr algn="ctr"/>
               <a:r>
-                <a:rPr lang="en-US" altLang="ko-KR" sz="700" dirty="0">
+                <a:rPr lang="en-US" altLang="ko-KR" sz="300" dirty="0">
                   <a:solidFill>
                     <a:schemeClr val="bg1"/>
                   </a:solidFill>
@@ -6720,7 +8317,7 @@
                 </a:rPr>
                 <a:t>Function</a:t>
               </a:r>
-              <a:endParaRPr lang="ko-KR" altLang="en-US" sz="700" dirty="0">
+              <a:endParaRPr lang="ko-KR" altLang="en-US" sz="300" dirty="0">
                 <a:solidFill>
                   <a:schemeClr val="bg1"/>
                 </a:solidFill>
@@ -6732,10 +8329,10 @@
         </p:sp>
         <p:sp>
           <p:nvSpPr>
-            <p:cNvPr id="16" name="TextBox 15">
+            <p:cNvPr id="47" name="TextBox 46">
               <a:extLst>
                 <a:ext uri="{FF2B5EF4-FFF2-40B4-BE49-F238E27FC236}">
-                  <a16:creationId xmlns:a16="http://schemas.microsoft.com/office/drawing/2014/main" id="{7EC2988F-2F74-4105-8287-DC79F032985C}"/>
+                  <a16:creationId xmlns:a16="http://schemas.microsoft.com/office/drawing/2014/main" id="{BDF650A2-AC21-4BFA-86F3-02C4160D7FB4}"/>
                 </a:ext>
               </a:extLst>
             </p:cNvPr>
@@ -6744,8 +8341,8 @@
           </p:nvSpPr>
           <p:spPr>
             <a:xfrm>
-              <a:off x="2592378" y="2117932"/>
-              <a:ext cx="744183" cy="270474"/>
+              <a:off x="2413711" y="2034185"/>
+              <a:ext cx="1182721" cy="388868"/>
             </a:xfrm>
             <a:prstGeom prst="rect">
               <a:avLst/>
@@ -6760,7 +8357,7 @@
             <a:p>
               <a:pPr algn="ctr"/>
               <a:r>
-                <a:rPr lang="en-US" altLang="ko-KR" sz="700" dirty="0">
+                <a:rPr lang="en-US" altLang="ko-KR" sz="300" dirty="0">
                   <a:solidFill>
                     <a:schemeClr val="bg1"/>
                   </a:solidFill>
@@ -6769,7 +8366,7 @@
                 </a:rPr>
                 <a:t>Priority</a:t>
               </a:r>
-              <a:endParaRPr lang="ko-KR" altLang="en-US" sz="700" dirty="0">
+              <a:endParaRPr lang="ko-KR" altLang="en-US" sz="300" dirty="0">
                 <a:solidFill>
                   <a:schemeClr val="bg1"/>
                 </a:solidFill>
@@ -6781,10 +8378,10 @@
         </p:sp>
         <p:sp>
           <p:nvSpPr>
-            <p:cNvPr id="17" name="TextBox 16">
+            <p:cNvPr id="48" name="TextBox 47">
               <a:extLst>
                 <a:ext uri="{FF2B5EF4-FFF2-40B4-BE49-F238E27FC236}">
-                  <a16:creationId xmlns:a16="http://schemas.microsoft.com/office/drawing/2014/main" id="{6C2FE2E5-2CF7-4802-96CF-239323D1687C}"/>
+                  <a16:creationId xmlns:a16="http://schemas.microsoft.com/office/drawing/2014/main" id="{CE901ABD-2729-496C-8A69-C6502325E4AA}"/>
                 </a:ext>
               </a:extLst>
             </p:cNvPr>
@@ -6793,8 +8390,8 @@
           </p:nvSpPr>
           <p:spPr>
             <a:xfrm>
-              <a:off x="3589922" y="2117932"/>
-              <a:ext cx="1129024" cy="270474"/>
+              <a:off x="3493998" y="2032509"/>
+              <a:ext cx="1580687" cy="388868"/>
             </a:xfrm>
             <a:prstGeom prst="rect">
               <a:avLst/>
@@ -6808,7 +8405,7 @@
             <a:lstStyle/>
             <a:p>
               <a:r>
-                <a:rPr lang="en-US" altLang="ko-KR" sz="700" dirty="0">
+                <a:rPr lang="en-US" altLang="ko-KR" sz="300" dirty="0">
                   <a:solidFill>
                     <a:schemeClr val="bg1"/>
                   </a:solidFill>
@@ -6817,7 +8414,7 @@
                 </a:rPr>
                 <a:t>Log Message</a:t>
               </a:r>
-              <a:endParaRPr lang="ko-KR" altLang="en-US" sz="700" dirty="0">
+              <a:endParaRPr lang="ko-KR" altLang="en-US" sz="300" dirty="0">
                 <a:solidFill>
                   <a:schemeClr val="bg1"/>
                 </a:solidFill>
@@ -6829,10 +8426,10 @@
         </p:sp>
         <p:cxnSp>
           <p:nvCxnSpPr>
-            <p:cNvPr id="18" name="직선 연결선 17">
+            <p:cNvPr id="49" name="직선 연결선 48">
               <a:extLst>
                 <a:ext uri="{FF2B5EF4-FFF2-40B4-BE49-F238E27FC236}">
-                  <a16:creationId xmlns:a16="http://schemas.microsoft.com/office/drawing/2014/main" id="{FC738D78-9956-4A45-BB8E-2D523EB56640}"/>
+                  <a16:creationId xmlns:a16="http://schemas.microsoft.com/office/drawing/2014/main" id="{594D159F-C022-44B5-BDF3-70DD5F408182}"/>
                 </a:ext>
               </a:extLst>
             </p:cNvPr>
@@ -6872,10 +8469,10 @@
         </p:cxnSp>
         <p:cxnSp>
           <p:nvCxnSpPr>
-            <p:cNvPr id="19" name="직선 연결선 18">
+            <p:cNvPr id="50" name="직선 연결선 49">
               <a:extLst>
                 <a:ext uri="{FF2B5EF4-FFF2-40B4-BE49-F238E27FC236}">
-                  <a16:creationId xmlns:a16="http://schemas.microsoft.com/office/drawing/2014/main" id="{A6DFBCAB-94DD-44AA-A459-0C861D802D40}"/>
+                  <a16:creationId xmlns:a16="http://schemas.microsoft.com/office/drawing/2014/main" id="{77E5E5E9-F608-4C47-B780-08F2A0957F0A}"/>
                 </a:ext>
               </a:extLst>
             </p:cNvPr>
@@ -6915,10 +8512,10 @@
         </p:cxnSp>
         <p:cxnSp>
           <p:nvCxnSpPr>
-            <p:cNvPr id="20" name="직선 연결선 19">
+            <p:cNvPr id="51" name="직선 연결선 50">
               <a:extLst>
                 <a:ext uri="{FF2B5EF4-FFF2-40B4-BE49-F238E27FC236}">
-                  <a16:creationId xmlns:a16="http://schemas.microsoft.com/office/drawing/2014/main" id="{89AC1FDC-FAC2-4444-AB33-1A41DDFBC17B}"/>
+                  <a16:creationId xmlns:a16="http://schemas.microsoft.com/office/drawing/2014/main" id="{32E5E08A-3187-48DC-80B3-C877F113222B}"/>
                 </a:ext>
               </a:extLst>
             </p:cNvPr>
@@ -6958,10 +8555,10 @@
         </p:cxnSp>
         <p:pic>
           <p:nvPicPr>
-            <p:cNvPr id="21" name="그림 20">
+            <p:cNvPr id="52" name="그림 51">
               <a:extLst>
                 <a:ext uri="{FF2B5EF4-FFF2-40B4-BE49-F238E27FC236}">
-                  <a16:creationId xmlns:a16="http://schemas.microsoft.com/office/drawing/2014/main" id="{86858160-73B4-4F5B-8537-367497F0264B}"/>
+                  <a16:creationId xmlns:a16="http://schemas.microsoft.com/office/drawing/2014/main" id="{0E885700-08F4-42CC-B77C-5E979E66F7B1}"/>
                 </a:ext>
               </a:extLst>
             </p:cNvPr>
@@ -6993,6 +8590,78 @@
           </p:spPr>
         </p:pic>
       </p:grpSp>
+      <p:sp>
+        <p:nvSpPr>
+          <p:cNvPr id="2" name="제목 1">
+            <a:extLst>
+              <a:ext uri="{FF2B5EF4-FFF2-40B4-BE49-F238E27FC236}">
+                <a16:creationId xmlns:a16="http://schemas.microsoft.com/office/drawing/2014/main" id="{2604F435-2ED8-48AE-9B3A-7F21AE77755D}"/>
+              </a:ext>
+            </a:extLst>
+          </p:cNvPr>
+          <p:cNvSpPr>
+            <a:spLocks noGrp="1"/>
+          </p:cNvSpPr>
+          <p:nvPr>
+            <p:ph type="title"/>
+          </p:nvPr>
+        </p:nvSpPr>
+        <p:spPr/>
+        <p:txBody>
+          <a:bodyPr/>
+          <a:lstStyle/>
+          <a:p>
+            <a:r>
+              <a:rPr lang="en-US" altLang="ko-KR" dirty="0"/>
+              <a:t>Log</a:t>
+            </a:r>
+            <a:r>
+              <a:rPr lang="ko-KR" altLang="en-US" dirty="0"/>
+              <a:t> </a:t>
+            </a:r>
+            <a:r>
+              <a:rPr lang="en-US" altLang="ko-KR" dirty="0"/>
+              <a:t>Viewer</a:t>
+            </a:r>
+            <a:endParaRPr lang="ko-KR" altLang="en-US" dirty="0"/>
+          </a:p>
+        </p:txBody>
+      </p:sp>
+      <p:sp>
+        <p:nvSpPr>
+          <p:cNvPr id="3" name="슬라이드 번호 개체 틀 2">
+            <a:extLst>
+              <a:ext uri="{FF2B5EF4-FFF2-40B4-BE49-F238E27FC236}">
+                <a16:creationId xmlns:a16="http://schemas.microsoft.com/office/drawing/2014/main" id="{F79F8127-E617-4C34-8CB0-F3953E7354AE}"/>
+              </a:ext>
+            </a:extLst>
+          </p:cNvPr>
+          <p:cNvSpPr>
+            <a:spLocks noGrp="1"/>
+          </p:cNvSpPr>
+          <p:nvPr>
+            <p:ph type="sldNum" sz="quarter" idx="4"/>
+          </p:nvPr>
+        </p:nvSpPr>
+        <p:spPr/>
+        <p:txBody>
+          <a:bodyPr/>
+          <a:lstStyle/>
+          <a:p>
+            <a:pPr>
+              <a:defRPr/>
+            </a:pPr>
+            <a:fld id="{B041EC1C-CD40-411B-B8A8-88A7A386D31F}" type="slidenum">
+              <a:rPr lang="ko-KR" altLang="en-US" smtClean="0"/>
+              <a:pPr>
+                <a:defRPr/>
+              </a:pPr>
+              <a:t>4</a:t>
+            </a:fld>
+            <a:endParaRPr lang="ko-KR" altLang="en-US"/>
+          </a:p>
+        </p:txBody>
+      </p:sp>
       <p:cxnSp>
         <p:nvCxnSpPr>
           <p:cNvPr id="25" name="연결선: 꺾임 24">
@@ -7002,13 +8671,15 @@
               </a:ext>
             </a:extLst>
           </p:cNvPr>
-          <p:cNvCxnSpPr/>
+          <p:cNvCxnSpPr>
+            <a:cxnSpLocks/>
+          </p:cNvCxnSpPr>
           <p:nvPr/>
         </p:nvCxnSpPr>
         <p:spPr>
           <a:xfrm rot="10800000" flipV="1">
-            <a:off x="6870040" y="1045645"/>
-            <a:ext cx="553760" cy="423746"/>
+            <a:off x="3911431" y="1238099"/>
+            <a:ext cx="514076" cy="383092"/>
           </a:xfrm>
           <a:prstGeom prst="bentConnector3">
             <a:avLst/>
@@ -7051,8 +8722,8 @@
         </p:nvCxnSpPr>
         <p:spPr>
           <a:xfrm rot="10800000" flipV="1">
-            <a:off x="6645352" y="1620577"/>
-            <a:ext cx="1164469" cy="445922"/>
+            <a:off x="4008712" y="1777367"/>
+            <a:ext cx="530767" cy="513465"/>
           </a:xfrm>
           <a:prstGeom prst="bentConnector3">
             <a:avLst/>
@@ -7093,7 +8764,7 @@
         </p:nvSpPr>
         <p:spPr>
           <a:xfrm>
-            <a:off x="7317946" y="907888"/>
+            <a:off x="4302624" y="1114988"/>
             <a:ext cx="864096" cy="246221"/>
           </a:xfrm>
           <a:prstGeom prst="rect">
@@ -7130,7 +8801,7 @@
         </p:nvSpPr>
         <p:spPr>
           <a:xfrm>
-            <a:off x="7711779" y="1486122"/>
+            <a:off x="4416857" y="1646212"/>
             <a:ext cx="864096" cy="246221"/>
           </a:xfrm>
           <a:prstGeom prst="rect">
@@ -7182,8 +8853,8 @@
         </p:blipFill>
         <p:spPr bwMode="auto">
           <a:xfrm>
-            <a:off x="8687972" y="1045645"/>
-            <a:ext cx="3182059" cy="1599708"/>
+            <a:off x="7089031" y="841843"/>
+            <a:ext cx="3150104" cy="1583643"/>
           </a:xfrm>
           <a:prstGeom prst="rect">
             <a:avLst/>
@@ -7200,87 +8871,6 @@
           </a:extLst>
         </p:spPr>
       </p:pic>
-      <p:sp>
-        <p:nvSpPr>
-          <p:cNvPr id="32" name="TextBox 31">
-            <a:extLst>
-              <a:ext uri="{FF2B5EF4-FFF2-40B4-BE49-F238E27FC236}">
-                <a16:creationId xmlns:a16="http://schemas.microsoft.com/office/drawing/2014/main" id="{75FD5B76-7B67-4770-BC0C-031F2C89FA03}"/>
-              </a:ext>
-            </a:extLst>
-          </p:cNvPr>
-          <p:cNvSpPr txBox="1"/>
-          <p:nvPr/>
-        </p:nvSpPr>
-        <p:spPr>
-          <a:xfrm>
-            <a:off x="9637066" y="2645353"/>
-            <a:ext cx="1532558" cy="246221"/>
-          </a:xfrm>
-          <a:prstGeom prst="rect">
-            <a:avLst/>
-          </a:prstGeom>
-          <a:noFill/>
-        </p:spPr>
-        <p:txBody>
-          <a:bodyPr wrap="square" rtlCol="0">
-            <a:spAutoFit/>
-          </a:bodyPr>
-          <a:lstStyle/>
-          <a:p>
-            <a:pPr algn="ctr"/>
-            <a:r>
-              <a:rPr lang="en-US" altLang="ko-KR" sz="1000" dirty="0"/>
-              <a:t>UI</a:t>
-            </a:r>
-            <a:r>
-              <a:rPr lang="ko-KR" altLang="en-US" sz="1000" dirty="0"/>
-              <a:t> 디자인 레퍼런스</a:t>
-            </a:r>
-          </a:p>
-        </p:txBody>
-      </p:sp>
-      <p:cxnSp>
-        <p:nvCxnSpPr>
-          <p:cNvPr id="34" name="직선 화살표 연결선 33">
-            <a:extLst>
-              <a:ext uri="{FF2B5EF4-FFF2-40B4-BE49-F238E27FC236}">
-                <a16:creationId xmlns:a16="http://schemas.microsoft.com/office/drawing/2014/main" id="{F22AB86E-784F-4C68-BE79-6A17FAA5B4C4}"/>
-              </a:ext>
-            </a:extLst>
-          </p:cNvPr>
-          <p:cNvCxnSpPr>
-            <a:cxnSpLocks/>
-          </p:cNvCxnSpPr>
-          <p:nvPr/>
-        </p:nvCxnSpPr>
-        <p:spPr>
-          <a:xfrm flipH="1" flipV="1">
-            <a:off x="6384032" y="4149081"/>
-            <a:ext cx="3124782" cy="586512"/>
-          </a:xfrm>
-          <a:prstGeom prst="straightConnector1">
-            <a:avLst/>
-          </a:prstGeom>
-          <a:ln>
-            <a:tailEnd type="triangle"/>
-          </a:ln>
-        </p:spPr>
-        <p:style>
-          <a:lnRef idx="1">
-            <a:schemeClr val="accent2"/>
-          </a:lnRef>
-          <a:fillRef idx="0">
-            <a:schemeClr val="accent2"/>
-          </a:fillRef>
-          <a:effectRef idx="0">
-            <a:schemeClr val="accent2"/>
-          </a:effectRef>
-          <a:fontRef idx="minor">
-            <a:schemeClr val="tx1"/>
-          </a:fontRef>
-        </p:style>
-      </p:cxnSp>
       <p:graphicFrame>
         <p:nvGraphicFramePr>
           <p:cNvPr id="35" name="표 36">
@@ -7296,14 +8886,14 @@
           <p:nvPr>
             <p:extLst>
               <p:ext uri="{D42A27DB-BD31-4B8C-83A1-F6EECF244321}">
-                <p14:modId xmlns:p14="http://schemas.microsoft.com/office/powerpoint/2010/main" val="3673819374"/>
+                <p14:modId xmlns:p14="http://schemas.microsoft.com/office/powerpoint/2010/main" val="1950976921"/>
               </p:ext>
             </p:extLst>
           </p:nvPr>
         </p:nvGraphicFramePr>
         <p:xfrm>
-          <a:off x="7230764" y="4822897"/>
-          <a:ext cx="4680520" cy="365760"/>
+          <a:off x="483875" y="3461142"/>
+          <a:ext cx="4261191" cy="365760"/>
         </p:xfrm>
         <a:graphic>
           <a:graphicData uri="http://schemas.openxmlformats.org/drawingml/2006/table">
@@ -7312,28 +8902,28 @@
                 <a:tableStyleId>{5940675A-B579-460E-94D1-54222C63F5DA}</a:tableStyleId>
               </a:tblPr>
               <a:tblGrid>
-                <a:gridCol w="486478">
+                <a:gridCol w="516776">
                   <a:extLst>
                     <a:ext uri="{9D8B030D-6E8A-4147-A177-3AD203B41FA5}">
                       <a16:colId xmlns:a16="http://schemas.microsoft.com/office/drawing/2014/main" val="3535246715"/>
                     </a:ext>
                   </a:extLst>
                 </a:gridCol>
-                <a:gridCol w="912147">
+                <a:gridCol w="936104">
                   <a:extLst>
                     <a:ext uri="{9D8B030D-6E8A-4147-A177-3AD203B41FA5}">
                       <a16:colId xmlns:a16="http://schemas.microsoft.com/office/drawing/2014/main" val="1887106822"/>
                     </a:ext>
                   </a:extLst>
                 </a:gridCol>
-                <a:gridCol w="905631">
+                <a:gridCol w="834106">
                   <a:extLst>
                     <a:ext uri="{9D8B030D-6E8A-4147-A177-3AD203B41FA5}">
                       <a16:colId xmlns:a16="http://schemas.microsoft.com/office/drawing/2014/main" val="1796067902"/>
                     </a:ext>
                   </a:extLst>
                 </a:gridCol>
-                <a:gridCol w="2376264">
+                <a:gridCol w="1974205">
                   <a:extLst>
                     <a:ext uri="{9D8B030D-6E8A-4147-A177-3AD203B41FA5}">
                       <a16:colId xmlns:a16="http://schemas.microsoft.com/office/drawing/2014/main" val="2813726531"/>
@@ -7341,7 +8931,7 @@
                   </a:extLst>
                 </a:gridCol>
               </a:tblGrid>
-              <a:tr h="134509">
+              <a:tr h="140633">
                 <a:tc>
                   <a:txBody>
                     <a:bodyPr/>
@@ -7539,7 +9129,7 @@
         </p:nvSpPr>
         <p:spPr>
           <a:xfrm>
-            <a:off x="191344" y="5077390"/>
+            <a:off x="645403" y="4152432"/>
             <a:ext cx="3938136" cy="861774"/>
           </a:xfrm>
           <a:prstGeom prst="rect">
@@ -7554,64 +9144,28 @@
           <a:lstStyle/>
           <a:p>
             <a:r>
-              <a:rPr lang="en-US" altLang="ko-KR" sz="1000" dirty="0"/>
-              <a:t>Log</a:t>
-            </a:r>
-            <a:r>
-              <a:rPr lang="ko-KR" altLang="en-US" sz="1000" dirty="0"/>
-              <a:t> </a:t>
-            </a:r>
-            <a:r>
-              <a:rPr lang="en-US" altLang="ko-KR" sz="1000" dirty="0"/>
-              <a:t>EX)</a:t>
-            </a:r>
-          </a:p>
-          <a:p>
-            <a:endParaRPr lang="en-US" altLang="ko-KR" sz="1000" dirty="0"/>
-          </a:p>
-          <a:p>
-            <a:r>
               <a:rPr lang="en-US" altLang="ko-KR" sz="1000" dirty="0">
                 <a:latin typeface="Arial" panose="020B0604020202020204" pitchFamily="34" charset="0"/>
                 <a:cs typeface="Arial" panose="020B0604020202020204" pitchFamily="34" charset="0"/>
               </a:rPr>
-              <a:t>13:05:22 </a:t>
-            </a:r>
-            <a:r>
-              <a:rPr lang="en-US" altLang="ko-KR" sz="1000" dirty="0" err="1">
+              <a:t>Log</a:t>
+            </a:r>
+            <a:r>
+              <a:rPr lang="ko-KR" altLang="en-US" sz="1000" dirty="0">
                 <a:latin typeface="Arial" panose="020B0604020202020204" pitchFamily="34" charset="0"/>
                 <a:cs typeface="Arial" panose="020B0604020202020204" pitchFamily="34" charset="0"/>
               </a:rPr>
-              <a:t>GrabCallBack</a:t>
+              <a:t> </a:t>
             </a:r>
             <a:r>
               <a:rPr lang="en-US" altLang="ko-KR" sz="1000" dirty="0">
                 <a:latin typeface="Arial" panose="020B0604020202020204" pitchFamily="34" charset="0"/>
                 <a:cs typeface="Arial" panose="020B0604020202020204" pitchFamily="34" charset="0"/>
               </a:rPr>
-              <a:t> HIGH Grabber</a:t>
-            </a:r>
-            <a:r>
-              <a:rPr lang="ko-KR" altLang="en-US" sz="1000" dirty="0">
-                <a:latin typeface="Arial" panose="020B0604020202020204" pitchFamily="34" charset="0"/>
-                <a:cs typeface="Arial" panose="020B0604020202020204" pitchFamily="34" charset="0"/>
-              </a:rPr>
-              <a:t> </a:t>
-            </a:r>
-            <a:r>
-              <a:rPr lang="en-US" altLang="ko-KR" sz="1000" dirty="0">
-                <a:latin typeface="Arial" panose="020B0604020202020204" pitchFamily="34" charset="0"/>
-                <a:cs typeface="Arial" panose="020B0604020202020204" pitchFamily="34" charset="0"/>
-              </a:rPr>
-              <a:t>Image</a:t>
-            </a:r>
-            <a:r>
-              <a:rPr lang="ko-KR" altLang="en-US" sz="1000" dirty="0">
-                <a:latin typeface="Arial" panose="020B0604020202020204" pitchFamily="34" charset="0"/>
-                <a:cs typeface="Arial" panose="020B0604020202020204" pitchFamily="34" charset="0"/>
-              </a:rPr>
-              <a:t> 취득 실패</a:t>
-            </a:r>
+              <a:t>EX)</a:t>
+            </a:r>
+          </a:p>
+          <a:p>
             <a:endParaRPr lang="en-US" altLang="ko-KR" sz="1000" dirty="0">
               <a:latin typeface="Arial" panose="020B0604020202020204" pitchFamily="34" charset="0"/>
               <a:cs typeface="Arial" panose="020B0604020202020204" pitchFamily="34" charset="0"/>
@@ -7623,28 +9177,42 @@
                 <a:latin typeface="Arial" panose="020B0604020202020204" pitchFamily="34" charset="0"/>
                 <a:cs typeface="Arial" panose="020B0604020202020204" pitchFamily="34" charset="0"/>
               </a:rPr>
-              <a:t>13:10:52 </a:t>
+              <a:t>13:05:22 </a:t>
             </a:r>
             <a:r>
               <a:rPr lang="en-US" altLang="ko-KR" sz="1000" dirty="0" err="1">
                 <a:latin typeface="Arial" panose="020B0604020202020204" pitchFamily="34" charset="0"/>
                 <a:cs typeface="Arial" panose="020B0604020202020204" pitchFamily="34" charset="0"/>
               </a:rPr>
-              <a:t>InspStart</a:t>
+              <a:t>GrabCallBack</a:t>
             </a:r>
             <a:r>
               <a:rPr lang="en-US" altLang="ko-KR" sz="1000" dirty="0">
                 <a:latin typeface="Arial" panose="020B0604020202020204" pitchFamily="34" charset="0"/>
                 <a:cs typeface="Arial" panose="020B0604020202020204" pitchFamily="34" charset="0"/>
               </a:rPr>
-              <a:t> MID </a:t>
+              <a:t> HIGH Grabber</a:t>
             </a:r>
             <a:r>
               <a:rPr lang="ko-KR" altLang="en-US" sz="1000" dirty="0">
                 <a:latin typeface="Arial" panose="020B0604020202020204" pitchFamily="34" charset="0"/>
                 <a:cs typeface="Arial" panose="020B0604020202020204" pitchFamily="34" charset="0"/>
               </a:rPr>
-              <a:t>검사 시작</a:t>
+              <a:t> </a:t>
+            </a:r>
+            <a:r>
+              <a:rPr lang="en-US" altLang="ko-KR" sz="1000" dirty="0">
+                <a:latin typeface="Arial" panose="020B0604020202020204" pitchFamily="34" charset="0"/>
+                <a:cs typeface="Arial" panose="020B0604020202020204" pitchFamily="34" charset="0"/>
+              </a:rPr>
+              <a:t>Image</a:t>
+            </a:r>
+            <a:r>
+              <a:rPr lang="ko-KR" altLang="en-US" sz="1000" dirty="0">
+                <a:latin typeface="Arial" panose="020B0604020202020204" pitchFamily="34" charset="0"/>
+                <a:cs typeface="Arial" panose="020B0604020202020204" pitchFamily="34" charset="0"/>
+              </a:rPr>
+              <a:t> 취득 실패</a:t>
             </a:r>
             <a:endParaRPr lang="en-US" altLang="ko-KR" sz="1000" dirty="0">
               <a:latin typeface="Arial" panose="020B0604020202020204" pitchFamily="34" charset="0"/>
@@ -7657,35 +9225,429 @@
                 <a:latin typeface="Arial" panose="020B0604020202020204" pitchFamily="34" charset="0"/>
                 <a:cs typeface="Arial" panose="020B0604020202020204" pitchFamily="34" charset="0"/>
               </a:rPr>
-              <a:t>13:05:22 </a:t>
+              <a:t>13:10:52 </a:t>
             </a:r>
             <a:r>
               <a:rPr lang="en-US" altLang="ko-KR" sz="1000" dirty="0" err="1">
                 <a:latin typeface="Arial" panose="020B0604020202020204" pitchFamily="34" charset="0"/>
                 <a:cs typeface="Arial" panose="020B0604020202020204" pitchFamily="34" charset="0"/>
               </a:rPr>
-              <a:t>NetWork</a:t>
+              <a:t>InspStart</a:t>
+            </a:r>
+            <a:r>
+              <a:rPr lang="en-US" altLang="ko-KR" sz="1000" dirty="0">
+                <a:latin typeface="Arial" panose="020B0604020202020204" pitchFamily="34" charset="0"/>
+                <a:cs typeface="Arial" panose="020B0604020202020204" pitchFamily="34" charset="0"/>
+              </a:rPr>
+              <a:t> MID </a:t>
             </a:r>
             <a:r>
               <a:rPr lang="ko-KR" altLang="en-US" sz="1000" dirty="0">
                 <a:latin typeface="Arial" panose="020B0604020202020204" pitchFamily="34" charset="0"/>
                 <a:cs typeface="Arial" panose="020B0604020202020204" pitchFamily="34" charset="0"/>
               </a:rPr>
-              <a:t> </a:t>
-            </a:r>
+              <a:t>검사 시작</a:t>
+            </a:r>
+            <a:endParaRPr lang="en-US" altLang="ko-KR" sz="1000" dirty="0">
+              <a:latin typeface="Arial" panose="020B0604020202020204" pitchFamily="34" charset="0"/>
+              <a:cs typeface="Arial" panose="020B0604020202020204" pitchFamily="34" charset="0"/>
+            </a:endParaRPr>
+          </a:p>
+          <a:p>
             <a:r>
               <a:rPr lang="en-US" altLang="ko-KR" sz="1000" dirty="0">
                 <a:latin typeface="Arial" panose="020B0604020202020204" pitchFamily="34" charset="0"/>
                 <a:cs typeface="Arial" panose="020B0604020202020204" pitchFamily="34" charset="0"/>
               </a:rPr>
-              <a:t>HIGH </a:t>
+              <a:t>13:05:22 </a:t>
+            </a:r>
+            <a:r>
+              <a:rPr lang="en-US" altLang="ko-KR" sz="1000" dirty="0" err="1">
+                <a:latin typeface="Arial" panose="020B0604020202020204" pitchFamily="34" charset="0"/>
+                <a:cs typeface="Arial" panose="020B0604020202020204" pitchFamily="34" charset="0"/>
+              </a:rPr>
+              <a:t>NetWork</a:t>
             </a:r>
             <a:r>
               <a:rPr lang="ko-KR" altLang="en-US" sz="1000" dirty="0">
                 <a:latin typeface="Arial" panose="020B0604020202020204" pitchFamily="34" charset="0"/>
                 <a:cs typeface="Arial" panose="020B0604020202020204" pitchFamily="34" charset="0"/>
               </a:rPr>
+              <a:t> </a:t>
+            </a:r>
+            <a:r>
+              <a:rPr lang="en-US" altLang="ko-KR" sz="1000" dirty="0">
+                <a:latin typeface="Arial" panose="020B0604020202020204" pitchFamily="34" charset="0"/>
+                <a:cs typeface="Arial" panose="020B0604020202020204" pitchFamily="34" charset="0"/>
+              </a:rPr>
+              <a:t>HIGH </a:t>
+            </a:r>
+            <a:r>
+              <a:rPr lang="ko-KR" altLang="en-US" sz="1000" dirty="0">
+                <a:latin typeface="Arial" panose="020B0604020202020204" pitchFamily="34" charset="0"/>
+                <a:cs typeface="Arial" panose="020B0604020202020204" pitchFamily="34" charset="0"/>
+              </a:rPr>
               <a:t>통신 오류</a:t>
+            </a:r>
+          </a:p>
+        </p:txBody>
+      </p:sp>
+      <p:sp>
+        <p:nvSpPr>
+          <p:cNvPr id="55" name="TextBox 54">
+            <a:extLst>
+              <a:ext uri="{FF2B5EF4-FFF2-40B4-BE49-F238E27FC236}">
+                <a16:creationId xmlns:a16="http://schemas.microsoft.com/office/drawing/2014/main" id="{FC0AE86A-4E4E-4C19-9340-7B2F0B62CFB9}"/>
+              </a:ext>
+            </a:extLst>
+          </p:cNvPr>
+          <p:cNvSpPr txBox="1"/>
+          <p:nvPr/>
+        </p:nvSpPr>
+        <p:spPr>
+          <a:xfrm>
+            <a:off x="2018663" y="1136630"/>
+            <a:ext cx="812611" cy="246221"/>
+          </a:xfrm>
+          <a:prstGeom prst="rect">
+            <a:avLst/>
+          </a:prstGeom>
+          <a:noFill/>
+        </p:spPr>
+        <p:txBody>
+          <a:bodyPr wrap="square" rtlCol="0">
+            <a:spAutoFit/>
+          </a:bodyPr>
+          <a:lstStyle/>
+          <a:p>
+            <a:pPr algn="ctr"/>
+            <a:r>
+              <a:rPr lang="en-US" altLang="ko-KR" sz="1000" dirty="0">
+                <a:latin typeface="Arial" panose="020B0604020202020204" pitchFamily="34" charset="0"/>
+                <a:cs typeface="Arial" panose="020B0604020202020204" pitchFamily="34" charset="0"/>
+              </a:rPr>
+              <a:t>UI</a:t>
+            </a:r>
+            <a:r>
+              <a:rPr lang="ko-KR" altLang="en-US" sz="1000" dirty="0">
+                <a:latin typeface="Arial" panose="020B0604020202020204" pitchFamily="34" charset="0"/>
+                <a:cs typeface="Arial" panose="020B0604020202020204" pitchFamily="34" charset="0"/>
+              </a:rPr>
+              <a:t> 디자인 </a:t>
+            </a:r>
+            <a:endParaRPr lang="en-US" altLang="ko-KR" sz="1000" dirty="0">
+              <a:latin typeface="Arial" panose="020B0604020202020204" pitchFamily="34" charset="0"/>
+              <a:cs typeface="Arial" panose="020B0604020202020204" pitchFamily="34" charset="0"/>
+            </a:endParaRPr>
+          </a:p>
+        </p:txBody>
+      </p:sp>
+      <p:sp>
+        <p:nvSpPr>
+          <p:cNvPr id="57" name="TextBox 56">
+            <a:extLst>
+              <a:ext uri="{FF2B5EF4-FFF2-40B4-BE49-F238E27FC236}">
+                <a16:creationId xmlns:a16="http://schemas.microsoft.com/office/drawing/2014/main" id="{925878D5-B390-41FF-A4F2-EA566674C22A}"/>
+              </a:ext>
+            </a:extLst>
+          </p:cNvPr>
+          <p:cNvSpPr txBox="1"/>
+          <p:nvPr/>
+        </p:nvSpPr>
+        <p:spPr>
+          <a:xfrm>
+            <a:off x="8040216" y="2477563"/>
+            <a:ext cx="1459041" cy="246221"/>
+          </a:xfrm>
+          <a:prstGeom prst="rect">
+            <a:avLst/>
+          </a:prstGeom>
+          <a:noFill/>
+        </p:spPr>
+        <p:txBody>
+          <a:bodyPr wrap="square" rtlCol="0">
+            <a:spAutoFit/>
+          </a:bodyPr>
+          <a:lstStyle/>
+          <a:p>
+            <a:pPr algn="ctr"/>
+            <a:r>
+              <a:rPr lang="en-US" altLang="ko-KR" sz="1000" dirty="0">
+                <a:latin typeface="Arial" panose="020B0604020202020204" pitchFamily="34" charset="0"/>
+                <a:cs typeface="Arial" panose="020B0604020202020204" pitchFamily="34" charset="0"/>
+              </a:rPr>
+              <a:t>UI</a:t>
+            </a:r>
+            <a:r>
+              <a:rPr lang="ko-KR" altLang="en-US" sz="1000" dirty="0">
+                <a:latin typeface="Arial" panose="020B0604020202020204" pitchFamily="34" charset="0"/>
+                <a:cs typeface="Arial" panose="020B0604020202020204" pitchFamily="34" charset="0"/>
+              </a:rPr>
+              <a:t> 디자인 레퍼런스 </a:t>
+            </a:r>
+            <a:endParaRPr lang="en-US" altLang="ko-KR" sz="1000" dirty="0">
+              <a:latin typeface="Arial" panose="020B0604020202020204" pitchFamily="34" charset="0"/>
+              <a:cs typeface="Arial" panose="020B0604020202020204" pitchFamily="34" charset="0"/>
+            </a:endParaRPr>
+          </a:p>
+        </p:txBody>
+      </p:sp>
+      <p:pic>
+        <p:nvPicPr>
+          <p:cNvPr id="58" name="그림 57">
+            <a:extLst>
+              <a:ext uri="{FF2B5EF4-FFF2-40B4-BE49-F238E27FC236}">
+                <a16:creationId xmlns:a16="http://schemas.microsoft.com/office/drawing/2014/main" id="{F5245188-03C2-41DF-9843-C103DEA57424}"/>
+              </a:ext>
+            </a:extLst>
+          </p:cNvPr>
+          <p:cNvPicPr>
+            <a:picLocks noChangeAspect="1"/>
+          </p:cNvPicPr>
+          <p:nvPr/>
+        </p:nvPicPr>
+        <p:blipFill>
+          <a:blip r:embed="rId5"/>
+          <a:stretch>
+            <a:fillRect/>
+          </a:stretch>
+        </p:blipFill>
+        <p:spPr>
+          <a:xfrm>
+            <a:off x="5660398" y="3107033"/>
+            <a:ext cx="5886199" cy="3341218"/>
+          </a:xfrm>
+          <a:prstGeom prst="rect">
+            <a:avLst/>
+          </a:prstGeom>
+        </p:spPr>
+      </p:pic>
+      <p:sp>
+        <p:nvSpPr>
+          <p:cNvPr id="59" name="TextBox 58">
+            <a:extLst>
+              <a:ext uri="{FF2B5EF4-FFF2-40B4-BE49-F238E27FC236}">
+                <a16:creationId xmlns:a16="http://schemas.microsoft.com/office/drawing/2014/main" id="{85E71D5E-2A86-4C6D-A993-DBF10CB4064F}"/>
+              </a:ext>
+            </a:extLst>
+          </p:cNvPr>
+          <p:cNvSpPr txBox="1"/>
+          <p:nvPr/>
+        </p:nvSpPr>
+        <p:spPr>
+          <a:xfrm>
+            <a:off x="8201779" y="6454803"/>
+            <a:ext cx="1216642" cy="246221"/>
+          </a:xfrm>
+          <a:prstGeom prst="rect">
+            <a:avLst/>
+          </a:prstGeom>
+          <a:noFill/>
+        </p:spPr>
+        <p:txBody>
+          <a:bodyPr wrap="square" rtlCol="0">
+            <a:spAutoFit/>
+          </a:bodyPr>
+          <a:lstStyle/>
+          <a:p>
+            <a:pPr algn="ctr"/>
+            <a:r>
+              <a:rPr lang="ko-KR" altLang="en-US" sz="1000" dirty="0">
+                <a:latin typeface="Arial" panose="020B0604020202020204" pitchFamily="34" charset="0"/>
+                <a:cs typeface="Arial" panose="020B0604020202020204" pitchFamily="34" charset="0"/>
+              </a:rPr>
+              <a:t>실제 </a:t>
+            </a:r>
+            <a:r>
+              <a:rPr lang="en-US" altLang="ko-KR" sz="1000" dirty="0">
+                <a:latin typeface="Arial" panose="020B0604020202020204" pitchFamily="34" charset="0"/>
+                <a:cs typeface="Arial" panose="020B0604020202020204" pitchFamily="34" charset="0"/>
+              </a:rPr>
+              <a:t>UI</a:t>
+            </a:r>
+            <a:r>
+              <a:rPr lang="ko-KR" altLang="en-US" sz="1000" dirty="0">
+                <a:latin typeface="Arial" panose="020B0604020202020204" pitchFamily="34" charset="0"/>
+                <a:cs typeface="Arial" panose="020B0604020202020204" pitchFamily="34" charset="0"/>
+              </a:rPr>
+              <a:t> 디자인 </a:t>
+            </a:r>
+            <a:endParaRPr lang="en-US" altLang="ko-KR" sz="1000" dirty="0">
+              <a:latin typeface="Arial" panose="020B0604020202020204" pitchFamily="34" charset="0"/>
+              <a:cs typeface="Arial" panose="020B0604020202020204" pitchFamily="34" charset="0"/>
+            </a:endParaRPr>
+          </a:p>
+        </p:txBody>
+      </p:sp>
+      <p:sp>
+        <p:nvSpPr>
+          <p:cNvPr id="61" name="TextBox 60">
+            <a:extLst>
+              <a:ext uri="{FF2B5EF4-FFF2-40B4-BE49-F238E27FC236}">
+                <a16:creationId xmlns:a16="http://schemas.microsoft.com/office/drawing/2014/main" id="{3CE12DA6-C17F-438C-9BC3-04834C24F571}"/>
+              </a:ext>
+            </a:extLst>
+          </p:cNvPr>
+          <p:cNvSpPr txBox="1"/>
+          <p:nvPr/>
+        </p:nvSpPr>
+        <p:spPr>
+          <a:xfrm>
+            <a:off x="678852" y="5161693"/>
+            <a:ext cx="3938136" cy="1169551"/>
+          </a:xfrm>
+          <a:prstGeom prst="rect">
+            <a:avLst/>
+          </a:prstGeom>
+          <a:noFill/>
+        </p:spPr>
+        <p:txBody>
+          <a:bodyPr wrap="square" rtlCol="0">
+            <a:spAutoFit/>
+          </a:bodyPr>
+          <a:lstStyle/>
+          <a:p>
+            <a:r>
+              <a:rPr lang="ko-KR" altLang="en-US" sz="1000" dirty="0">
+                <a:latin typeface="Arial" panose="020B0604020202020204" pitchFamily="34" charset="0"/>
+                <a:cs typeface="Arial" panose="020B0604020202020204" pitchFamily="34" charset="0"/>
+              </a:rPr>
+              <a:t>기능</a:t>
+            </a:r>
+            <a:endParaRPr lang="en-US" altLang="ko-KR" sz="1000" dirty="0">
+              <a:latin typeface="Arial" panose="020B0604020202020204" pitchFamily="34" charset="0"/>
+              <a:cs typeface="Arial" panose="020B0604020202020204" pitchFamily="34" charset="0"/>
+            </a:endParaRPr>
+          </a:p>
+          <a:p>
+            <a:endParaRPr lang="en-US" altLang="ko-KR" sz="1000" dirty="0">
+              <a:latin typeface="Arial" panose="020B0604020202020204" pitchFamily="34" charset="0"/>
+              <a:cs typeface="Arial" panose="020B0604020202020204" pitchFamily="34" charset="0"/>
+            </a:endParaRPr>
+          </a:p>
+          <a:p>
+            <a:pPr marL="228600" indent="-228600">
+              <a:buAutoNum type="arabicPeriod"/>
+            </a:pPr>
+            <a:r>
+              <a:rPr lang="en-US" altLang="ko-KR" sz="1000" dirty="0">
+                <a:latin typeface="Arial" panose="020B0604020202020204" pitchFamily="34" charset="0"/>
+                <a:cs typeface="Arial" panose="020B0604020202020204" pitchFamily="34" charset="0"/>
+              </a:rPr>
+              <a:t>TCP/IP </a:t>
+            </a:r>
+            <a:r>
+              <a:rPr lang="en-US" altLang="ko-KR" sz="1000" dirty="0" err="1">
+                <a:latin typeface="Arial" panose="020B0604020202020204" pitchFamily="34" charset="0"/>
+                <a:cs typeface="Arial" panose="020B0604020202020204" pitchFamily="34" charset="0"/>
+              </a:rPr>
+              <a:t>roopback</a:t>
+            </a:r>
+            <a:r>
+              <a:rPr lang="en-US" altLang="ko-KR" sz="1000" dirty="0">
+                <a:latin typeface="Arial" panose="020B0604020202020204" pitchFamily="34" charset="0"/>
+                <a:cs typeface="Arial" panose="020B0604020202020204" pitchFamily="34" charset="0"/>
+              </a:rPr>
+              <a:t> IP(127.0.0.1)</a:t>
+            </a:r>
+            <a:r>
+              <a:rPr lang="ko-KR" altLang="en-US" sz="1000" dirty="0">
+                <a:latin typeface="Arial" panose="020B0604020202020204" pitchFamily="34" charset="0"/>
+                <a:cs typeface="Arial" panose="020B0604020202020204" pitchFamily="34" charset="0"/>
+              </a:rPr>
+              <a:t>을 사용해 </a:t>
+            </a:r>
+            <a:r>
+              <a:rPr lang="en-US" altLang="ko-KR" sz="1000" dirty="0">
+                <a:latin typeface="Arial" panose="020B0604020202020204" pitchFamily="34" charset="0"/>
+                <a:cs typeface="Arial" panose="020B0604020202020204" pitchFamily="34" charset="0"/>
+              </a:rPr>
+              <a:t>IPC </a:t>
+            </a:r>
+            <a:r>
+              <a:rPr lang="ko-KR" altLang="en-US" sz="1000" dirty="0">
+                <a:latin typeface="Arial" panose="020B0604020202020204" pitchFamily="34" charset="0"/>
+                <a:cs typeface="Arial" panose="020B0604020202020204" pitchFamily="34" charset="0"/>
+              </a:rPr>
+              <a:t>기능</a:t>
+            </a:r>
+            <a:endParaRPr lang="en-US" altLang="ko-KR" sz="1000" dirty="0">
+              <a:latin typeface="Arial" panose="020B0604020202020204" pitchFamily="34" charset="0"/>
+              <a:cs typeface="Arial" panose="020B0604020202020204" pitchFamily="34" charset="0"/>
+            </a:endParaRPr>
+          </a:p>
+          <a:p>
+            <a:pPr marL="228600" indent="-228600">
+              <a:buAutoNum type="arabicPeriod"/>
+            </a:pPr>
+            <a:endParaRPr lang="en-US" altLang="ko-KR" sz="1000" dirty="0">
+              <a:latin typeface="Arial" panose="020B0604020202020204" pitchFamily="34" charset="0"/>
+              <a:cs typeface="Arial" panose="020B0604020202020204" pitchFamily="34" charset="0"/>
+            </a:endParaRPr>
+          </a:p>
+          <a:p>
+            <a:pPr marL="228600" indent="-228600">
+              <a:buAutoNum type="arabicPeriod"/>
+            </a:pPr>
+            <a:r>
+              <a:rPr lang="en-US" altLang="ko-KR" sz="1000" dirty="0">
+                <a:latin typeface="Arial" panose="020B0604020202020204" pitchFamily="34" charset="0"/>
+                <a:cs typeface="Arial" panose="020B0604020202020204" pitchFamily="34" charset="0"/>
+              </a:rPr>
+              <a:t>Log Data XML</a:t>
+            </a:r>
+            <a:r>
+              <a:rPr lang="ko-KR" altLang="en-US" sz="1000" dirty="0">
+                <a:latin typeface="Arial" panose="020B0604020202020204" pitchFamily="34" charset="0"/>
+                <a:cs typeface="Arial" panose="020B0604020202020204" pitchFamily="34" charset="0"/>
+              </a:rPr>
+              <a:t>형식을 사용하여 통신 프로토콜</a:t>
+            </a:r>
+            <a:endParaRPr lang="en-US" altLang="ko-KR" sz="1000" dirty="0">
+              <a:latin typeface="Arial" panose="020B0604020202020204" pitchFamily="34" charset="0"/>
+              <a:cs typeface="Arial" panose="020B0604020202020204" pitchFamily="34" charset="0"/>
+            </a:endParaRPr>
+          </a:p>
+          <a:p>
+            <a:pPr marL="228600" indent="-228600">
+              <a:buAutoNum type="arabicPeriod"/>
+            </a:pPr>
+            <a:endParaRPr lang="en-US" altLang="ko-KR" sz="1000" dirty="0">
+              <a:latin typeface="Arial" panose="020B0604020202020204" pitchFamily="34" charset="0"/>
+              <a:cs typeface="Arial" panose="020B0604020202020204" pitchFamily="34" charset="0"/>
+            </a:endParaRPr>
+          </a:p>
+          <a:p>
+            <a:pPr marL="228600" indent="-228600">
+              <a:buAutoNum type="arabicPeriod"/>
+            </a:pPr>
+            <a:r>
+              <a:rPr lang="en-US" altLang="ko-KR" sz="1000" dirty="0">
+                <a:latin typeface="Arial" panose="020B0604020202020204" pitchFamily="34" charset="0"/>
+                <a:cs typeface="Arial" panose="020B0604020202020204" pitchFamily="34" charset="0"/>
+              </a:rPr>
+              <a:t>Log File </a:t>
+            </a:r>
+            <a:r>
+              <a:rPr lang="ko-KR" altLang="en-US" sz="1000" dirty="0">
+                <a:latin typeface="Arial" panose="020B0604020202020204" pitchFamily="34" charset="0"/>
+                <a:cs typeface="Arial" panose="020B0604020202020204" pitchFamily="34" charset="0"/>
+              </a:rPr>
+              <a:t>시간 단위로 생성 및 </a:t>
+            </a:r>
+            <a:r>
+              <a:rPr lang="en-US" altLang="ko-KR" sz="1000" dirty="0">
+                <a:latin typeface="Arial" panose="020B0604020202020204" pitchFamily="34" charset="0"/>
+                <a:cs typeface="Arial" panose="020B0604020202020204" pitchFamily="34" charset="0"/>
+              </a:rPr>
+              <a:t>File</a:t>
+            </a:r>
+            <a:r>
+              <a:rPr lang="ko-KR" altLang="en-US" sz="1000" dirty="0">
+                <a:latin typeface="Arial" panose="020B0604020202020204" pitchFamily="34" charset="0"/>
+                <a:cs typeface="Arial" panose="020B0604020202020204" pitchFamily="34" charset="0"/>
+              </a:rPr>
+              <a:t>내 로그 저장 </a:t>
             </a:r>
           </a:p>
         </p:txBody>
@@ -7703,7 +9665,1258 @@
 </p:sld>
 </file>
 
-<file path=ppt/slides/slide4.xml><?xml version="1.0" encoding="utf-8"?>
+<file path=ppt/slides/slide5.xml><?xml version="1.0" encoding="utf-8"?>
+<p:sld xmlns:a="http://schemas.openxmlformats.org/drawingml/2006/main" xmlns:r="http://schemas.openxmlformats.org/officeDocument/2006/relationships" xmlns:p="http://schemas.openxmlformats.org/presentationml/2006/main">
+  <p:cSld>
+    <p:spTree>
+      <p:nvGrpSpPr>
+        <p:cNvPr id="1" name=""/>
+        <p:cNvGrpSpPr/>
+        <p:nvPr/>
+      </p:nvGrpSpPr>
+      <p:grpSpPr>
+        <a:xfrm>
+          <a:off x="0" y="0"/>
+          <a:ext cx="0" cy="0"/>
+          <a:chOff x="0" y="0"/>
+          <a:chExt cx="0" cy="0"/>
+        </a:xfrm>
+      </p:grpSpPr>
+      <p:sp>
+        <p:nvSpPr>
+          <p:cNvPr id="2" name="제목 1">
+            <a:extLst>
+              <a:ext uri="{FF2B5EF4-FFF2-40B4-BE49-F238E27FC236}">
+                <a16:creationId xmlns:a16="http://schemas.microsoft.com/office/drawing/2014/main" id="{2604F435-2ED8-48AE-9B3A-7F21AE77755D}"/>
+              </a:ext>
+            </a:extLst>
+          </p:cNvPr>
+          <p:cNvSpPr>
+            <a:spLocks noGrp="1"/>
+          </p:cNvSpPr>
+          <p:nvPr>
+            <p:ph type="title"/>
+          </p:nvPr>
+        </p:nvSpPr>
+        <p:spPr/>
+        <p:txBody>
+          <a:bodyPr/>
+          <a:lstStyle/>
+          <a:p>
+            <a:r>
+              <a:rPr lang="en-US" altLang="ko-KR" dirty="0"/>
+              <a:t>Log</a:t>
+            </a:r>
+            <a:r>
+              <a:rPr lang="ko-KR" altLang="en-US" dirty="0"/>
+              <a:t> </a:t>
+            </a:r>
+            <a:r>
+              <a:rPr lang="en-US" altLang="ko-KR" dirty="0"/>
+              <a:t>Viewer </a:t>
+            </a:r>
+            <a:r>
+              <a:rPr lang="ko-KR" altLang="en-US" dirty="0"/>
+              <a:t>구조</a:t>
+            </a:r>
+          </a:p>
+        </p:txBody>
+      </p:sp>
+      <p:sp>
+        <p:nvSpPr>
+          <p:cNvPr id="3" name="슬라이드 번호 개체 틀 2">
+            <a:extLst>
+              <a:ext uri="{FF2B5EF4-FFF2-40B4-BE49-F238E27FC236}">
+                <a16:creationId xmlns:a16="http://schemas.microsoft.com/office/drawing/2014/main" id="{F79F8127-E617-4C34-8CB0-F3953E7354AE}"/>
+              </a:ext>
+            </a:extLst>
+          </p:cNvPr>
+          <p:cNvSpPr>
+            <a:spLocks noGrp="1"/>
+          </p:cNvSpPr>
+          <p:nvPr>
+            <p:ph type="sldNum" sz="quarter" idx="4"/>
+          </p:nvPr>
+        </p:nvSpPr>
+        <p:spPr/>
+        <p:txBody>
+          <a:bodyPr/>
+          <a:lstStyle/>
+          <a:p>
+            <a:pPr>
+              <a:defRPr/>
+            </a:pPr>
+            <a:fld id="{B041EC1C-CD40-411B-B8A8-88A7A386D31F}" type="slidenum">
+              <a:rPr lang="ko-KR" altLang="en-US" smtClean="0"/>
+              <a:pPr>
+                <a:defRPr/>
+              </a:pPr>
+              <a:t>5</a:t>
+            </a:fld>
+            <a:endParaRPr lang="ko-KR" altLang="en-US"/>
+          </a:p>
+        </p:txBody>
+      </p:sp>
+      <p:grpSp>
+        <p:nvGrpSpPr>
+          <p:cNvPr id="14" name="그룹 13">
+            <a:extLst>
+              <a:ext uri="{FF2B5EF4-FFF2-40B4-BE49-F238E27FC236}">
+                <a16:creationId xmlns:a16="http://schemas.microsoft.com/office/drawing/2014/main" id="{7F17C256-1D07-41FB-92AC-191AAC50B785}"/>
+              </a:ext>
+            </a:extLst>
+          </p:cNvPr>
+          <p:cNvGrpSpPr/>
+          <p:nvPr/>
+        </p:nvGrpSpPr>
+        <p:grpSpPr>
+          <a:xfrm>
+            <a:off x="176828" y="1482241"/>
+            <a:ext cx="11872637" cy="4251015"/>
+            <a:chOff x="176828" y="1482241"/>
+            <a:chExt cx="11872637" cy="4251015"/>
+          </a:xfrm>
+        </p:grpSpPr>
+        <p:sp>
+          <p:nvSpPr>
+            <p:cNvPr id="4" name="사각형: 둥근 모서리 3">
+              <a:extLst>
+                <a:ext uri="{FF2B5EF4-FFF2-40B4-BE49-F238E27FC236}">
+                  <a16:creationId xmlns:a16="http://schemas.microsoft.com/office/drawing/2014/main" id="{4C6B24BD-B611-475E-AF89-75A8CE375271}"/>
+                </a:ext>
+              </a:extLst>
+            </p:cNvPr>
+            <p:cNvSpPr/>
+            <p:nvPr/>
+          </p:nvSpPr>
+          <p:spPr>
+            <a:xfrm>
+              <a:off x="176828" y="1482241"/>
+              <a:ext cx="2505878" cy="4176464"/>
+            </a:xfrm>
+            <a:prstGeom prst="roundRect">
+              <a:avLst/>
+            </a:prstGeom>
+            <a:solidFill>
+              <a:schemeClr val="accent5">
+                <a:lumMod val="20000"/>
+                <a:lumOff val="80000"/>
+              </a:schemeClr>
+            </a:solidFill>
+            <a:ln>
+              <a:noFill/>
+            </a:ln>
+          </p:spPr>
+          <p:style>
+            <a:lnRef idx="2">
+              <a:schemeClr val="accent1">
+                <a:shade val="50000"/>
+              </a:schemeClr>
+            </a:lnRef>
+            <a:fillRef idx="1">
+              <a:schemeClr val="accent1"/>
+            </a:fillRef>
+            <a:effectRef idx="0">
+              <a:schemeClr val="accent1"/>
+            </a:effectRef>
+            <a:fontRef idx="minor">
+              <a:schemeClr val="lt1"/>
+            </a:fontRef>
+          </p:style>
+          <p:txBody>
+            <a:bodyPr rtlCol="0" anchor="ctr"/>
+            <a:lstStyle/>
+            <a:p>
+              <a:pPr algn="ctr"/>
+              <a:endParaRPr lang="ko-KR" altLang="en-US"/>
+            </a:p>
+          </p:txBody>
+        </p:sp>
+        <p:sp>
+          <p:nvSpPr>
+            <p:cNvPr id="62" name="사각형: 둥근 모서리 61">
+              <a:extLst>
+                <a:ext uri="{FF2B5EF4-FFF2-40B4-BE49-F238E27FC236}">
+                  <a16:creationId xmlns:a16="http://schemas.microsoft.com/office/drawing/2014/main" id="{533A8A1F-BEDA-453D-BA57-A52542E6B6FC}"/>
+                </a:ext>
+              </a:extLst>
+            </p:cNvPr>
+            <p:cNvSpPr/>
+            <p:nvPr/>
+          </p:nvSpPr>
+          <p:spPr>
+            <a:xfrm>
+              <a:off x="3761190" y="1531421"/>
+              <a:ext cx="2505878" cy="4176464"/>
+            </a:xfrm>
+            <a:prstGeom prst="roundRect">
+              <a:avLst/>
+            </a:prstGeom>
+            <a:solidFill>
+              <a:schemeClr val="accent5">
+                <a:lumMod val="20000"/>
+                <a:lumOff val="80000"/>
+              </a:schemeClr>
+            </a:solidFill>
+            <a:ln>
+              <a:noFill/>
+            </a:ln>
+          </p:spPr>
+          <p:style>
+            <a:lnRef idx="2">
+              <a:schemeClr val="accent1">
+                <a:shade val="50000"/>
+              </a:schemeClr>
+            </a:lnRef>
+            <a:fillRef idx="1">
+              <a:schemeClr val="accent1"/>
+            </a:fillRef>
+            <a:effectRef idx="0">
+              <a:schemeClr val="accent1"/>
+            </a:effectRef>
+            <a:fontRef idx="minor">
+              <a:schemeClr val="lt1"/>
+            </a:fontRef>
+          </p:style>
+          <p:txBody>
+            <a:bodyPr rtlCol="0" anchor="ctr"/>
+            <a:lstStyle/>
+            <a:p>
+              <a:pPr algn="ctr"/>
+              <a:endParaRPr lang="ko-KR" altLang="en-US"/>
+            </a:p>
+          </p:txBody>
+        </p:sp>
+        <p:sp>
+          <p:nvSpPr>
+            <p:cNvPr id="65" name="TextBox 64">
+              <a:extLst>
+                <a:ext uri="{FF2B5EF4-FFF2-40B4-BE49-F238E27FC236}">
+                  <a16:creationId xmlns:a16="http://schemas.microsoft.com/office/drawing/2014/main" id="{65BCD01E-C0B7-41EE-BA39-E7F3ECFF8AD4}"/>
+                </a:ext>
+              </a:extLst>
+            </p:cNvPr>
+            <p:cNvSpPr txBox="1"/>
+            <p:nvPr/>
+          </p:nvSpPr>
+          <p:spPr>
+            <a:xfrm>
+              <a:off x="983432" y="1482241"/>
+              <a:ext cx="812611" cy="246221"/>
+            </a:xfrm>
+            <a:prstGeom prst="rect">
+              <a:avLst/>
+            </a:prstGeom>
+            <a:noFill/>
+          </p:spPr>
+          <p:txBody>
+            <a:bodyPr wrap="square" rtlCol="0">
+              <a:spAutoFit/>
+            </a:bodyPr>
+            <a:lstStyle/>
+            <a:p>
+              <a:pPr algn="ctr"/>
+              <a:r>
+                <a:rPr lang="en-US" altLang="ko-KR" sz="1000" dirty="0">
+                  <a:latin typeface="Arial" panose="020B0604020202020204" pitchFamily="34" charset="0"/>
+                  <a:cs typeface="Arial" panose="020B0604020202020204" pitchFamily="34" charset="0"/>
+                </a:rPr>
+                <a:t>View</a:t>
+              </a:r>
+            </a:p>
+          </p:txBody>
+        </p:sp>
+        <p:sp>
+          <p:nvSpPr>
+            <p:cNvPr id="66" name="TextBox 65">
+              <a:extLst>
+                <a:ext uri="{FF2B5EF4-FFF2-40B4-BE49-F238E27FC236}">
+                  <a16:creationId xmlns:a16="http://schemas.microsoft.com/office/drawing/2014/main" id="{AA387462-4CCD-4538-8C4B-04CCEFAFA0E7}"/>
+                </a:ext>
+              </a:extLst>
+            </p:cNvPr>
+            <p:cNvSpPr txBox="1"/>
+            <p:nvPr/>
+          </p:nvSpPr>
+          <p:spPr>
+            <a:xfrm>
+              <a:off x="4511824" y="1531421"/>
+              <a:ext cx="936104" cy="246221"/>
+            </a:xfrm>
+            <a:prstGeom prst="rect">
+              <a:avLst/>
+            </a:prstGeom>
+            <a:noFill/>
+          </p:spPr>
+          <p:txBody>
+            <a:bodyPr wrap="square" rtlCol="0">
+              <a:spAutoFit/>
+            </a:bodyPr>
+            <a:lstStyle/>
+            <a:p>
+              <a:pPr algn="ctr"/>
+              <a:r>
+                <a:rPr lang="en-US" altLang="ko-KR" sz="1000" dirty="0">
+                  <a:latin typeface="Arial" panose="020B0604020202020204" pitchFamily="34" charset="0"/>
+                  <a:cs typeface="Arial" panose="020B0604020202020204" pitchFamily="34" charset="0"/>
+                </a:rPr>
+                <a:t>View Model</a:t>
+              </a:r>
+            </a:p>
+          </p:txBody>
+        </p:sp>
+        <p:pic>
+          <p:nvPicPr>
+            <p:cNvPr id="69" name="그림 68">
+              <a:extLst>
+                <a:ext uri="{FF2B5EF4-FFF2-40B4-BE49-F238E27FC236}">
+                  <a16:creationId xmlns:a16="http://schemas.microsoft.com/office/drawing/2014/main" id="{7F4A4082-B502-4060-B8D4-D92269303EAC}"/>
+                </a:ext>
+              </a:extLst>
+            </p:cNvPr>
+            <p:cNvPicPr>
+              <a:picLocks noChangeAspect="1"/>
+            </p:cNvPicPr>
+            <p:nvPr/>
+          </p:nvPicPr>
+          <p:blipFill>
+            <a:blip r:embed="rId2"/>
+            <a:stretch>
+              <a:fillRect/>
+            </a:stretch>
+          </p:blipFill>
+          <p:spPr>
+            <a:xfrm>
+              <a:off x="220798" y="1994286"/>
+              <a:ext cx="2337877" cy="1327063"/>
+            </a:xfrm>
+            <a:prstGeom prst="rect">
+              <a:avLst/>
+            </a:prstGeom>
+          </p:spPr>
+        </p:pic>
+        <p:cxnSp>
+          <p:nvCxnSpPr>
+            <p:cNvPr id="7" name="직선 화살표 연결선 6">
+              <a:extLst>
+                <a:ext uri="{FF2B5EF4-FFF2-40B4-BE49-F238E27FC236}">
+                  <a16:creationId xmlns:a16="http://schemas.microsoft.com/office/drawing/2014/main" id="{5A9DFB94-8CF6-4B34-A9D6-E6CC23AD3733}"/>
+                </a:ext>
+              </a:extLst>
+            </p:cNvPr>
+            <p:cNvCxnSpPr>
+              <a:cxnSpLocks/>
+            </p:cNvCxnSpPr>
+            <p:nvPr/>
+          </p:nvCxnSpPr>
+          <p:spPr>
+            <a:xfrm>
+              <a:off x="2495600" y="3569596"/>
+              <a:ext cx="1449093" cy="0"/>
+            </a:xfrm>
+            <a:prstGeom prst="straightConnector1">
+              <a:avLst/>
+            </a:prstGeom>
+            <a:ln>
+              <a:headEnd type="triangle"/>
+              <a:tailEnd type="triangle"/>
+            </a:ln>
+          </p:spPr>
+          <p:style>
+            <a:lnRef idx="1">
+              <a:schemeClr val="accent2"/>
+            </a:lnRef>
+            <a:fillRef idx="0">
+              <a:schemeClr val="accent2"/>
+            </a:fillRef>
+            <a:effectRef idx="0">
+              <a:schemeClr val="accent2"/>
+            </a:effectRef>
+            <a:fontRef idx="minor">
+              <a:schemeClr val="tx1"/>
+            </a:fontRef>
+          </p:style>
+        </p:cxnSp>
+        <p:sp>
+          <p:nvSpPr>
+            <p:cNvPr id="70" name="TextBox 69">
+              <a:extLst>
+                <a:ext uri="{FF2B5EF4-FFF2-40B4-BE49-F238E27FC236}">
+                  <a16:creationId xmlns:a16="http://schemas.microsoft.com/office/drawing/2014/main" id="{6C3A7DBA-E972-47A3-8AFD-CC2383927B2B}"/>
+                </a:ext>
+              </a:extLst>
+            </p:cNvPr>
+            <p:cNvSpPr txBox="1"/>
+            <p:nvPr/>
+          </p:nvSpPr>
+          <p:spPr>
+            <a:xfrm>
+              <a:off x="2787601" y="3569596"/>
+              <a:ext cx="936104" cy="246221"/>
+            </a:xfrm>
+            <a:prstGeom prst="rect">
+              <a:avLst/>
+            </a:prstGeom>
+            <a:noFill/>
+          </p:spPr>
+          <p:txBody>
+            <a:bodyPr wrap="square" rtlCol="0">
+              <a:spAutoFit/>
+            </a:bodyPr>
+            <a:lstStyle/>
+            <a:p>
+              <a:pPr algn="ctr"/>
+              <a:r>
+                <a:rPr lang="en-US" altLang="ko-KR" sz="1000" dirty="0">
+                  <a:latin typeface="Arial" panose="020B0604020202020204" pitchFamily="34" charset="0"/>
+                  <a:cs typeface="Arial" panose="020B0604020202020204" pitchFamily="34" charset="0"/>
+                </a:rPr>
+                <a:t>Binding</a:t>
+              </a:r>
+            </a:p>
+          </p:txBody>
+        </p:sp>
+        <p:grpSp>
+          <p:nvGrpSpPr>
+            <p:cNvPr id="11" name="그룹 10">
+              <a:extLst>
+                <a:ext uri="{FF2B5EF4-FFF2-40B4-BE49-F238E27FC236}">
+                  <a16:creationId xmlns:a16="http://schemas.microsoft.com/office/drawing/2014/main" id="{EF82581E-7401-4B54-8407-6D72F0426B64}"/>
+                </a:ext>
+              </a:extLst>
+            </p:cNvPr>
+            <p:cNvGrpSpPr/>
+            <p:nvPr/>
+          </p:nvGrpSpPr>
+          <p:grpSpPr>
+            <a:xfrm>
+              <a:off x="7428653" y="1556792"/>
+              <a:ext cx="4620812" cy="4176464"/>
+              <a:chOff x="7428653" y="1556792"/>
+              <a:chExt cx="4620812" cy="4176464"/>
+            </a:xfrm>
+          </p:grpSpPr>
+          <p:sp>
+            <p:nvSpPr>
+              <p:cNvPr id="64" name="사각형: 둥근 모서리 63">
+                <a:extLst>
+                  <a:ext uri="{FF2B5EF4-FFF2-40B4-BE49-F238E27FC236}">
+                    <a16:creationId xmlns:a16="http://schemas.microsoft.com/office/drawing/2014/main" id="{BB457D67-3114-43D7-86A3-8578FB76227E}"/>
+                  </a:ext>
+                </a:extLst>
+              </p:cNvPr>
+              <p:cNvSpPr/>
+              <p:nvPr/>
+            </p:nvSpPr>
+            <p:spPr>
+              <a:xfrm>
+                <a:off x="7428653" y="1556792"/>
+                <a:ext cx="2505878" cy="4176464"/>
+              </a:xfrm>
+              <a:prstGeom prst="roundRect">
+                <a:avLst/>
+              </a:prstGeom>
+              <a:solidFill>
+                <a:schemeClr val="accent5">
+                  <a:lumMod val="20000"/>
+                  <a:lumOff val="80000"/>
+                </a:schemeClr>
+              </a:solidFill>
+              <a:ln>
+                <a:noFill/>
+              </a:ln>
+            </p:spPr>
+            <p:style>
+              <a:lnRef idx="2">
+                <a:schemeClr val="accent1">
+                  <a:shade val="50000"/>
+                </a:schemeClr>
+              </a:lnRef>
+              <a:fillRef idx="1">
+                <a:schemeClr val="accent1"/>
+              </a:fillRef>
+              <a:effectRef idx="0">
+                <a:schemeClr val="accent1"/>
+              </a:effectRef>
+              <a:fontRef idx="minor">
+                <a:schemeClr val="lt1"/>
+              </a:fontRef>
+            </p:style>
+            <p:txBody>
+              <a:bodyPr rtlCol="0" anchor="ctr"/>
+              <a:lstStyle/>
+              <a:p>
+                <a:pPr algn="ctr"/>
+                <a:endParaRPr lang="ko-KR" altLang="en-US"/>
+              </a:p>
+            </p:txBody>
+          </p:sp>
+          <p:sp>
+            <p:nvSpPr>
+              <p:cNvPr id="67" name="TextBox 66">
+                <a:extLst>
+                  <a:ext uri="{FF2B5EF4-FFF2-40B4-BE49-F238E27FC236}">
+                    <a16:creationId xmlns:a16="http://schemas.microsoft.com/office/drawing/2014/main" id="{470638A5-DE0E-426D-8640-D25A347AF60A}"/>
+                  </a:ext>
+                </a:extLst>
+              </p:cNvPr>
+              <p:cNvSpPr txBox="1"/>
+              <p:nvPr/>
+            </p:nvSpPr>
+            <p:spPr>
+              <a:xfrm>
+                <a:off x="8213540" y="1556792"/>
+                <a:ext cx="936104" cy="246221"/>
+              </a:xfrm>
+              <a:prstGeom prst="rect">
+                <a:avLst/>
+              </a:prstGeom>
+              <a:noFill/>
+            </p:spPr>
+            <p:txBody>
+              <a:bodyPr wrap="square" rtlCol="0">
+                <a:spAutoFit/>
+              </a:bodyPr>
+              <a:lstStyle/>
+              <a:p>
+                <a:pPr algn="ctr"/>
+                <a:r>
+                  <a:rPr lang="en-US" altLang="ko-KR" sz="1000" dirty="0">
+                    <a:latin typeface="Arial" panose="020B0604020202020204" pitchFamily="34" charset="0"/>
+                    <a:cs typeface="Arial" panose="020B0604020202020204" pitchFamily="34" charset="0"/>
+                  </a:rPr>
+                  <a:t>Model</a:t>
+                </a:r>
+              </a:p>
+            </p:txBody>
+          </p:sp>
+          <p:sp>
+            <p:nvSpPr>
+              <p:cNvPr id="72" name="사각형: 둥근 모서리 71">
+                <a:extLst>
+                  <a:ext uri="{FF2B5EF4-FFF2-40B4-BE49-F238E27FC236}">
+                    <a16:creationId xmlns:a16="http://schemas.microsoft.com/office/drawing/2014/main" id="{4057079C-2A05-46BC-843A-0FE86A4634C7}"/>
+                  </a:ext>
+                </a:extLst>
+              </p:cNvPr>
+              <p:cNvSpPr/>
+              <p:nvPr/>
+            </p:nvSpPr>
+            <p:spPr>
+              <a:xfrm>
+                <a:off x="7611360" y="3066040"/>
+                <a:ext cx="2140463" cy="1526540"/>
+              </a:xfrm>
+              <a:prstGeom prst="roundRect">
+                <a:avLst/>
+              </a:prstGeom>
+              <a:solidFill>
+                <a:schemeClr val="accent6">
+                  <a:lumMod val="40000"/>
+                  <a:lumOff val="60000"/>
+                </a:schemeClr>
+              </a:solidFill>
+              <a:ln>
+                <a:noFill/>
+              </a:ln>
+            </p:spPr>
+            <p:style>
+              <a:lnRef idx="2">
+                <a:schemeClr val="accent1">
+                  <a:shade val="50000"/>
+                </a:schemeClr>
+              </a:lnRef>
+              <a:fillRef idx="1">
+                <a:schemeClr val="accent1"/>
+              </a:fillRef>
+              <a:effectRef idx="0">
+                <a:schemeClr val="accent1"/>
+              </a:effectRef>
+              <a:fontRef idx="minor">
+                <a:schemeClr val="lt1"/>
+              </a:fontRef>
+            </p:style>
+            <p:txBody>
+              <a:bodyPr rtlCol="0" anchor="ctr"/>
+              <a:lstStyle/>
+              <a:p>
+                <a:pPr algn="ctr"/>
+                <a:endParaRPr lang="ko-KR" altLang="en-US" dirty="0"/>
+              </a:p>
+            </p:txBody>
+          </p:sp>
+          <p:sp>
+            <p:nvSpPr>
+              <p:cNvPr id="73" name="TextBox 72">
+                <a:extLst>
+                  <a:ext uri="{FF2B5EF4-FFF2-40B4-BE49-F238E27FC236}">
+                    <a16:creationId xmlns:a16="http://schemas.microsoft.com/office/drawing/2014/main" id="{1DD9DB8E-FC1C-49D2-A499-00068C3F49C1}"/>
+                  </a:ext>
+                </a:extLst>
+              </p:cNvPr>
+              <p:cNvSpPr txBox="1"/>
+              <p:nvPr/>
+            </p:nvSpPr>
+            <p:spPr>
+              <a:xfrm>
+                <a:off x="8213539" y="3066040"/>
+                <a:ext cx="936104" cy="246221"/>
+              </a:xfrm>
+              <a:prstGeom prst="rect">
+                <a:avLst/>
+              </a:prstGeom>
+              <a:noFill/>
+            </p:spPr>
+            <p:txBody>
+              <a:bodyPr wrap="square" rtlCol="0">
+                <a:spAutoFit/>
+              </a:bodyPr>
+              <a:lstStyle/>
+              <a:p>
+                <a:pPr algn="ctr"/>
+                <a:r>
+                  <a:rPr lang="en-US" altLang="ko-KR" sz="1000" dirty="0">
+                    <a:latin typeface="Arial" panose="020B0604020202020204" pitchFamily="34" charset="0"/>
+                    <a:cs typeface="Arial" panose="020B0604020202020204" pitchFamily="34" charset="0"/>
+                  </a:rPr>
+                  <a:t>Library class</a:t>
+                </a:r>
+              </a:p>
+            </p:txBody>
+          </p:sp>
+          <p:sp>
+            <p:nvSpPr>
+              <p:cNvPr id="63" name="사각형: 둥근 모서리 62">
+                <a:extLst>
+                  <a:ext uri="{FF2B5EF4-FFF2-40B4-BE49-F238E27FC236}">
+                    <a16:creationId xmlns:a16="http://schemas.microsoft.com/office/drawing/2014/main" id="{457864F4-EFB5-415C-9B8A-8836B1E66164}"/>
+                  </a:ext>
+                </a:extLst>
+              </p:cNvPr>
+              <p:cNvSpPr/>
+              <p:nvPr/>
+            </p:nvSpPr>
+            <p:spPr>
+              <a:xfrm>
+                <a:off x="10065151" y="3716333"/>
+                <a:ext cx="1984314" cy="315703"/>
+              </a:xfrm>
+              <a:prstGeom prst="roundRect">
+                <a:avLst/>
+              </a:prstGeom>
+              <a:solidFill>
+                <a:schemeClr val="accent2">
+                  <a:lumMod val="40000"/>
+                  <a:lumOff val="60000"/>
+                </a:schemeClr>
+              </a:solidFill>
+              <a:ln>
+                <a:noFill/>
+              </a:ln>
+            </p:spPr>
+            <p:style>
+              <a:lnRef idx="2">
+                <a:schemeClr val="accent1">
+                  <a:shade val="50000"/>
+                </a:schemeClr>
+              </a:lnRef>
+              <a:fillRef idx="1">
+                <a:schemeClr val="accent1"/>
+              </a:fillRef>
+              <a:effectRef idx="0">
+                <a:schemeClr val="accent1"/>
+              </a:effectRef>
+              <a:fontRef idx="minor">
+                <a:schemeClr val="lt1"/>
+              </a:fontRef>
+            </p:style>
+            <p:txBody>
+              <a:bodyPr rtlCol="0" anchor="ctr"/>
+              <a:lstStyle/>
+              <a:p>
+                <a:pPr algn="ctr"/>
+                <a:endParaRPr lang="ko-KR" altLang="en-US" dirty="0"/>
+              </a:p>
+            </p:txBody>
+          </p:sp>
+          <p:sp>
+            <p:nvSpPr>
+              <p:cNvPr id="75" name="사각형: 둥근 모서리 74">
+                <a:extLst>
+                  <a:ext uri="{FF2B5EF4-FFF2-40B4-BE49-F238E27FC236}">
+                    <a16:creationId xmlns:a16="http://schemas.microsoft.com/office/drawing/2014/main" id="{09ABEBB5-4DD3-4A69-B870-13807C3DD706}"/>
+                  </a:ext>
+                </a:extLst>
+              </p:cNvPr>
+              <p:cNvSpPr/>
+              <p:nvPr/>
+            </p:nvSpPr>
+            <p:spPr>
+              <a:xfrm>
+                <a:off x="7704594" y="3716333"/>
+                <a:ext cx="1984314" cy="315703"/>
+              </a:xfrm>
+              <a:prstGeom prst="roundRect">
+                <a:avLst/>
+              </a:prstGeom>
+              <a:solidFill>
+                <a:schemeClr val="accent4">
+                  <a:lumMod val="20000"/>
+                  <a:lumOff val="80000"/>
+                </a:schemeClr>
+              </a:solidFill>
+              <a:ln>
+                <a:noFill/>
+              </a:ln>
+            </p:spPr>
+            <p:style>
+              <a:lnRef idx="2">
+                <a:schemeClr val="accent1">
+                  <a:shade val="50000"/>
+                </a:schemeClr>
+              </a:lnRef>
+              <a:fillRef idx="1">
+                <a:schemeClr val="accent1"/>
+              </a:fillRef>
+              <a:effectRef idx="0">
+                <a:schemeClr val="accent1"/>
+              </a:effectRef>
+              <a:fontRef idx="minor">
+                <a:schemeClr val="lt1"/>
+              </a:fontRef>
+            </p:style>
+            <p:txBody>
+              <a:bodyPr rtlCol="0" anchor="ctr"/>
+              <a:lstStyle/>
+              <a:p>
+                <a:pPr algn="ctr"/>
+                <a:endParaRPr lang="ko-KR" altLang="en-US"/>
+              </a:p>
+            </p:txBody>
+          </p:sp>
+          <p:sp>
+            <p:nvSpPr>
+              <p:cNvPr id="68" name="TextBox 67">
+                <a:extLst>
+                  <a:ext uri="{FF2B5EF4-FFF2-40B4-BE49-F238E27FC236}">
+                    <a16:creationId xmlns:a16="http://schemas.microsoft.com/office/drawing/2014/main" id="{506383B9-647C-4DCB-AFD0-434D3B998A00}"/>
+                  </a:ext>
+                </a:extLst>
+              </p:cNvPr>
+              <p:cNvSpPr txBox="1"/>
+              <p:nvPr/>
+            </p:nvSpPr>
+            <p:spPr>
+              <a:xfrm>
+                <a:off x="10323312" y="3745186"/>
+                <a:ext cx="1467991" cy="246221"/>
+              </a:xfrm>
+              <a:prstGeom prst="rect">
+                <a:avLst/>
+              </a:prstGeom>
+              <a:noFill/>
+            </p:spPr>
+            <p:txBody>
+              <a:bodyPr wrap="square" rtlCol="0">
+                <a:spAutoFit/>
+              </a:bodyPr>
+              <a:lstStyle/>
+              <a:p>
+                <a:pPr algn="ctr"/>
+                <a:r>
+                  <a:rPr lang="en-US" altLang="ko-KR" sz="1000" dirty="0" err="1">
+                    <a:latin typeface="Arial" panose="020B0604020202020204" pitchFamily="34" charset="0"/>
+                    <a:cs typeface="Arial" panose="020B0604020202020204" pitchFamily="34" charset="0"/>
+                  </a:rPr>
+                  <a:t>dNetWork.csNetWork</a:t>
+                </a:r>
+                <a:endParaRPr lang="en-US" altLang="ko-KR" sz="1000" dirty="0">
+                  <a:latin typeface="Arial" panose="020B0604020202020204" pitchFamily="34" charset="0"/>
+                  <a:cs typeface="Arial" panose="020B0604020202020204" pitchFamily="34" charset="0"/>
+                </a:endParaRPr>
+              </a:p>
+            </p:txBody>
+          </p:sp>
+          <p:sp>
+            <p:nvSpPr>
+              <p:cNvPr id="77" name="사각형: 둥근 모서리 76">
+                <a:extLst>
+                  <a:ext uri="{FF2B5EF4-FFF2-40B4-BE49-F238E27FC236}">
+                    <a16:creationId xmlns:a16="http://schemas.microsoft.com/office/drawing/2014/main" id="{66C5FD60-91D9-4318-9504-50B225B97166}"/>
+                  </a:ext>
+                </a:extLst>
+              </p:cNvPr>
+              <p:cNvSpPr/>
+              <p:nvPr/>
+            </p:nvSpPr>
+            <p:spPr>
+              <a:xfrm>
+                <a:off x="7712260" y="3328323"/>
+                <a:ext cx="1984314" cy="315703"/>
+              </a:xfrm>
+              <a:prstGeom prst="roundRect">
+                <a:avLst/>
+              </a:prstGeom>
+              <a:solidFill>
+                <a:schemeClr val="accent4">
+                  <a:lumMod val="20000"/>
+                  <a:lumOff val="80000"/>
+                </a:schemeClr>
+              </a:solidFill>
+              <a:ln>
+                <a:noFill/>
+              </a:ln>
+            </p:spPr>
+            <p:style>
+              <a:lnRef idx="2">
+                <a:schemeClr val="accent1">
+                  <a:shade val="50000"/>
+                </a:schemeClr>
+              </a:lnRef>
+              <a:fillRef idx="1">
+                <a:schemeClr val="accent1"/>
+              </a:fillRef>
+              <a:effectRef idx="0">
+                <a:schemeClr val="accent1"/>
+              </a:effectRef>
+              <a:fontRef idx="minor">
+                <a:schemeClr val="lt1"/>
+              </a:fontRef>
+            </p:style>
+            <p:txBody>
+              <a:bodyPr rtlCol="0" anchor="ctr"/>
+              <a:lstStyle/>
+              <a:p>
+                <a:pPr algn="ctr"/>
+                <a:endParaRPr lang="ko-KR" altLang="en-US"/>
+              </a:p>
+            </p:txBody>
+          </p:sp>
+          <p:sp>
+            <p:nvSpPr>
+              <p:cNvPr id="78" name="TextBox 77">
+                <a:extLst>
+                  <a:ext uri="{FF2B5EF4-FFF2-40B4-BE49-F238E27FC236}">
+                    <a16:creationId xmlns:a16="http://schemas.microsoft.com/office/drawing/2014/main" id="{F9750CE3-25F8-4260-B698-6B6C19CAB355}"/>
+                  </a:ext>
+                </a:extLst>
+              </p:cNvPr>
+              <p:cNvSpPr txBox="1"/>
+              <p:nvPr/>
+            </p:nvSpPr>
+            <p:spPr>
+              <a:xfrm>
+                <a:off x="8221205" y="3363063"/>
+                <a:ext cx="936104" cy="246221"/>
+              </a:xfrm>
+              <a:prstGeom prst="rect">
+                <a:avLst/>
+              </a:prstGeom>
+              <a:noFill/>
+            </p:spPr>
+            <p:txBody>
+              <a:bodyPr wrap="square" rtlCol="0">
+                <a:spAutoFit/>
+              </a:bodyPr>
+              <a:lstStyle/>
+              <a:p>
+                <a:pPr algn="ctr"/>
+                <a:r>
+                  <a:rPr lang="en-US" altLang="ko-KR" sz="1000" dirty="0" err="1">
+                    <a:latin typeface="Arial" panose="020B0604020202020204" pitchFamily="34" charset="0"/>
+                    <a:cs typeface="Arial" panose="020B0604020202020204" pitchFamily="34" charset="0"/>
+                  </a:rPr>
+                  <a:t>LogData</a:t>
+                </a:r>
+                <a:endParaRPr lang="en-US" altLang="ko-KR" sz="1000" dirty="0">
+                  <a:latin typeface="Arial" panose="020B0604020202020204" pitchFamily="34" charset="0"/>
+                  <a:cs typeface="Arial" panose="020B0604020202020204" pitchFamily="34" charset="0"/>
+                </a:endParaRPr>
+              </a:p>
+            </p:txBody>
+          </p:sp>
+          <p:sp>
+            <p:nvSpPr>
+              <p:cNvPr id="83" name="TextBox 82">
+                <a:extLst>
+                  <a:ext uri="{FF2B5EF4-FFF2-40B4-BE49-F238E27FC236}">
+                    <a16:creationId xmlns:a16="http://schemas.microsoft.com/office/drawing/2014/main" id="{349A6FE9-705C-4E8A-983A-C96838F1E644}"/>
+                  </a:ext>
+                </a:extLst>
+              </p:cNvPr>
+              <p:cNvSpPr txBox="1"/>
+              <p:nvPr/>
+            </p:nvSpPr>
+            <p:spPr>
+              <a:xfrm>
+                <a:off x="8260078" y="3716333"/>
+                <a:ext cx="936104" cy="246221"/>
+              </a:xfrm>
+              <a:prstGeom prst="rect">
+                <a:avLst/>
+              </a:prstGeom>
+              <a:noFill/>
+            </p:spPr>
+            <p:txBody>
+              <a:bodyPr wrap="square" rtlCol="0">
+                <a:spAutoFit/>
+              </a:bodyPr>
+              <a:lstStyle/>
+              <a:p>
+                <a:pPr algn="ctr"/>
+                <a:r>
+                  <a:rPr lang="en-US" altLang="ko-KR" sz="1000" dirty="0" err="1">
+                    <a:latin typeface="Arial" panose="020B0604020202020204" pitchFamily="34" charset="0"/>
+                    <a:cs typeface="Arial" panose="020B0604020202020204" pitchFamily="34" charset="0"/>
+                  </a:rPr>
+                  <a:t>NetLogger</a:t>
+                </a:r>
+                <a:endParaRPr lang="en-US" altLang="ko-KR" sz="1000" dirty="0">
+                  <a:latin typeface="Arial" panose="020B0604020202020204" pitchFamily="34" charset="0"/>
+                  <a:cs typeface="Arial" panose="020B0604020202020204" pitchFamily="34" charset="0"/>
+                </a:endParaRPr>
+              </a:p>
+            </p:txBody>
+          </p:sp>
+          <p:sp>
+            <p:nvSpPr>
+              <p:cNvPr id="84" name="사각형: 둥근 모서리 83">
+                <a:extLst>
+                  <a:ext uri="{FF2B5EF4-FFF2-40B4-BE49-F238E27FC236}">
+                    <a16:creationId xmlns:a16="http://schemas.microsoft.com/office/drawing/2014/main" id="{D3FDA29F-8968-41FB-BBAA-C5CF7C7F7E49}"/>
+                  </a:ext>
+                </a:extLst>
+              </p:cNvPr>
+              <p:cNvSpPr/>
+              <p:nvPr/>
+            </p:nvSpPr>
+            <p:spPr>
+              <a:xfrm>
+                <a:off x="7704594" y="4118857"/>
+                <a:ext cx="1984314" cy="315703"/>
+              </a:xfrm>
+              <a:prstGeom prst="roundRect">
+                <a:avLst/>
+              </a:prstGeom>
+              <a:solidFill>
+                <a:schemeClr val="accent4">
+                  <a:lumMod val="20000"/>
+                  <a:lumOff val="80000"/>
+                </a:schemeClr>
+              </a:solidFill>
+              <a:ln>
+                <a:noFill/>
+              </a:ln>
+            </p:spPr>
+            <p:style>
+              <a:lnRef idx="2">
+                <a:schemeClr val="accent1">
+                  <a:shade val="50000"/>
+                </a:schemeClr>
+              </a:lnRef>
+              <a:fillRef idx="1">
+                <a:schemeClr val="accent1"/>
+              </a:fillRef>
+              <a:effectRef idx="0">
+                <a:schemeClr val="accent1"/>
+              </a:effectRef>
+              <a:fontRef idx="minor">
+                <a:schemeClr val="lt1"/>
+              </a:fontRef>
+            </p:style>
+            <p:txBody>
+              <a:bodyPr rtlCol="0" anchor="ctr"/>
+              <a:lstStyle/>
+              <a:p>
+                <a:pPr algn="ctr"/>
+                <a:endParaRPr lang="ko-KR" altLang="en-US"/>
+              </a:p>
+            </p:txBody>
+          </p:sp>
+          <p:sp>
+            <p:nvSpPr>
+              <p:cNvPr id="85" name="TextBox 84">
+                <a:extLst>
+                  <a:ext uri="{FF2B5EF4-FFF2-40B4-BE49-F238E27FC236}">
+                    <a16:creationId xmlns:a16="http://schemas.microsoft.com/office/drawing/2014/main" id="{EA9FBE06-B10D-4197-A964-BC91749F8B11}"/>
+                  </a:ext>
+                </a:extLst>
+              </p:cNvPr>
+              <p:cNvSpPr txBox="1"/>
+              <p:nvPr/>
+            </p:nvSpPr>
+            <p:spPr>
+              <a:xfrm>
+                <a:off x="8260078" y="4118857"/>
+                <a:ext cx="936104" cy="246221"/>
+              </a:xfrm>
+              <a:prstGeom prst="rect">
+                <a:avLst/>
+              </a:prstGeom>
+              <a:noFill/>
+            </p:spPr>
+            <p:txBody>
+              <a:bodyPr wrap="square" rtlCol="0">
+                <a:spAutoFit/>
+              </a:bodyPr>
+              <a:lstStyle/>
+              <a:p>
+                <a:pPr algn="ctr"/>
+                <a:r>
+                  <a:rPr lang="en-US" altLang="ko-KR" sz="1000" dirty="0" err="1">
+                    <a:latin typeface="Arial" panose="020B0604020202020204" pitchFamily="34" charset="0"/>
+                    <a:cs typeface="Arial" panose="020B0604020202020204" pitchFamily="34" charset="0"/>
+                  </a:rPr>
+                  <a:t>csConstant</a:t>
+                </a:r>
+                <a:endParaRPr lang="en-US" altLang="ko-KR" sz="1000" dirty="0">
+                  <a:latin typeface="Arial" panose="020B0604020202020204" pitchFamily="34" charset="0"/>
+                  <a:cs typeface="Arial" panose="020B0604020202020204" pitchFamily="34" charset="0"/>
+                </a:endParaRPr>
+              </a:p>
+            </p:txBody>
+          </p:sp>
+          <p:cxnSp>
+            <p:nvCxnSpPr>
+              <p:cNvPr id="10" name="직선 화살표 연결선 9">
+                <a:extLst>
+                  <a:ext uri="{FF2B5EF4-FFF2-40B4-BE49-F238E27FC236}">
+                    <a16:creationId xmlns:a16="http://schemas.microsoft.com/office/drawing/2014/main" id="{E7020C08-1B8C-437D-AE38-4CA45528C334}"/>
+                  </a:ext>
+                </a:extLst>
+              </p:cNvPr>
+              <p:cNvCxnSpPr/>
+              <p:nvPr/>
+            </p:nvCxnSpPr>
+            <p:spPr>
+              <a:xfrm flipH="1">
+                <a:off x="9498262" y="3874184"/>
+                <a:ext cx="559107" cy="0"/>
+              </a:xfrm>
+              <a:prstGeom prst="straightConnector1">
+                <a:avLst/>
+              </a:prstGeom>
+              <a:ln>
+                <a:tailEnd type="triangle"/>
+              </a:ln>
+            </p:spPr>
+            <p:style>
+              <a:lnRef idx="1">
+                <a:schemeClr val="accent2"/>
+              </a:lnRef>
+              <a:fillRef idx="0">
+                <a:schemeClr val="accent2"/>
+              </a:fillRef>
+              <a:effectRef idx="0">
+                <a:schemeClr val="accent2"/>
+              </a:effectRef>
+              <a:fontRef idx="minor">
+                <a:schemeClr val="tx1"/>
+              </a:fontRef>
+            </p:style>
+          </p:cxnSp>
+          <p:sp>
+            <p:nvSpPr>
+              <p:cNvPr id="86" name="TextBox 85">
+                <a:extLst>
+                  <a:ext uri="{FF2B5EF4-FFF2-40B4-BE49-F238E27FC236}">
+                    <a16:creationId xmlns:a16="http://schemas.microsoft.com/office/drawing/2014/main" id="{EAD6C7EB-0ED7-4E37-AEE6-6C3786E50B0B}"/>
+                  </a:ext>
+                </a:extLst>
+              </p:cNvPr>
+              <p:cNvSpPr txBox="1"/>
+              <p:nvPr/>
+            </p:nvSpPr>
+            <p:spPr>
+              <a:xfrm>
+                <a:off x="9391100" y="3880609"/>
+                <a:ext cx="936104" cy="246221"/>
+              </a:xfrm>
+              <a:prstGeom prst="rect">
+                <a:avLst/>
+              </a:prstGeom>
+              <a:noFill/>
+            </p:spPr>
+            <p:txBody>
+              <a:bodyPr wrap="square" rtlCol="0">
+                <a:spAutoFit/>
+              </a:bodyPr>
+              <a:lstStyle/>
+              <a:p>
+                <a:pPr algn="ctr"/>
+                <a:r>
+                  <a:rPr lang="ko-KR" altLang="en-US" sz="1000" dirty="0">
+                    <a:latin typeface="Arial" panose="020B0604020202020204" pitchFamily="34" charset="0"/>
+                    <a:cs typeface="Arial" panose="020B0604020202020204" pitchFamily="34" charset="0"/>
+                  </a:rPr>
+                  <a:t>상 속</a:t>
+                </a:r>
+                <a:endParaRPr lang="en-US" altLang="ko-KR" sz="1000" dirty="0">
+                  <a:latin typeface="Arial" panose="020B0604020202020204" pitchFamily="34" charset="0"/>
+                  <a:cs typeface="Arial" panose="020B0604020202020204" pitchFamily="34" charset="0"/>
+                </a:endParaRPr>
+              </a:p>
+            </p:txBody>
+          </p:sp>
+        </p:grpSp>
+        <p:cxnSp>
+          <p:nvCxnSpPr>
+            <p:cNvPr id="87" name="직선 화살표 연결선 86">
+              <a:extLst>
+                <a:ext uri="{FF2B5EF4-FFF2-40B4-BE49-F238E27FC236}">
+                  <a16:creationId xmlns:a16="http://schemas.microsoft.com/office/drawing/2014/main" id="{6918598C-6D69-409A-AAD6-20E4A102670A}"/>
+                </a:ext>
+              </a:extLst>
+            </p:cNvPr>
+            <p:cNvCxnSpPr>
+              <a:cxnSpLocks/>
+            </p:cNvCxnSpPr>
+            <p:nvPr/>
+          </p:nvCxnSpPr>
+          <p:spPr>
+            <a:xfrm>
+              <a:off x="6023992" y="3569596"/>
+              <a:ext cx="1553770" cy="0"/>
+            </a:xfrm>
+            <a:prstGeom prst="straightConnector1">
+              <a:avLst/>
+            </a:prstGeom>
+            <a:ln>
+              <a:headEnd type="triangle"/>
+              <a:tailEnd type="triangle"/>
+            </a:ln>
+          </p:spPr>
+          <p:style>
+            <a:lnRef idx="1">
+              <a:schemeClr val="accent2"/>
+            </a:lnRef>
+            <a:fillRef idx="0">
+              <a:schemeClr val="accent2"/>
+            </a:fillRef>
+            <a:effectRef idx="0">
+              <a:schemeClr val="accent2"/>
+            </a:effectRef>
+            <a:fontRef idx="minor">
+              <a:schemeClr val="tx1"/>
+            </a:fontRef>
+          </p:style>
+        </p:cxnSp>
+        <p:sp>
+          <p:nvSpPr>
+            <p:cNvPr id="88" name="사각형: 둥근 모서리 87">
+              <a:extLst>
+                <a:ext uri="{FF2B5EF4-FFF2-40B4-BE49-F238E27FC236}">
+                  <a16:creationId xmlns:a16="http://schemas.microsoft.com/office/drawing/2014/main" id="{A19CF394-E6CC-4356-A9CF-3E2F8DA8766E}"/>
+                </a:ext>
+              </a:extLst>
+            </p:cNvPr>
+            <p:cNvSpPr/>
+            <p:nvPr/>
+          </p:nvSpPr>
+          <p:spPr>
+            <a:xfrm>
+              <a:off x="3951469" y="1967602"/>
+              <a:ext cx="2140463" cy="381278"/>
+            </a:xfrm>
+            <a:prstGeom prst="roundRect">
+              <a:avLst/>
+            </a:prstGeom>
+            <a:solidFill>
+              <a:schemeClr val="accent6">
+                <a:lumMod val="40000"/>
+                <a:lumOff val="60000"/>
+              </a:schemeClr>
+            </a:solidFill>
+            <a:ln>
+              <a:noFill/>
+            </a:ln>
+          </p:spPr>
+          <p:style>
+            <a:lnRef idx="2">
+              <a:schemeClr val="accent1">
+                <a:shade val="50000"/>
+              </a:schemeClr>
+            </a:lnRef>
+            <a:fillRef idx="1">
+              <a:schemeClr val="accent1"/>
+            </a:fillRef>
+            <a:effectRef idx="0">
+              <a:schemeClr val="accent1"/>
+            </a:effectRef>
+            <a:fontRef idx="minor">
+              <a:schemeClr val="lt1"/>
+            </a:fontRef>
+          </p:style>
+          <p:txBody>
+            <a:bodyPr rtlCol="0" anchor="ctr"/>
+            <a:lstStyle/>
+            <a:p>
+              <a:pPr algn="ctr"/>
+              <a:endParaRPr lang="ko-KR" altLang="en-US" dirty="0"/>
+            </a:p>
+          </p:txBody>
+        </p:sp>
+        <p:sp>
+          <p:nvSpPr>
+            <p:cNvPr id="89" name="TextBox 88">
+              <a:extLst>
+                <a:ext uri="{FF2B5EF4-FFF2-40B4-BE49-F238E27FC236}">
+                  <a16:creationId xmlns:a16="http://schemas.microsoft.com/office/drawing/2014/main" id="{7DD6F2A2-4871-4722-8EAE-FCFE31D605F9}"/>
+                </a:ext>
+              </a:extLst>
+            </p:cNvPr>
+            <p:cNvSpPr txBox="1"/>
+            <p:nvPr/>
+          </p:nvSpPr>
+          <p:spPr>
+            <a:xfrm>
+              <a:off x="3943897" y="2014276"/>
+              <a:ext cx="2140463" cy="246221"/>
+            </a:xfrm>
+            <a:prstGeom prst="rect">
+              <a:avLst/>
+            </a:prstGeom>
+            <a:noFill/>
+          </p:spPr>
+          <p:txBody>
+            <a:bodyPr wrap="square" rtlCol="0">
+              <a:spAutoFit/>
+            </a:bodyPr>
+            <a:lstStyle/>
+            <a:p>
+              <a:pPr algn="ctr"/>
+              <a:r>
+                <a:rPr lang="en-US" altLang="ko-KR" sz="1000" dirty="0" err="1">
+                  <a:solidFill>
+                    <a:srgbClr val="000000"/>
+                  </a:solidFill>
+                  <a:latin typeface="돋움체" panose="020B0609000101010101" pitchFamily="49" charset="-127"/>
+                  <a:ea typeface="돋움체" panose="020B0609000101010101" pitchFamily="49" charset="-127"/>
+                </a:rPr>
+                <a:t>PropertyChangedEventHandler</a:t>
+              </a:r>
+              <a:endParaRPr lang="en-US" altLang="ko-KR" sz="1000" dirty="0">
+                <a:latin typeface="Arial" panose="020B0604020202020204" pitchFamily="34" charset="0"/>
+                <a:cs typeface="Arial" panose="020B0604020202020204" pitchFamily="34" charset="0"/>
+              </a:endParaRPr>
+            </a:p>
+          </p:txBody>
+        </p:sp>
+      </p:grpSp>
+    </p:spTree>
+    <p:extLst>
+      <p:ext uri="{BB962C8B-B14F-4D97-AF65-F5344CB8AC3E}">
+        <p14:creationId xmlns:p14="http://schemas.microsoft.com/office/powerpoint/2010/main" val="3376884264"/>
+      </p:ext>
+    </p:extLst>
+  </p:cSld>
+  <p:clrMapOvr>
+    <a:masterClrMapping/>
+  </p:clrMapOvr>
+</p:sld>
+</file>
+
+<file path=ppt/slides/slide6.xml><?xml version="1.0" encoding="utf-8"?>
 <p:sld xmlns:a="http://schemas.openxmlformats.org/drawingml/2006/main" xmlns:r="http://schemas.openxmlformats.org/officeDocument/2006/relationships" xmlns:p="http://schemas.openxmlformats.org/presentationml/2006/main">
   <p:cSld>
     <p:spTree>
@@ -7741,7 +10954,22 @@
           <a:bodyPr/>
           <a:lstStyle/>
           <a:p>
-            <a:endParaRPr lang="ko-KR" altLang="en-US"/>
+            <a:r>
+              <a:rPr lang="en-US" altLang="ko-KR" dirty="0"/>
+              <a:t>Log</a:t>
+            </a:r>
+            <a:r>
+              <a:rPr lang="ko-KR" altLang="en-US" dirty="0"/>
+              <a:t> </a:t>
+            </a:r>
+            <a:r>
+              <a:rPr lang="en-US" altLang="ko-KR" dirty="0"/>
+              <a:t>Viewer </a:t>
+            </a:r>
+            <a:r>
+              <a:rPr lang="ko-KR" altLang="en-US" dirty="0"/>
+              <a:t>진척도</a:t>
+            </a:r>
           </a:p>
         </p:txBody>
       </p:sp>
@@ -7774,7 +11002,847 @@
               <a:pPr>
                 <a:defRPr/>
               </a:pPr>
-              <a:t>4</a:t>
+              <a:t>6</a:t>
+            </a:fld>
+            <a:endParaRPr lang="ko-KR" altLang="en-US"/>
+          </a:p>
+        </p:txBody>
+      </p:sp>
+      <p:graphicFrame>
+        <p:nvGraphicFramePr>
+          <p:cNvPr id="4" name="표 4">
+            <a:extLst>
+              <a:ext uri="{FF2B5EF4-FFF2-40B4-BE49-F238E27FC236}">
+                <a16:creationId xmlns:a16="http://schemas.microsoft.com/office/drawing/2014/main" id="{8BEA657C-D8A4-4240-BF68-8D62A5E96A97}"/>
+              </a:ext>
+            </a:extLst>
+          </p:cNvPr>
+          <p:cNvGraphicFramePr>
+            <a:graphicFrameLocks noGrp="1"/>
+          </p:cNvGraphicFramePr>
+          <p:nvPr>
+            <p:extLst>
+              <p:ext uri="{D42A27DB-BD31-4B8C-83A1-F6EECF244321}">
+                <p14:modId xmlns:p14="http://schemas.microsoft.com/office/powerpoint/2010/main" val="2677039872"/>
+              </p:ext>
+            </p:extLst>
+          </p:nvPr>
+        </p:nvGraphicFramePr>
+        <p:xfrm>
+          <a:off x="1055440" y="1116470"/>
+          <a:ext cx="7632847" cy="2312530"/>
+        </p:xfrm>
+        <a:graphic>
+          <a:graphicData uri="http://schemas.openxmlformats.org/drawingml/2006/table">
+            <a:tbl>
+              <a:tblPr firstRow="1" bandRow="1">
+                <a:tableStyleId>{5940675A-B579-460E-94D1-54222C63F5DA}</a:tableStyleId>
+              </a:tblPr>
+              <a:tblGrid>
+                <a:gridCol w="2129432">
+                  <a:extLst>
+                    <a:ext uri="{9D8B030D-6E8A-4147-A177-3AD203B41FA5}">
+                      <a16:colId xmlns:a16="http://schemas.microsoft.com/office/drawing/2014/main" val="1317492678"/>
+                    </a:ext>
+                  </a:extLst>
+                </a:gridCol>
+                <a:gridCol w="4855343">
+                  <a:extLst>
+                    <a:ext uri="{9D8B030D-6E8A-4147-A177-3AD203B41FA5}">
+                      <a16:colId xmlns:a16="http://schemas.microsoft.com/office/drawing/2014/main" val="3431941192"/>
+                    </a:ext>
+                  </a:extLst>
+                </a:gridCol>
+                <a:gridCol w="648072">
+                  <a:extLst>
+                    <a:ext uri="{9D8B030D-6E8A-4147-A177-3AD203B41FA5}">
+                      <a16:colId xmlns:a16="http://schemas.microsoft.com/office/drawing/2014/main" val="3924750268"/>
+                    </a:ext>
+                  </a:extLst>
+                </a:gridCol>
+              </a:tblGrid>
+              <a:tr h="270370">
+                <a:tc>
+                  <a:txBody>
+                    <a:bodyPr/>
+                    <a:lstStyle/>
+                    <a:p>
+                      <a:pPr algn="ctr" latinLnBrk="1"/>
+                      <a:r>
+                        <a:rPr lang="ko-KR" altLang="en-US" sz="1000" dirty="0"/>
+                        <a:t>기 능</a:t>
+                      </a:r>
+                    </a:p>
+                  </a:txBody>
+                  <a:tcPr>
+                    <a:solidFill>
+                      <a:schemeClr val="accent1">
+                        <a:lumMod val="40000"/>
+                        <a:lumOff val="60000"/>
+                      </a:schemeClr>
+                    </a:solidFill>
+                  </a:tcPr>
+                </a:tc>
+                <a:tc>
+                  <a:txBody>
+                    <a:bodyPr/>
+                    <a:lstStyle/>
+                    <a:p>
+                      <a:pPr algn="ctr" latinLnBrk="1"/>
+                      <a:r>
+                        <a:rPr lang="ko-KR" altLang="en-US" sz="1000" dirty="0"/>
+                        <a:t>내 용</a:t>
+                      </a:r>
+                    </a:p>
+                  </a:txBody>
+                  <a:tcPr>
+                    <a:solidFill>
+                      <a:schemeClr val="accent1">
+                        <a:lumMod val="40000"/>
+                        <a:lumOff val="60000"/>
+                      </a:schemeClr>
+                    </a:solidFill>
+                  </a:tcPr>
+                </a:tc>
+                <a:tc>
+                  <a:txBody>
+                    <a:bodyPr/>
+                    <a:lstStyle/>
+                    <a:p>
+                      <a:pPr algn="ctr" latinLnBrk="1"/>
+                      <a:r>
+                        <a:rPr lang="ko-KR" altLang="en-US" sz="1000" dirty="0"/>
+                        <a:t>진행률</a:t>
+                      </a:r>
+                    </a:p>
+                  </a:txBody>
+                  <a:tcPr>
+                    <a:solidFill>
+                      <a:schemeClr val="accent1">
+                        <a:lumMod val="40000"/>
+                        <a:lumOff val="60000"/>
+                      </a:schemeClr>
+                    </a:solidFill>
+                  </a:tcPr>
+                </a:tc>
+                <a:extLst>
+                  <a:ext uri="{0D108BD9-81ED-4DB2-BD59-A6C34878D82A}">
+                    <a16:rowId xmlns:a16="http://schemas.microsoft.com/office/drawing/2014/main" val="2677493526"/>
+                  </a:ext>
+                </a:extLst>
+              </a:tr>
+              <a:tr h="686323">
+                <a:tc>
+                  <a:txBody>
+                    <a:bodyPr/>
+                    <a:lstStyle/>
+                    <a:p>
+                      <a:pPr algn="l" latinLnBrk="1"/>
+                      <a:r>
+                        <a:rPr lang="en-US" altLang="ko-KR" sz="1000" dirty="0"/>
+                        <a:t>TCP/IP Socket </a:t>
+                      </a:r>
+                      <a:r>
+                        <a:rPr lang="ko-KR" altLang="en-US" sz="1000" dirty="0"/>
+                        <a:t>통신 </a:t>
+                      </a:r>
+                      <a:r>
+                        <a:rPr lang="en-US" altLang="ko-KR" sz="1000" dirty="0"/>
+                        <a:t>Class </a:t>
+                      </a:r>
+                      <a:r>
+                        <a:rPr lang="ko-KR" altLang="en-US" sz="1000" dirty="0"/>
+                        <a:t>구현</a:t>
+                      </a:r>
+                    </a:p>
+                  </a:txBody>
+                  <a:tcPr anchor="ctr"/>
+                </a:tc>
+                <a:tc>
+                  <a:txBody>
+                    <a:bodyPr/>
+                    <a:lstStyle/>
+                    <a:p>
+                      <a:pPr algn="l" latinLnBrk="1"/>
+                      <a:r>
+                        <a:rPr lang="en-US" altLang="ko-KR" sz="1000" dirty="0">
+                          <a:latin typeface="맑은 고딕" panose="020B0503020000020004" pitchFamily="50" charset="-127"/>
+                          <a:ea typeface="맑은 고딕" panose="020B0503020000020004" pitchFamily="50" charset="-127"/>
+                        </a:rPr>
+                        <a:t>〮 </a:t>
+                      </a:r>
+                      <a:r>
+                        <a:rPr lang="en-US" altLang="ko-KR" sz="1000" dirty="0"/>
+                        <a:t>Loopback IP</a:t>
+                      </a:r>
+                      <a:r>
+                        <a:rPr lang="ko-KR" altLang="en-US" sz="1000" dirty="0"/>
+                        <a:t>를 통해 </a:t>
+                      </a:r>
+                      <a:r>
+                        <a:rPr lang="en-US" altLang="ko-KR" sz="1000" dirty="0"/>
+                        <a:t>Client </a:t>
+                      </a:r>
+                      <a:r>
+                        <a:rPr lang="en-US" altLang="ko-KR" sz="1000" dirty="0">
+                          <a:sym typeface="Wingdings" panose="05000000000000000000" pitchFamily="2" charset="2"/>
+                        </a:rPr>
+                        <a:t> Server</a:t>
+                      </a:r>
+                      <a:r>
+                        <a:rPr lang="ko-KR" altLang="en-US" sz="1000" dirty="0">
+                          <a:sym typeface="Wingdings" panose="05000000000000000000" pitchFamily="2" charset="2"/>
+                        </a:rPr>
+                        <a:t>로 데이터 송신되는 확인 완료</a:t>
+                      </a:r>
+                      <a:endParaRPr lang="en-US" altLang="ko-KR" sz="1000" dirty="0">
+                        <a:sym typeface="Wingdings" panose="05000000000000000000" pitchFamily="2" charset="2"/>
+                      </a:endParaRPr>
+                    </a:p>
+                    <a:p>
+                      <a:pPr algn="l" latinLnBrk="1"/>
+                      <a:endParaRPr lang="en-US" altLang="ko-KR" sz="1000" dirty="0">
+                        <a:sym typeface="Wingdings" panose="05000000000000000000" pitchFamily="2" charset="2"/>
+                      </a:endParaRPr>
+                    </a:p>
+                    <a:p>
+                      <a:pPr marL="0" indent="0" algn="l" latinLnBrk="1">
+                        <a:buFontTx/>
+                        <a:buNone/>
+                      </a:pPr>
+                      <a:r>
+                        <a:rPr lang="en-US" altLang="ko-KR" sz="1000" dirty="0">
+                          <a:latin typeface="맑은 고딕" panose="020B0503020000020004" pitchFamily="50" charset="-127"/>
+                          <a:ea typeface="맑은 고딕" panose="020B0503020000020004" pitchFamily="50" charset="-127"/>
+                        </a:rPr>
+                        <a:t>〮 1</a:t>
+                      </a:r>
+                      <a:r>
+                        <a:rPr lang="en-US" altLang="ko-KR" sz="800" dirty="0">
+                          <a:latin typeface="맑은 고딕" panose="020B0503020000020004" pitchFamily="50" charset="-127"/>
+                          <a:ea typeface="맑은 고딕" panose="020B0503020000020004" pitchFamily="50" charset="-127"/>
+                        </a:rPr>
+                        <a:t>(</a:t>
+                      </a:r>
+                      <a:r>
+                        <a:rPr lang="en-US" altLang="ko-KR" sz="800" dirty="0">
+                          <a:sym typeface="Wingdings" panose="05000000000000000000" pitchFamily="2" charset="2"/>
+                        </a:rPr>
+                        <a:t>Server</a:t>
+                      </a:r>
+                      <a:r>
+                        <a:rPr lang="en-US" altLang="ko-KR" sz="800" dirty="0">
+                          <a:latin typeface="맑은 고딕" panose="020B0503020000020004" pitchFamily="50" charset="-127"/>
+                          <a:ea typeface="맑은 고딕" panose="020B0503020000020004" pitchFamily="50" charset="-127"/>
+                        </a:rPr>
+                        <a:t>) </a:t>
+                      </a:r>
+                      <a:r>
+                        <a:rPr lang="en-US" altLang="ko-KR" sz="1000" dirty="0">
+                          <a:latin typeface="맑은 고딕" panose="020B0503020000020004" pitchFamily="50" charset="-127"/>
+                          <a:ea typeface="맑은 고딕" panose="020B0503020000020004" pitchFamily="50" charset="-127"/>
+                        </a:rPr>
+                        <a:t>: N</a:t>
+                      </a:r>
+                      <a:r>
+                        <a:rPr lang="en-US" altLang="ko-KR" sz="800" dirty="0">
+                          <a:latin typeface="맑은 고딕" panose="020B0503020000020004" pitchFamily="50" charset="-127"/>
+                          <a:ea typeface="맑은 고딕" panose="020B0503020000020004" pitchFamily="50" charset="-127"/>
+                        </a:rPr>
+                        <a:t>(</a:t>
+                      </a:r>
+                      <a:r>
+                        <a:rPr lang="en-US" altLang="ko-KR" sz="800" dirty="0">
+                          <a:sym typeface="Wingdings" panose="05000000000000000000" pitchFamily="2" charset="2"/>
+                        </a:rPr>
+                        <a:t>Client) </a:t>
+                      </a:r>
+                      <a:r>
+                        <a:rPr lang="ko-KR" altLang="en-US" sz="1000" dirty="0">
+                          <a:sym typeface="Wingdings" panose="05000000000000000000" pitchFamily="2" charset="2"/>
+                        </a:rPr>
+                        <a:t>통신 가능하도록 구현</a:t>
+                      </a:r>
+                      <a:endParaRPr lang="en-US" altLang="ko-KR" sz="1000" dirty="0">
+                        <a:sym typeface="Wingdings" panose="05000000000000000000" pitchFamily="2" charset="2"/>
+                      </a:endParaRPr>
+                    </a:p>
+                    <a:p>
+                      <a:pPr marL="0" indent="0" algn="l" latinLnBrk="1">
+                        <a:buFontTx/>
+                        <a:buNone/>
+                      </a:pPr>
+                      <a:endParaRPr lang="en-US" altLang="ko-KR" sz="1000" dirty="0"/>
+                    </a:p>
+                    <a:p>
+                      <a:pPr marL="0" marR="0" lvl="0" indent="0" algn="l" defTabSz="914400" rtl="0" eaLnBrk="1" fontAlgn="auto" latinLnBrk="1" hangingPunct="1">
+                        <a:lnSpc>
+                          <a:spcPct val="100000"/>
+                        </a:lnSpc>
+                        <a:spcBef>
+                          <a:spcPts val="0"/>
+                        </a:spcBef>
+                        <a:spcAft>
+                          <a:spcPts val="0"/>
+                        </a:spcAft>
+                        <a:buClrTx/>
+                        <a:buSzTx/>
+                        <a:buFontTx/>
+                        <a:buNone/>
+                        <a:tabLst/>
+                        <a:defRPr/>
+                      </a:pPr>
+                      <a:r>
+                        <a:rPr lang="en-US" altLang="ko-KR" sz="1000" dirty="0">
+                          <a:latin typeface="맑은 고딕" panose="020B0503020000020004" pitchFamily="50" charset="-127"/>
+                          <a:ea typeface="맑은 고딕" panose="020B0503020000020004" pitchFamily="50" charset="-127"/>
+                        </a:rPr>
+                        <a:t>〮 </a:t>
+                      </a:r>
+                      <a:r>
+                        <a:rPr lang="en-US" altLang="ko-KR" sz="1000" dirty="0">
+                          <a:sym typeface="Wingdings" panose="05000000000000000000" pitchFamily="2" charset="2"/>
+                        </a:rPr>
+                        <a:t>Client</a:t>
+                      </a:r>
+                      <a:r>
+                        <a:rPr lang="ko-KR" altLang="en-US" sz="1000" dirty="0">
+                          <a:sym typeface="Wingdings" panose="05000000000000000000" pitchFamily="2" charset="2"/>
+                        </a:rPr>
+                        <a:t> </a:t>
+                      </a:r>
+                      <a:r>
+                        <a:rPr lang="en-US" altLang="ko-KR" sz="1000" dirty="0">
+                          <a:sym typeface="Wingdings" panose="05000000000000000000" pitchFamily="2" charset="2"/>
+                        </a:rPr>
+                        <a:t>/</a:t>
+                      </a:r>
+                      <a:r>
+                        <a:rPr lang="ko-KR" altLang="en-US" sz="1000" dirty="0">
+                          <a:sym typeface="Wingdings" panose="05000000000000000000" pitchFamily="2" charset="2"/>
+                        </a:rPr>
+                        <a:t> </a:t>
+                      </a:r>
+                      <a:r>
+                        <a:rPr lang="en-US" altLang="ko-KR" sz="1000" dirty="0">
+                          <a:sym typeface="Wingdings" panose="05000000000000000000" pitchFamily="2" charset="2"/>
+                        </a:rPr>
+                        <a:t>Server</a:t>
+                      </a:r>
+                      <a:r>
+                        <a:rPr lang="ko-KR" altLang="en-US" sz="1000" dirty="0">
+                          <a:sym typeface="Wingdings" panose="05000000000000000000" pitchFamily="2" charset="2"/>
+                        </a:rPr>
+                        <a:t> 비정상 종료 예외처리 기능 구현 예정</a:t>
+                      </a:r>
+                      <a:endParaRPr lang="en-US" altLang="ko-KR" sz="1000" dirty="0">
+                        <a:sym typeface="Wingdings" panose="05000000000000000000" pitchFamily="2" charset="2"/>
+                      </a:endParaRPr>
+                    </a:p>
+                    <a:p>
+                      <a:pPr marL="0" indent="0" algn="l" latinLnBrk="1">
+                        <a:buFontTx/>
+                        <a:buNone/>
+                      </a:pPr>
+                      <a:endParaRPr lang="ko-KR" altLang="en-US" sz="1000" dirty="0"/>
+                    </a:p>
+                  </a:txBody>
+                  <a:tcPr anchor="ctr"/>
+                </a:tc>
+                <a:tc>
+                  <a:txBody>
+                    <a:bodyPr/>
+                    <a:lstStyle/>
+                    <a:p>
+                      <a:pPr algn="ctr" latinLnBrk="1"/>
+                      <a:r>
+                        <a:rPr lang="en-US" altLang="ko-KR" sz="1000" dirty="0"/>
+                        <a:t>90%</a:t>
+                      </a:r>
+                      <a:endParaRPr lang="ko-KR" altLang="en-US" sz="1000" dirty="0"/>
+                    </a:p>
+                  </a:txBody>
+                  <a:tcPr anchor="ctr"/>
+                </a:tc>
+                <a:extLst>
+                  <a:ext uri="{0D108BD9-81ED-4DB2-BD59-A6C34878D82A}">
+                    <a16:rowId xmlns:a16="http://schemas.microsoft.com/office/drawing/2014/main" val="3334090217"/>
+                  </a:ext>
+                </a:extLst>
+              </a:tr>
+              <a:tr h="374358">
+                <a:tc>
+                  <a:txBody>
+                    <a:bodyPr/>
+                    <a:lstStyle/>
+                    <a:p>
+                      <a:pPr algn="l" latinLnBrk="1"/>
+                      <a:r>
+                        <a:rPr lang="en-US" altLang="ko-KR" sz="1000" dirty="0"/>
+                        <a:t>UI </a:t>
+                      </a:r>
+                      <a:r>
+                        <a:rPr lang="ko-KR" altLang="en-US" sz="1000" dirty="0"/>
+                        <a:t>디자인 </a:t>
+                      </a:r>
+                    </a:p>
+                  </a:txBody>
+                  <a:tcPr anchor="ctr"/>
+                </a:tc>
+                <a:tc>
+                  <a:txBody>
+                    <a:bodyPr/>
+                    <a:lstStyle/>
+                    <a:p>
+                      <a:pPr algn="l" latinLnBrk="1"/>
+                      <a:r>
+                        <a:rPr lang="en-US" altLang="ko-KR" sz="1000" dirty="0">
+                          <a:latin typeface="맑은 고딕" panose="020B0503020000020004" pitchFamily="50" charset="-127"/>
+                          <a:ea typeface="맑은 고딕" panose="020B0503020000020004" pitchFamily="50" charset="-127"/>
+                        </a:rPr>
+                        <a:t>〮 </a:t>
+                      </a:r>
+                      <a:r>
+                        <a:rPr lang="en-US" altLang="ko-KR" sz="1000" dirty="0"/>
+                        <a:t>WPF MVVM Pattern</a:t>
+                      </a:r>
+                      <a:r>
+                        <a:rPr lang="ko-KR" altLang="en-US" sz="1000" dirty="0"/>
+                        <a:t>을 사용하여 </a:t>
+                      </a:r>
+                      <a:r>
+                        <a:rPr lang="en-US" altLang="ko-KR" sz="1000" dirty="0"/>
+                        <a:t>UI </a:t>
+                      </a:r>
+                      <a:r>
+                        <a:rPr lang="ko-KR" altLang="en-US" sz="1000" dirty="0"/>
+                        <a:t>개발</a:t>
+                      </a:r>
+                      <a:endParaRPr lang="en-US" altLang="ko-KR" sz="1000" dirty="0"/>
+                    </a:p>
+                    <a:p>
+                      <a:pPr algn="l" latinLnBrk="1"/>
+                      <a:endParaRPr lang="en-US" altLang="ko-KR" sz="1000" dirty="0"/>
+                    </a:p>
+                    <a:p>
+                      <a:pPr algn="l" latinLnBrk="1"/>
+                      <a:r>
+                        <a:rPr lang="en-US" altLang="ko-KR" sz="1000" dirty="0">
+                          <a:latin typeface="맑은 고딕" panose="020B0503020000020004" pitchFamily="50" charset="-127"/>
+                          <a:ea typeface="맑은 고딕" panose="020B0503020000020004" pitchFamily="50" charset="-127"/>
+                        </a:rPr>
+                        <a:t>〮 </a:t>
+                      </a:r>
+                      <a:r>
+                        <a:rPr lang="en-US" altLang="ko-KR" sz="1000" dirty="0" err="1"/>
+                        <a:t>Listview</a:t>
+                      </a:r>
+                      <a:r>
+                        <a:rPr lang="ko-KR" altLang="en-US" sz="1000" dirty="0"/>
+                        <a:t>를 사용하여 </a:t>
+                      </a:r>
+                      <a:r>
+                        <a:rPr lang="en-US" altLang="ko-KR" sz="1000" dirty="0"/>
+                        <a:t>Log </a:t>
+                      </a:r>
+                      <a:r>
+                        <a:rPr lang="ko-KR" altLang="en-US" sz="1000" dirty="0"/>
+                        <a:t>기록</a:t>
+                      </a:r>
+                    </a:p>
+                  </a:txBody>
+                  <a:tcPr anchor="ctr"/>
+                </a:tc>
+                <a:tc>
+                  <a:txBody>
+                    <a:bodyPr/>
+                    <a:lstStyle/>
+                    <a:p>
+                      <a:pPr algn="ctr" latinLnBrk="1"/>
+                      <a:r>
+                        <a:rPr lang="en-US" altLang="ko-KR" sz="1000" dirty="0"/>
+                        <a:t>100%</a:t>
+                      </a:r>
+                      <a:endParaRPr lang="ko-KR" altLang="en-US" sz="1000" dirty="0"/>
+                    </a:p>
+                  </a:txBody>
+                  <a:tcPr anchor="ctr"/>
+                </a:tc>
+                <a:extLst>
+                  <a:ext uri="{0D108BD9-81ED-4DB2-BD59-A6C34878D82A}">
+                    <a16:rowId xmlns:a16="http://schemas.microsoft.com/office/drawing/2014/main" val="2193517101"/>
+                  </a:ext>
+                </a:extLst>
+              </a:tr>
+              <a:tr h="166381">
+                <a:tc>
+                  <a:txBody>
+                    <a:bodyPr/>
+                    <a:lstStyle/>
+                    <a:p>
+                      <a:pPr algn="l" latinLnBrk="1"/>
+                      <a:r>
+                        <a:rPr lang="en-US" altLang="ko-KR" sz="1000" dirty="0"/>
+                        <a:t>Log UI </a:t>
+                      </a:r>
+                      <a:r>
+                        <a:rPr lang="ko-KR" altLang="en-US" sz="1000" dirty="0"/>
+                        <a:t>출력</a:t>
+                      </a:r>
+                    </a:p>
+                  </a:txBody>
+                  <a:tcPr anchor="ctr"/>
+                </a:tc>
+                <a:tc>
+                  <a:txBody>
+                    <a:bodyPr/>
+                    <a:lstStyle/>
+                    <a:p>
+                      <a:pPr marL="0" marR="0" lvl="0" indent="0" algn="l" defTabSz="914400" rtl="0" eaLnBrk="1" fontAlgn="auto" latinLnBrk="1" hangingPunct="1">
+                        <a:lnSpc>
+                          <a:spcPct val="100000"/>
+                        </a:lnSpc>
+                        <a:spcBef>
+                          <a:spcPts val="0"/>
+                        </a:spcBef>
+                        <a:spcAft>
+                          <a:spcPts val="0"/>
+                        </a:spcAft>
+                        <a:buClrTx/>
+                        <a:buSzTx/>
+                        <a:buFontTx/>
+                        <a:buNone/>
+                        <a:tabLst/>
+                        <a:defRPr/>
+                      </a:pPr>
+                      <a:r>
+                        <a:rPr lang="en-US" altLang="ko-KR" sz="1000" dirty="0">
+                          <a:latin typeface="맑은 고딕" panose="020B0503020000020004" pitchFamily="50" charset="-127"/>
+                          <a:ea typeface="맑은 고딕" panose="020B0503020000020004" pitchFamily="50" charset="-127"/>
+                        </a:rPr>
+                        <a:t>〮 </a:t>
+                      </a:r>
+                      <a:r>
+                        <a:rPr lang="ko-KR" altLang="en-US" sz="1000" dirty="0">
+                          <a:latin typeface="맑은 고딕" panose="020B0503020000020004" pitchFamily="50" charset="-127"/>
+                          <a:ea typeface="맑은 고딕" panose="020B0503020000020004" pitchFamily="50" charset="-127"/>
+                        </a:rPr>
+                        <a:t>하드코딩 된 </a:t>
+                      </a:r>
+                      <a:r>
+                        <a:rPr lang="en-US" altLang="ko-KR" sz="1000" dirty="0">
+                          <a:latin typeface="맑은 고딕" panose="020B0503020000020004" pitchFamily="50" charset="-127"/>
+                          <a:ea typeface="맑은 고딕" panose="020B0503020000020004" pitchFamily="50" charset="-127"/>
+                        </a:rPr>
+                        <a:t>Log UI </a:t>
+                      </a:r>
+                      <a:r>
+                        <a:rPr lang="ko-KR" altLang="en-US" sz="1000" dirty="0">
+                          <a:latin typeface="맑은 고딕" panose="020B0503020000020004" pitchFamily="50" charset="-127"/>
+                          <a:ea typeface="맑은 고딕" panose="020B0503020000020004" pitchFamily="50" charset="-127"/>
+                        </a:rPr>
+                        <a:t>상</a:t>
+                      </a:r>
+                      <a:r>
+                        <a:rPr lang="en-US" altLang="ko-KR" sz="1000" dirty="0">
+                          <a:latin typeface="맑은 고딕" panose="020B0503020000020004" pitchFamily="50" charset="-127"/>
+                          <a:ea typeface="맑은 고딕" panose="020B0503020000020004" pitchFamily="50" charset="-127"/>
+                        </a:rPr>
+                        <a:t> </a:t>
+                      </a:r>
+                      <a:r>
+                        <a:rPr lang="ko-KR" altLang="en-US" sz="1000" dirty="0">
+                          <a:latin typeface="맑은 고딕" panose="020B0503020000020004" pitchFamily="50" charset="-127"/>
+                          <a:ea typeface="맑은 고딕" panose="020B0503020000020004" pitchFamily="50" charset="-127"/>
+                        </a:rPr>
+                        <a:t>출력 확인 완료 </a:t>
+                      </a:r>
+                      <a:r>
+                        <a:rPr lang="en-US" altLang="ko-KR" sz="1000" dirty="0">
+                          <a:latin typeface="맑은 고딕" panose="020B0503020000020004" pitchFamily="50" charset="-127"/>
+                          <a:ea typeface="맑은 고딕" panose="020B0503020000020004" pitchFamily="50" charset="-127"/>
+                          <a:sym typeface="Wingdings" panose="05000000000000000000" pitchFamily="2" charset="2"/>
+                        </a:rPr>
+                        <a:t> </a:t>
+                      </a:r>
+                      <a:r>
+                        <a:rPr lang="ko-KR" altLang="en-US" sz="1000" dirty="0">
+                          <a:latin typeface="맑은 고딕" panose="020B0503020000020004" pitchFamily="50" charset="-127"/>
+                          <a:ea typeface="맑은 고딕" panose="020B0503020000020004" pitchFamily="50" charset="-127"/>
+                          <a:sym typeface="Wingdings" panose="05000000000000000000" pitchFamily="2" charset="2"/>
+                        </a:rPr>
+                        <a:t>송신 받은 </a:t>
+                      </a:r>
+                      <a:r>
+                        <a:rPr lang="en-US" altLang="ko-KR" sz="1000" dirty="0">
+                          <a:latin typeface="맑은 고딕" panose="020B0503020000020004" pitchFamily="50" charset="-127"/>
+                          <a:ea typeface="맑은 고딕" panose="020B0503020000020004" pitchFamily="50" charset="-127"/>
+                          <a:sym typeface="Wingdings" panose="05000000000000000000" pitchFamily="2" charset="2"/>
+                        </a:rPr>
+                        <a:t>Log </a:t>
+                      </a:r>
+                      <a:r>
+                        <a:rPr lang="ko-KR" altLang="en-US" sz="1000" dirty="0">
+                          <a:latin typeface="맑은 고딕" panose="020B0503020000020004" pitchFamily="50" charset="-127"/>
+                          <a:ea typeface="맑은 고딕" panose="020B0503020000020004" pitchFamily="50" charset="-127"/>
+                          <a:sym typeface="Wingdings" panose="05000000000000000000" pitchFamily="2" charset="2"/>
+                        </a:rPr>
+                        <a:t>와 </a:t>
+                      </a:r>
+                      <a:r>
+                        <a:rPr lang="en-US" altLang="ko-KR" sz="1000" dirty="0">
+                          <a:latin typeface="맑은 고딕" panose="020B0503020000020004" pitchFamily="50" charset="-127"/>
+                          <a:ea typeface="맑은 고딕" panose="020B0503020000020004" pitchFamily="50" charset="-127"/>
+                          <a:sym typeface="Wingdings" panose="05000000000000000000" pitchFamily="2" charset="2"/>
+                        </a:rPr>
+                        <a:t>UI </a:t>
+                      </a:r>
+                      <a:r>
+                        <a:rPr lang="en-US" altLang="ko-KR" sz="1000" dirty="0" err="1">
+                          <a:latin typeface="맑은 고딕" panose="020B0503020000020004" pitchFamily="50" charset="-127"/>
+                          <a:ea typeface="맑은 고딕" panose="020B0503020000020004" pitchFamily="50" charset="-127"/>
+                          <a:sym typeface="Wingdings" panose="05000000000000000000" pitchFamily="2" charset="2"/>
+                        </a:rPr>
+                        <a:t>Bainding</a:t>
+                      </a:r>
+                      <a:r>
+                        <a:rPr lang="en-US" altLang="ko-KR" sz="1000" dirty="0">
+                          <a:latin typeface="맑은 고딕" panose="020B0503020000020004" pitchFamily="50" charset="-127"/>
+                          <a:ea typeface="맑은 고딕" panose="020B0503020000020004" pitchFamily="50" charset="-127"/>
+                          <a:sym typeface="Wingdings" panose="05000000000000000000" pitchFamily="2" charset="2"/>
+                        </a:rPr>
+                        <a:t> </a:t>
+                      </a:r>
+                      <a:r>
+                        <a:rPr lang="ko-KR" altLang="en-US" sz="1000" dirty="0">
+                          <a:latin typeface="맑은 고딕" panose="020B0503020000020004" pitchFamily="50" charset="-127"/>
+                          <a:ea typeface="맑은 고딕" panose="020B0503020000020004" pitchFamily="50" charset="-127"/>
+                          <a:sym typeface="Wingdings" panose="05000000000000000000" pitchFamily="2" charset="2"/>
+                        </a:rPr>
+                        <a:t>예정</a:t>
+                      </a:r>
+                      <a:endParaRPr lang="en-US" altLang="ko-KR" sz="1000" dirty="0">
+                        <a:latin typeface="맑은 고딕" panose="020B0503020000020004" pitchFamily="50" charset="-127"/>
+                        <a:ea typeface="맑은 고딕" panose="020B0503020000020004" pitchFamily="50" charset="-127"/>
+                      </a:endParaRPr>
+                    </a:p>
+                  </a:txBody>
+                  <a:tcPr anchor="ctr"/>
+                </a:tc>
+                <a:tc>
+                  <a:txBody>
+                    <a:bodyPr/>
+                    <a:lstStyle/>
+                    <a:p>
+                      <a:pPr algn="ctr" latinLnBrk="1"/>
+                      <a:r>
+                        <a:rPr lang="en-US" altLang="ko-KR" sz="1000" dirty="0"/>
+                        <a:t>40%</a:t>
+                      </a:r>
+                      <a:endParaRPr lang="ko-KR" altLang="en-US" sz="1000" dirty="0"/>
+                    </a:p>
+                  </a:txBody>
+                  <a:tcPr anchor="ctr"/>
+                </a:tc>
+                <a:extLst>
+                  <a:ext uri="{0D108BD9-81ED-4DB2-BD59-A6C34878D82A}">
+                    <a16:rowId xmlns:a16="http://schemas.microsoft.com/office/drawing/2014/main" val="1626789175"/>
+                  </a:ext>
+                </a:extLst>
+              </a:tr>
+              <a:tr h="166381">
+                <a:tc>
+                  <a:txBody>
+                    <a:bodyPr/>
+                    <a:lstStyle/>
+                    <a:p>
+                      <a:pPr algn="l" latinLnBrk="1"/>
+                      <a:r>
+                        <a:rPr lang="en-US" altLang="ko-KR" sz="1000" dirty="0"/>
+                        <a:t>Log File</a:t>
+                      </a:r>
+                      <a:r>
+                        <a:rPr lang="ko-KR" altLang="en-US" sz="1000" dirty="0"/>
+                        <a:t> 저장</a:t>
+                      </a:r>
+                    </a:p>
+                  </a:txBody>
+                  <a:tcPr anchor="ctr"/>
+                </a:tc>
+                <a:tc>
+                  <a:txBody>
+                    <a:bodyPr/>
+                    <a:lstStyle/>
+                    <a:p>
+                      <a:pPr marL="0" marR="0" lvl="0" indent="0" algn="l" defTabSz="914400" rtl="0" eaLnBrk="1" fontAlgn="auto" latinLnBrk="1" hangingPunct="1">
+                        <a:lnSpc>
+                          <a:spcPct val="100000"/>
+                        </a:lnSpc>
+                        <a:spcBef>
+                          <a:spcPts val="0"/>
+                        </a:spcBef>
+                        <a:spcAft>
+                          <a:spcPts val="0"/>
+                        </a:spcAft>
+                        <a:buClrTx/>
+                        <a:buSzTx/>
+                        <a:buFontTx/>
+                        <a:buNone/>
+                        <a:tabLst/>
+                        <a:defRPr/>
+                      </a:pPr>
+                      <a:r>
+                        <a:rPr lang="en-US" altLang="ko-KR" sz="1000" dirty="0">
+                          <a:latin typeface="맑은 고딕" panose="020B0503020000020004" pitchFamily="50" charset="-127"/>
+                          <a:ea typeface="맑은 고딕" panose="020B0503020000020004" pitchFamily="50" charset="-127"/>
+                        </a:rPr>
+                        <a:t>〮</a:t>
+                      </a:r>
+                      <a:r>
+                        <a:rPr lang="ko-KR" altLang="en-US" sz="1000" dirty="0">
+                          <a:latin typeface="맑은 고딕" panose="020B0503020000020004" pitchFamily="50" charset="-127"/>
+                          <a:ea typeface="맑은 고딕" panose="020B0503020000020004" pitchFamily="50" charset="-127"/>
+                        </a:rPr>
+                        <a:t> 기능 구현 예정</a:t>
+                      </a:r>
+                      <a:endParaRPr lang="en-US" altLang="ko-KR" sz="1000" dirty="0">
+                        <a:latin typeface="맑은 고딕" panose="020B0503020000020004" pitchFamily="50" charset="-127"/>
+                        <a:ea typeface="맑은 고딕" panose="020B0503020000020004" pitchFamily="50" charset="-127"/>
+                      </a:endParaRPr>
+                    </a:p>
+                  </a:txBody>
+                  <a:tcPr anchor="ctr"/>
+                </a:tc>
+                <a:tc>
+                  <a:txBody>
+                    <a:bodyPr/>
+                    <a:lstStyle/>
+                    <a:p>
+                      <a:pPr marL="0" marR="0" lvl="0" indent="0" algn="ctr" defTabSz="914400" rtl="0" eaLnBrk="1" fontAlgn="auto" latinLnBrk="1" hangingPunct="1">
+                        <a:lnSpc>
+                          <a:spcPct val="100000"/>
+                        </a:lnSpc>
+                        <a:spcBef>
+                          <a:spcPts val="0"/>
+                        </a:spcBef>
+                        <a:spcAft>
+                          <a:spcPts val="0"/>
+                        </a:spcAft>
+                        <a:buClrTx/>
+                        <a:buSzTx/>
+                        <a:buFontTx/>
+                        <a:buNone/>
+                        <a:tabLst/>
+                        <a:defRPr/>
+                      </a:pPr>
+                      <a:r>
+                        <a:rPr lang="en-US" altLang="ko-KR" sz="1000" dirty="0"/>
+                        <a:t>0%</a:t>
+                      </a:r>
+                      <a:endParaRPr lang="ko-KR" altLang="en-US" sz="1000" dirty="0"/>
+                    </a:p>
+                  </a:txBody>
+                  <a:tcPr anchor="ctr"/>
+                </a:tc>
+                <a:extLst>
+                  <a:ext uri="{0D108BD9-81ED-4DB2-BD59-A6C34878D82A}">
+                    <a16:rowId xmlns:a16="http://schemas.microsoft.com/office/drawing/2014/main" val="3861348524"/>
+                  </a:ext>
+                </a:extLst>
+              </a:tr>
+            </a:tbl>
+          </a:graphicData>
+        </a:graphic>
+      </p:graphicFrame>
+    </p:spTree>
+    <p:extLst>
+      <p:ext uri="{BB962C8B-B14F-4D97-AF65-F5344CB8AC3E}">
+        <p14:creationId xmlns:p14="http://schemas.microsoft.com/office/powerpoint/2010/main" val="3992055054"/>
+      </p:ext>
+    </p:extLst>
+  </p:cSld>
+  <p:clrMapOvr>
+    <a:masterClrMapping/>
+  </p:clrMapOvr>
+</p:sld>
+</file>
+
+<file path=ppt/slides/slide7.xml><?xml version="1.0" encoding="utf-8"?>
+<p:sld xmlns:a="http://schemas.openxmlformats.org/drawingml/2006/main" xmlns:r="http://schemas.openxmlformats.org/officeDocument/2006/relationships" xmlns:p="http://schemas.openxmlformats.org/presentationml/2006/main">
+  <p:cSld>
+    <p:spTree>
+      <p:nvGrpSpPr>
+        <p:cNvPr id="1" name=""/>
+        <p:cNvGrpSpPr/>
+        <p:nvPr/>
+      </p:nvGrpSpPr>
+      <p:grpSpPr>
+        <a:xfrm>
+          <a:off x="0" y="0"/>
+          <a:ext cx="0" cy="0"/>
+          <a:chOff x="0" y="0"/>
+          <a:chExt cx="0" cy="0"/>
+        </a:xfrm>
+      </p:grpSpPr>
+      <p:sp>
+        <p:nvSpPr>
+          <p:cNvPr id="2" name="제목 1">
+            <a:extLst>
+              <a:ext uri="{FF2B5EF4-FFF2-40B4-BE49-F238E27FC236}">
+                <a16:creationId xmlns:a16="http://schemas.microsoft.com/office/drawing/2014/main" id="{A34CC49F-BE0D-45A8-97A0-BBAAB52C3EC6}"/>
+              </a:ext>
+            </a:extLst>
+          </p:cNvPr>
+          <p:cNvSpPr>
+            <a:spLocks noGrp="1"/>
+          </p:cNvSpPr>
+          <p:nvPr>
+            <p:ph type="title"/>
+          </p:nvPr>
+        </p:nvSpPr>
+        <p:spPr/>
+        <p:txBody>
+          <a:bodyPr/>
+          <a:lstStyle/>
+          <a:p>
+            <a:r>
+              <a:rPr lang="en-US" altLang="ko-KR" dirty="0"/>
+              <a:t>Image Viewer</a:t>
+            </a:r>
+            <a:endParaRPr lang="ko-KR" altLang="en-US" dirty="0"/>
+          </a:p>
+        </p:txBody>
+      </p:sp>
+      <p:sp>
+        <p:nvSpPr>
+          <p:cNvPr id="3" name="슬라이드 번호 개체 틀 2">
+            <a:extLst>
+              <a:ext uri="{FF2B5EF4-FFF2-40B4-BE49-F238E27FC236}">
+                <a16:creationId xmlns:a16="http://schemas.microsoft.com/office/drawing/2014/main" id="{6E66C85C-D688-48F6-A9D6-D8923BA75F22}"/>
+              </a:ext>
+            </a:extLst>
+          </p:cNvPr>
+          <p:cNvSpPr>
+            <a:spLocks noGrp="1"/>
+          </p:cNvSpPr>
+          <p:nvPr>
+            <p:ph type="sldNum" sz="quarter" idx="4"/>
+          </p:nvPr>
+        </p:nvSpPr>
+        <p:spPr/>
+        <p:txBody>
+          <a:bodyPr/>
+          <a:lstStyle/>
+          <a:p>
+            <a:pPr>
+              <a:defRPr/>
+            </a:pPr>
+            <a:fld id="{B041EC1C-CD40-411B-B8A8-88A7A386D31F}" type="slidenum">
+              <a:rPr lang="ko-KR" altLang="en-US" smtClean="0"/>
+              <a:pPr>
+                <a:defRPr/>
+              </a:pPr>
+              <a:t>7</a:t>
             </a:fld>
             <a:endParaRPr lang="ko-KR" altLang="en-US"/>
           </a:p>
@@ -7782,62 +11850,796 @@
       </p:sp>
       <p:sp>
         <p:nvSpPr>
-          <p:cNvPr id="23" name="직사각형 22">
+          <p:cNvPr id="9" name="TextBox 8">
             <a:extLst>
               <a:ext uri="{FF2B5EF4-FFF2-40B4-BE49-F238E27FC236}">
-                <a16:creationId xmlns:a16="http://schemas.microsoft.com/office/drawing/2014/main" id="{EF291465-AB23-4266-82CA-C8D9EA642C8D}"/>
+                <a16:creationId xmlns:a16="http://schemas.microsoft.com/office/drawing/2014/main" id="{4B037642-3F18-4EAB-8C1C-A2518E428750}"/>
               </a:ext>
             </a:extLst>
           </p:cNvPr>
-          <p:cNvSpPr/>
+          <p:cNvSpPr txBox="1"/>
           <p:nvPr/>
         </p:nvSpPr>
         <p:spPr>
           <a:xfrm>
-            <a:off x="407368" y="1556792"/>
-            <a:ext cx="3960440" cy="2602483"/>
+            <a:off x="5392621" y="1700808"/>
+            <a:ext cx="6799379" cy="3939540"/>
           </a:xfrm>
           <a:prstGeom prst="rect">
             <a:avLst/>
           </a:prstGeom>
           <a:noFill/>
-          <a:ln>
-            <a:solidFill>
-              <a:srgbClr val="000000"/>
-            </a:solidFill>
-          </a:ln>
         </p:spPr>
-        <p:style>
-          <a:lnRef idx="2">
-            <a:schemeClr val="accent1">
-              <a:shade val="50000"/>
-            </a:schemeClr>
-          </a:lnRef>
-          <a:fillRef idx="1">
-            <a:schemeClr val="accent1"/>
-          </a:fillRef>
-          <a:effectRef idx="0">
-            <a:schemeClr val="accent1"/>
-          </a:effectRef>
-          <a:fontRef idx="minor">
-            <a:schemeClr val="lt1"/>
-          </a:fontRef>
-        </p:style>
         <p:txBody>
-          <a:bodyPr rtlCol="0" anchor="ctr"/>
+          <a:bodyPr wrap="square" rtlCol="0">
+            <a:spAutoFit/>
+          </a:bodyPr>
+          <a:lstStyle/>
+          <a:p>
+            <a:r>
+              <a:rPr lang="en-US" altLang="ko-KR" sz="1000" b="1" dirty="0">
+                <a:latin typeface="Arial" panose="020B0604020202020204" pitchFamily="34" charset="0"/>
+                <a:cs typeface="Arial" panose="020B0604020202020204" pitchFamily="34" charset="0"/>
+              </a:rPr>
+              <a:t>UI</a:t>
+            </a:r>
+          </a:p>
+          <a:p>
+            <a:endParaRPr lang="en-US" altLang="ko-KR" sz="1000" dirty="0">
+              <a:latin typeface="Arial" panose="020B0604020202020204" pitchFamily="34" charset="0"/>
+              <a:cs typeface="Arial" panose="020B0604020202020204" pitchFamily="34" charset="0"/>
+            </a:endParaRPr>
+          </a:p>
+          <a:p>
+            <a:pPr marL="171450" indent="-171450">
+              <a:buFontTx/>
+              <a:buChar char="-"/>
+            </a:pPr>
+            <a:r>
+              <a:rPr lang="en-US" altLang="ko-KR" sz="1000" dirty="0">
+                <a:latin typeface="Arial" panose="020B0604020202020204" pitchFamily="34" charset="0"/>
+                <a:cs typeface="Arial" panose="020B0604020202020204" pitchFamily="34" charset="0"/>
+              </a:rPr>
+              <a:t>Log</a:t>
+            </a:r>
+            <a:r>
+              <a:rPr lang="ko-KR" altLang="en-US" sz="1000" dirty="0">
+                <a:latin typeface="Arial" panose="020B0604020202020204" pitchFamily="34" charset="0"/>
+                <a:cs typeface="Arial" panose="020B0604020202020204" pitchFamily="34" charset="0"/>
+              </a:rPr>
+              <a:t> </a:t>
+            </a:r>
+            <a:r>
+              <a:rPr lang="en-US" altLang="ko-KR" sz="1000" dirty="0">
+                <a:latin typeface="Arial" panose="020B0604020202020204" pitchFamily="34" charset="0"/>
+                <a:cs typeface="Arial" panose="020B0604020202020204" pitchFamily="34" charset="0"/>
+              </a:rPr>
+              <a:t>Viewer </a:t>
+            </a:r>
+            <a:r>
+              <a:rPr lang="ko-KR" altLang="en-US" sz="1000" dirty="0">
+                <a:latin typeface="Arial" panose="020B0604020202020204" pitchFamily="34" charset="0"/>
+                <a:cs typeface="Arial" panose="020B0604020202020204" pitchFamily="34" charset="0"/>
+              </a:rPr>
+              <a:t>과 동일한 색상으로 제작 예정</a:t>
+            </a:r>
+            <a:endParaRPr lang="en-US" altLang="ko-KR" sz="1000" dirty="0">
+              <a:latin typeface="Arial" panose="020B0604020202020204" pitchFamily="34" charset="0"/>
+              <a:cs typeface="Arial" panose="020B0604020202020204" pitchFamily="34" charset="0"/>
+            </a:endParaRPr>
+          </a:p>
+          <a:p>
+            <a:pPr marL="171450" indent="-171450">
+              <a:buFontTx/>
+              <a:buChar char="-"/>
+            </a:pPr>
+            <a:endParaRPr lang="en-US" altLang="ko-KR" sz="1000" dirty="0">
+              <a:latin typeface="Arial" panose="020B0604020202020204" pitchFamily="34" charset="0"/>
+              <a:cs typeface="Arial" panose="020B0604020202020204" pitchFamily="34" charset="0"/>
+            </a:endParaRPr>
+          </a:p>
+          <a:p>
+            <a:pPr marL="171450" indent="-171450">
+              <a:buFontTx/>
+              <a:buChar char="-"/>
+            </a:pPr>
+            <a:r>
+              <a:rPr lang="ko-KR" altLang="en-US" sz="1000" dirty="0">
+                <a:latin typeface="Arial" panose="020B0604020202020204" pitchFamily="34" charset="0"/>
+                <a:cs typeface="Arial" panose="020B0604020202020204" pitchFamily="34" charset="0"/>
+              </a:rPr>
+              <a:t>현 </a:t>
+            </a:r>
+            <a:r>
+              <a:rPr lang="en-US" altLang="ko-KR" sz="1000" dirty="0">
+                <a:latin typeface="Arial" panose="020B0604020202020204" pitchFamily="34" charset="0"/>
+                <a:cs typeface="Arial" panose="020B0604020202020204" pitchFamily="34" charset="0"/>
+              </a:rPr>
+              <a:t>UI</a:t>
+            </a:r>
+            <a:r>
+              <a:rPr lang="ko-KR" altLang="en-US" sz="1000" dirty="0">
+                <a:latin typeface="Arial" panose="020B0604020202020204" pitchFamily="34" charset="0"/>
+                <a:cs typeface="Arial" panose="020B0604020202020204" pitchFamily="34" charset="0"/>
+              </a:rPr>
+              <a:t>디자인 레퍼런스와 </a:t>
+            </a:r>
+            <a:r>
+              <a:rPr lang="en-US" altLang="ko-KR" sz="1000" dirty="0">
+                <a:latin typeface="Arial" panose="020B0604020202020204" pitchFamily="34" charset="0"/>
+                <a:cs typeface="Arial" panose="020B0604020202020204" pitchFamily="34" charset="0"/>
+              </a:rPr>
+              <a:t>UI </a:t>
+            </a:r>
+            <a:r>
+              <a:rPr lang="ko-KR" altLang="en-US" sz="1000" dirty="0">
+                <a:latin typeface="Arial" panose="020B0604020202020204" pitchFamily="34" charset="0"/>
+                <a:cs typeface="Arial" panose="020B0604020202020204" pitchFamily="34" charset="0"/>
+              </a:rPr>
+              <a:t>구성을 달라질 수 있음</a:t>
+            </a:r>
+            <a:r>
+              <a:rPr lang="en-US" altLang="ko-KR" sz="1000" dirty="0">
+                <a:latin typeface="Arial" panose="020B0604020202020204" pitchFamily="34" charset="0"/>
+                <a:cs typeface="Arial" panose="020B0604020202020204" pitchFamily="34" charset="0"/>
+              </a:rPr>
+              <a:t>.</a:t>
+            </a:r>
+          </a:p>
+          <a:p>
+            <a:pPr marL="171450" indent="-171450">
+              <a:buFontTx/>
+              <a:buChar char="-"/>
+            </a:pPr>
+            <a:endParaRPr lang="en-US" altLang="ko-KR" sz="1000" dirty="0">
+              <a:latin typeface="Arial" panose="020B0604020202020204" pitchFamily="34" charset="0"/>
+              <a:cs typeface="Arial" panose="020B0604020202020204" pitchFamily="34" charset="0"/>
+            </a:endParaRPr>
+          </a:p>
+          <a:p>
+            <a:r>
+              <a:rPr lang="en-US" altLang="ko-KR" sz="1000" b="1" dirty="0">
+                <a:latin typeface="Arial" panose="020B0604020202020204" pitchFamily="34" charset="0"/>
+                <a:cs typeface="Arial" panose="020B0604020202020204" pitchFamily="34" charset="0"/>
+              </a:rPr>
+              <a:t>System</a:t>
+            </a:r>
+          </a:p>
+          <a:p>
+            <a:endParaRPr lang="en-US" altLang="ko-KR" sz="1000" dirty="0">
+              <a:latin typeface="Arial" panose="020B0604020202020204" pitchFamily="34" charset="0"/>
+              <a:cs typeface="Arial" panose="020B0604020202020204" pitchFamily="34" charset="0"/>
+            </a:endParaRPr>
+          </a:p>
+          <a:p>
+            <a:pPr marL="171450" indent="-171450">
+              <a:buFontTx/>
+              <a:buChar char="-"/>
+            </a:pPr>
+            <a:r>
+              <a:rPr lang="en-US" altLang="ko-KR" sz="1000" dirty="0">
+                <a:latin typeface="Arial" panose="020B0604020202020204" pitchFamily="34" charset="0"/>
+                <a:cs typeface="Arial" panose="020B0604020202020204" pitchFamily="34" charset="0"/>
+              </a:rPr>
+              <a:t>Image Buffer</a:t>
+            </a:r>
+            <a:r>
+              <a:rPr lang="ko-KR" altLang="en-US" sz="1000" dirty="0">
+                <a:latin typeface="Arial" panose="020B0604020202020204" pitchFamily="34" charset="0"/>
+                <a:cs typeface="Arial" panose="020B0604020202020204" pitchFamily="34" charset="0"/>
+              </a:rPr>
+              <a:t>는 </a:t>
+            </a:r>
+            <a:r>
+              <a:rPr lang="en-US" altLang="ko-KR" sz="1000" dirty="0">
+                <a:latin typeface="Arial" panose="020B0604020202020204" pitchFamily="34" charset="0"/>
+                <a:cs typeface="Arial" panose="020B0604020202020204" pitchFamily="34" charset="0"/>
+              </a:rPr>
+              <a:t>Byte[]</a:t>
+            </a:r>
+            <a:r>
+              <a:rPr lang="ko-KR" altLang="en-US" sz="1000" dirty="0">
+                <a:latin typeface="Arial" panose="020B0604020202020204" pitchFamily="34" charset="0"/>
+                <a:cs typeface="Arial" panose="020B0604020202020204" pitchFamily="34" charset="0"/>
+              </a:rPr>
+              <a:t>로 생성</a:t>
+            </a:r>
+            <a:endParaRPr lang="en-US" altLang="ko-KR" sz="1000" dirty="0">
+              <a:latin typeface="Arial" panose="020B0604020202020204" pitchFamily="34" charset="0"/>
+              <a:cs typeface="Arial" panose="020B0604020202020204" pitchFamily="34" charset="0"/>
+            </a:endParaRPr>
+          </a:p>
+          <a:p>
+            <a:pPr marL="171450" indent="-171450">
+              <a:buFontTx/>
+              <a:buChar char="-"/>
+            </a:pPr>
+            <a:endParaRPr lang="en-US" altLang="ko-KR" sz="1000" dirty="0">
+              <a:latin typeface="Arial" panose="020B0604020202020204" pitchFamily="34" charset="0"/>
+              <a:cs typeface="Arial" panose="020B0604020202020204" pitchFamily="34" charset="0"/>
+            </a:endParaRPr>
+          </a:p>
+          <a:p>
+            <a:pPr marL="171450" indent="-171450">
+              <a:buFontTx/>
+              <a:buChar char="-"/>
+            </a:pPr>
+            <a:r>
+              <a:rPr lang="en-US" altLang="ko-KR" sz="1000" dirty="0">
+                <a:latin typeface="Arial" panose="020B0604020202020204" pitchFamily="34" charset="0"/>
+                <a:cs typeface="Arial" panose="020B0604020202020204" pitchFamily="34" charset="0"/>
+              </a:rPr>
+              <a:t>Mat(</a:t>
+            </a:r>
+            <a:r>
+              <a:rPr lang="en-US" altLang="ko-KR" sz="1000" dirty="0" err="1">
+                <a:latin typeface="Arial" panose="020B0604020202020204" pitchFamily="34" charset="0"/>
+                <a:cs typeface="Arial" panose="020B0604020202020204" pitchFamily="34" charset="0"/>
+              </a:rPr>
+              <a:t>Opencv</a:t>
+            </a:r>
+            <a:r>
+              <a:rPr lang="en-US" altLang="ko-KR" sz="1000" dirty="0">
+                <a:latin typeface="Arial" panose="020B0604020202020204" pitchFamily="34" charset="0"/>
+                <a:cs typeface="Arial" panose="020B0604020202020204" pitchFamily="34" charset="0"/>
+              </a:rPr>
+              <a:t> </a:t>
+            </a:r>
+            <a:r>
+              <a:rPr lang="ko-KR" altLang="en-US" sz="1000" dirty="0">
+                <a:latin typeface="Arial" panose="020B0604020202020204" pitchFamily="34" charset="0"/>
+                <a:cs typeface="Arial" panose="020B0604020202020204" pitchFamily="34" charset="0"/>
+              </a:rPr>
+              <a:t>메소드 사용 용</a:t>
+            </a:r>
+            <a:r>
+              <a:rPr lang="en-US" altLang="ko-KR" sz="1000" dirty="0">
+                <a:latin typeface="Arial" panose="020B0604020202020204" pitchFamily="34" charset="0"/>
+                <a:cs typeface="Arial" panose="020B0604020202020204" pitchFamily="34" charset="0"/>
+              </a:rPr>
+              <a:t>)</a:t>
+            </a:r>
+            <a:r>
+              <a:rPr lang="ko-KR" altLang="en-US" sz="1000" dirty="0">
+                <a:latin typeface="Arial" panose="020B0604020202020204" pitchFamily="34" charset="0"/>
+                <a:cs typeface="Arial" panose="020B0604020202020204" pitchFamily="34" charset="0"/>
+              </a:rPr>
+              <a:t> </a:t>
+            </a:r>
+            <a:r>
+              <a:rPr lang="en-US" altLang="ko-KR" sz="1000" dirty="0">
+                <a:latin typeface="Arial" panose="020B0604020202020204" pitchFamily="34" charset="0"/>
+                <a:cs typeface="Arial" panose="020B0604020202020204" pitchFamily="34" charset="0"/>
+              </a:rPr>
+              <a:t>/</a:t>
+            </a:r>
+            <a:r>
+              <a:rPr lang="ko-KR" altLang="en-US" sz="1000" dirty="0">
+                <a:latin typeface="Arial" panose="020B0604020202020204" pitchFamily="34" charset="0"/>
+                <a:cs typeface="Arial" panose="020B0604020202020204" pitchFamily="34" charset="0"/>
+              </a:rPr>
+              <a:t> </a:t>
+            </a:r>
+            <a:r>
+              <a:rPr lang="en-US" altLang="ko-KR" sz="1000" dirty="0">
+                <a:latin typeface="Arial" panose="020B0604020202020204" pitchFamily="34" charset="0"/>
+                <a:cs typeface="Arial" panose="020B0604020202020204" pitchFamily="34" charset="0"/>
+              </a:rPr>
+              <a:t>Byte[](Raw</a:t>
+            </a:r>
+            <a:r>
+              <a:rPr lang="ko-KR" altLang="en-US" sz="1000" dirty="0">
+                <a:latin typeface="Arial" panose="020B0604020202020204" pitchFamily="34" charset="0"/>
+                <a:cs typeface="Arial" panose="020B0604020202020204" pitchFamily="34" charset="0"/>
+              </a:rPr>
+              <a:t> </a:t>
+            </a:r>
+            <a:r>
+              <a:rPr lang="en-US" altLang="ko-KR" sz="1000" dirty="0">
+                <a:latin typeface="Arial" panose="020B0604020202020204" pitchFamily="34" charset="0"/>
+                <a:cs typeface="Arial" panose="020B0604020202020204" pitchFamily="34" charset="0"/>
+              </a:rPr>
+              <a:t>Data) ()/ Bitmap (</a:t>
+            </a:r>
+            <a:r>
+              <a:rPr lang="ko-KR" altLang="en-US" sz="1000" dirty="0">
+                <a:latin typeface="Arial" panose="020B0604020202020204" pitchFamily="34" charset="0"/>
+                <a:cs typeface="Arial" panose="020B0604020202020204" pitchFamily="34" charset="0"/>
+              </a:rPr>
+              <a:t>출력용</a:t>
+            </a:r>
+            <a:r>
+              <a:rPr lang="en-US" altLang="ko-KR" sz="1000" dirty="0">
+                <a:latin typeface="Arial" panose="020B0604020202020204" pitchFamily="34" charset="0"/>
+                <a:cs typeface="Arial" panose="020B0604020202020204" pitchFamily="34" charset="0"/>
+              </a:rPr>
+              <a:t>) </a:t>
+            </a:r>
+            <a:r>
+              <a:rPr lang="ko-KR" altLang="en-US" sz="1000" dirty="0">
+                <a:latin typeface="Arial" panose="020B0604020202020204" pitchFamily="34" charset="0"/>
+                <a:cs typeface="Arial" panose="020B0604020202020204" pitchFamily="34" charset="0"/>
+              </a:rPr>
+              <a:t>변경 해가면서 사용</a:t>
+            </a:r>
+            <a:endParaRPr lang="en-US" altLang="ko-KR" sz="1000" dirty="0">
+              <a:latin typeface="Arial" panose="020B0604020202020204" pitchFamily="34" charset="0"/>
+              <a:cs typeface="Arial" panose="020B0604020202020204" pitchFamily="34" charset="0"/>
+            </a:endParaRPr>
+          </a:p>
+          <a:p>
+            <a:pPr marL="171450" indent="-171450">
+              <a:buFontTx/>
+              <a:buChar char="-"/>
+            </a:pPr>
+            <a:endParaRPr lang="en-US" altLang="ko-KR" sz="1000" dirty="0">
+              <a:latin typeface="Arial" panose="020B0604020202020204" pitchFamily="34" charset="0"/>
+              <a:cs typeface="Arial" panose="020B0604020202020204" pitchFamily="34" charset="0"/>
+            </a:endParaRPr>
+          </a:p>
+          <a:p>
+            <a:pPr marL="171450" indent="-171450">
+              <a:buFontTx/>
+              <a:buChar char="-"/>
+            </a:pPr>
+            <a:r>
+              <a:rPr lang="en-US" altLang="ko-KR" sz="1000" dirty="0">
+                <a:latin typeface="Arial" panose="020B0604020202020204" pitchFamily="34" charset="0"/>
+                <a:cs typeface="Arial" panose="020B0604020202020204" pitchFamily="34" charset="0"/>
+              </a:rPr>
+              <a:t>Image processing</a:t>
+            </a:r>
+            <a:r>
+              <a:rPr lang="ko-KR" altLang="en-US" sz="1000" dirty="0">
+                <a:latin typeface="Arial" panose="020B0604020202020204" pitchFamily="34" charset="0"/>
+                <a:cs typeface="Arial" panose="020B0604020202020204" pitchFamily="34" charset="0"/>
+              </a:rPr>
+              <a:t> 은 </a:t>
+            </a:r>
+            <a:r>
+              <a:rPr lang="en-US" altLang="ko-KR" sz="1000" dirty="0" err="1">
+                <a:latin typeface="Arial" panose="020B0604020202020204" pitchFamily="34" charset="0"/>
+                <a:cs typeface="Arial" panose="020B0604020202020204" pitchFamily="34" charset="0"/>
+              </a:rPr>
+              <a:t>Opencv</a:t>
+            </a:r>
+            <a:r>
+              <a:rPr lang="en-US" altLang="ko-KR" sz="1000" dirty="0">
+                <a:latin typeface="Arial" panose="020B0604020202020204" pitchFamily="34" charset="0"/>
+                <a:cs typeface="Arial" panose="020B0604020202020204" pitchFamily="34" charset="0"/>
+              </a:rPr>
+              <a:t> Sharp </a:t>
+            </a:r>
+            <a:r>
+              <a:rPr lang="ko-KR" altLang="en-US" sz="1000" dirty="0">
+                <a:latin typeface="Arial" panose="020B0604020202020204" pitchFamily="34" charset="0"/>
+                <a:cs typeface="Arial" panose="020B0604020202020204" pitchFamily="34" charset="0"/>
+              </a:rPr>
+              <a:t>사용 예정</a:t>
+            </a:r>
+            <a:endParaRPr lang="en-US" altLang="ko-KR" sz="1000" dirty="0">
+              <a:latin typeface="Arial" panose="020B0604020202020204" pitchFamily="34" charset="0"/>
+              <a:cs typeface="Arial" panose="020B0604020202020204" pitchFamily="34" charset="0"/>
+            </a:endParaRPr>
+          </a:p>
+          <a:p>
+            <a:pPr marL="171450" indent="-171450">
+              <a:buFontTx/>
+              <a:buChar char="-"/>
+            </a:pPr>
+            <a:endParaRPr lang="en-US" altLang="ko-KR" sz="1000" dirty="0">
+              <a:latin typeface="Arial" panose="020B0604020202020204" pitchFamily="34" charset="0"/>
+              <a:cs typeface="Arial" panose="020B0604020202020204" pitchFamily="34" charset="0"/>
+            </a:endParaRPr>
+          </a:p>
+          <a:p>
+            <a:pPr marL="171450" indent="-171450">
+              <a:buFontTx/>
+              <a:buChar char="-"/>
+            </a:pPr>
+            <a:endParaRPr lang="en-US" altLang="ko-KR" sz="1000" dirty="0">
+              <a:latin typeface="Arial" panose="020B0604020202020204" pitchFamily="34" charset="0"/>
+              <a:cs typeface="Arial" panose="020B0604020202020204" pitchFamily="34" charset="0"/>
+            </a:endParaRPr>
+          </a:p>
+          <a:p>
+            <a:r>
+              <a:rPr lang="ko-KR" altLang="en-US" sz="1000" b="1" dirty="0">
+                <a:latin typeface="Arial" panose="020B0604020202020204" pitchFamily="34" charset="0"/>
+                <a:cs typeface="Arial" panose="020B0604020202020204" pitchFamily="34" charset="0"/>
+              </a:rPr>
+              <a:t>기능</a:t>
+            </a:r>
+            <a:endParaRPr lang="en-US" altLang="ko-KR" sz="1000" b="1" dirty="0">
+              <a:latin typeface="Arial" panose="020B0604020202020204" pitchFamily="34" charset="0"/>
+              <a:cs typeface="Arial" panose="020B0604020202020204" pitchFamily="34" charset="0"/>
+            </a:endParaRPr>
+          </a:p>
+          <a:p>
+            <a:endParaRPr lang="en-US" altLang="ko-KR" sz="1000" dirty="0">
+              <a:latin typeface="Arial" panose="020B0604020202020204" pitchFamily="34" charset="0"/>
+              <a:cs typeface="Arial" panose="020B0604020202020204" pitchFamily="34" charset="0"/>
+            </a:endParaRPr>
+          </a:p>
+          <a:p>
+            <a:pPr marL="171450" indent="-171450">
+              <a:buFontTx/>
+              <a:buChar char="-"/>
+            </a:pPr>
+            <a:r>
+              <a:rPr lang="en-US" altLang="ko-KR" sz="1000" dirty="0">
+                <a:latin typeface="Arial" panose="020B0604020202020204" pitchFamily="34" charset="0"/>
+                <a:cs typeface="Arial" panose="020B0604020202020204" pitchFamily="34" charset="0"/>
+              </a:rPr>
+              <a:t>Log</a:t>
+            </a:r>
+            <a:r>
+              <a:rPr lang="ko-KR" altLang="en-US" sz="1000" dirty="0">
+                <a:latin typeface="Arial" panose="020B0604020202020204" pitchFamily="34" charset="0"/>
+                <a:cs typeface="Arial" panose="020B0604020202020204" pitchFamily="34" charset="0"/>
+              </a:rPr>
+              <a:t> </a:t>
+            </a:r>
+            <a:r>
+              <a:rPr lang="en-US" altLang="ko-KR" sz="1000" dirty="0">
+                <a:latin typeface="Arial" panose="020B0604020202020204" pitchFamily="34" charset="0"/>
+                <a:cs typeface="Arial" panose="020B0604020202020204" pitchFamily="34" charset="0"/>
+              </a:rPr>
+              <a:t>Viewer</a:t>
+            </a:r>
+            <a:r>
+              <a:rPr lang="ko-KR" altLang="en-US" sz="1000" dirty="0">
+                <a:latin typeface="Arial" panose="020B0604020202020204" pitchFamily="34" charset="0"/>
+                <a:cs typeface="Arial" panose="020B0604020202020204" pitchFamily="34" charset="0"/>
+              </a:rPr>
+              <a:t> 와  </a:t>
+            </a:r>
+            <a:r>
+              <a:rPr lang="en-US" altLang="ko-KR" sz="1000" dirty="0">
+                <a:latin typeface="Arial" panose="020B0604020202020204" pitchFamily="34" charset="0"/>
+                <a:cs typeface="Arial" panose="020B0604020202020204" pitchFamily="34" charset="0"/>
+              </a:rPr>
+              <a:t>TCP/IP </a:t>
+            </a:r>
+            <a:r>
+              <a:rPr lang="ko-KR" altLang="en-US" sz="1000" dirty="0">
+                <a:latin typeface="Arial" panose="020B0604020202020204" pitchFamily="34" charset="0"/>
+                <a:cs typeface="Arial" panose="020B0604020202020204" pitchFamily="34" charset="0"/>
+              </a:rPr>
+              <a:t>통신으로 </a:t>
+            </a:r>
+            <a:r>
+              <a:rPr lang="en-US" altLang="ko-KR" sz="1000" dirty="0">
+                <a:latin typeface="Arial" panose="020B0604020202020204" pitchFamily="34" charset="0"/>
+                <a:cs typeface="Arial" panose="020B0604020202020204" pitchFamily="34" charset="0"/>
+              </a:rPr>
+              <a:t>Log </a:t>
+            </a:r>
+            <a:r>
+              <a:rPr lang="ko-KR" altLang="en-US" sz="1000" dirty="0">
+                <a:latin typeface="Arial" panose="020B0604020202020204" pitchFamily="34" charset="0"/>
+                <a:cs typeface="Arial" panose="020B0604020202020204" pitchFamily="34" charset="0"/>
+              </a:rPr>
+              <a:t>기록 예정</a:t>
+            </a:r>
+            <a:endParaRPr lang="en-US" altLang="ko-KR" sz="1000" dirty="0">
+              <a:latin typeface="Arial" panose="020B0604020202020204" pitchFamily="34" charset="0"/>
+              <a:cs typeface="Arial" panose="020B0604020202020204" pitchFamily="34" charset="0"/>
+            </a:endParaRPr>
+          </a:p>
+          <a:p>
+            <a:pPr marL="171450" indent="-171450">
+              <a:buFontTx/>
+              <a:buChar char="-"/>
+            </a:pPr>
+            <a:endParaRPr lang="en-US" altLang="ko-KR" sz="1000" dirty="0">
+              <a:latin typeface="Arial" panose="020B0604020202020204" pitchFamily="34" charset="0"/>
+              <a:cs typeface="Arial" panose="020B0604020202020204" pitchFamily="34" charset="0"/>
+            </a:endParaRPr>
+          </a:p>
+          <a:p>
+            <a:pPr marL="171450" indent="-171450">
+              <a:buFontTx/>
+              <a:buChar char="-"/>
+            </a:pPr>
+            <a:r>
+              <a:rPr lang="en-US" altLang="ko-KR" sz="1000" dirty="0">
+                <a:latin typeface="Arial" panose="020B0604020202020204" pitchFamily="34" charset="0"/>
+                <a:cs typeface="Arial" panose="020B0604020202020204" pitchFamily="34" charset="0"/>
+              </a:rPr>
+              <a:t>Image Load / Save </a:t>
+            </a:r>
+            <a:r>
+              <a:rPr lang="ko-KR" altLang="en-US" sz="1000" dirty="0">
+                <a:latin typeface="Arial" panose="020B0604020202020204" pitchFamily="34" charset="0"/>
+                <a:cs typeface="Arial" panose="020B0604020202020204" pitchFamily="34" charset="0"/>
+              </a:rPr>
+              <a:t>기능 구현 </a:t>
+            </a:r>
+            <a:r>
+              <a:rPr lang="en-US" altLang="ko-KR" sz="1000" dirty="0">
+                <a:latin typeface="Arial" panose="020B0604020202020204" pitchFamily="34" charset="0"/>
+                <a:cs typeface="Arial" panose="020B0604020202020204" pitchFamily="34" charset="0"/>
+              </a:rPr>
+              <a:t>(BMP </a:t>
+            </a:r>
+            <a:r>
+              <a:rPr lang="ko-KR" altLang="en-US" sz="1000" dirty="0">
+                <a:latin typeface="Arial" panose="020B0604020202020204" pitchFamily="34" charset="0"/>
+                <a:cs typeface="Arial" panose="020B0604020202020204" pitchFamily="34" charset="0"/>
+              </a:rPr>
+              <a:t>우선</a:t>
+            </a:r>
+            <a:r>
+              <a:rPr lang="en-US" altLang="ko-KR" sz="1000" dirty="0">
+                <a:latin typeface="Arial" panose="020B0604020202020204" pitchFamily="34" charset="0"/>
+                <a:cs typeface="Arial" panose="020B0604020202020204" pitchFamily="34" charset="0"/>
+              </a:rPr>
+              <a:t>)</a:t>
+            </a:r>
+          </a:p>
+          <a:p>
+            <a:pPr marL="171450" indent="-171450">
+              <a:buFontTx/>
+              <a:buChar char="-"/>
+            </a:pPr>
+            <a:endParaRPr lang="en-US" altLang="ko-KR" sz="1000" dirty="0">
+              <a:latin typeface="Arial" panose="020B0604020202020204" pitchFamily="34" charset="0"/>
+              <a:cs typeface="Arial" panose="020B0604020202020204" pitchFamily="34" charset="0"/>
+            </a:endParaRPr>
+          </a:p>
+          <a:p>
+            <a:pPr marL="171450" indent="-171450">
+              <a:buFontTx/>
+              <a:buChar char="-"/>
+            </a:pPr>
+            <a:r>
+              <a:rPr lang="en-US" altLang="ko-KR" sz="1000" dirty="0">
+                <a:latin typeface="Arial" panose="020B0604020202020204" pitchFamily="34" charset="0"/>
+                <a:cs typeface="Arial" panose="020B0604020202020204" pitchFamily="34" charset="0"/>
+              </a:rPr>
+              <a:t>Blob</a:t>
+            </a:r>
+            <a:r>
+              <a:rPr lang="ko-KR" altLang="en-US" sz="1000" dirty="0">
+                <a:latin typeface="Arial" panose="020B0604020202020204" pitchFamily="34" charset="0"/>
+                <a:cs typeface="Arial" panose="020B0604020202020204" pitchFamily="34" charset="0"/>
+              </a:rPr>
+              <a:t>후 찾아낸 객체들을 결과 리스트에 기록하고 </a:t>
+            </a:r>
+            <a:r>
+              <a:rPr lang="en-US" altLang="ko-KR" sz="1000" dirty="0">
+                <a:latin typeface="Arial" panose="020B0604020202020204" pitchFamily="34" charset="0"/>
+                <a:cs typeface="Arial" panose="020B0604020202020204" pitchFamily="34" charset="0"/>
+              </a:rPr>
+              <a:t>, </a:t>
+            </a:r>
+            <a:r>
+              <a:rPr lang="ko-KR" altLang="en-US" sz="1000" dirty="0">
+                <a:latin typeface="Arial" panose="020B0604020202020204" pitchFamily="34" charset="0"/>
+                <a:cs typeface="Arial" panose="020B0604020202020204" pitchFamily="34" charset="0"/>
+              </a:rPr>
+              <a:t>해당 </a:t>
+            </a:r>
+            <a:r>
+              <a:rPr lang="en-US" altLang="ko-KR" sz="1000" dirty="0">
+                <a:latin typeface="Arial" panose="020B0604020202020204" pitchFamily="34" charset="0"/>
+                <a:cs typeface="Arial" panose="020B0604020202020204" pitchFamily="34" charset="0"/>
+              </a:rPr>
+              <a:t>Index</a:t>
+            </a:r>
+            <a:r>
+              <a:rPr lang="ko-KR" altLang="en-US" sz="1000" dirty="0">
+                <a:latin typeface="Arial" panose="020B0604020202020204" pitchFamily="34" charset="0"/>
+                <a:cs typeface="Arial" panose="020B0604020202020204" pitchFamily="34" charset="0"/>
+              </a:rPr>
+              <a:t>를 누르면 </a:t>
+            </a:r>
+            <a:r>
+              <a:rPr lang="en-US" altLang="ko-KR" sz="1000" dirty="0">
+                <a:latin typeface="Arial" panose="020B0604020202020204" pitchFamily="34" charset="0"/>
+                <a:cs typeface="Arial" panose="020B0604020202020204" pitchFamily="34" charset="0"/>
+              </a:rPr>
+              <a:t>Sub Image</a:t>
+            </a:r>
+            <a:r>
+              <a:rPr lang="ko-KR" altLang="en-US" sz="1000" dirty="0">
+                <a:latin typeface="Arial" panose="020B0604020202020204" pitchFamily="34" charset="0"/>
+                <a:cs typeface="Arial" panose="020B0604020202020204" pitchFamily="34" charset="0"/>
+              </a:rPr>
+              <a:t>에 해당 위치 확대하여 출력 예정</a:t>
+            </a:r>
+            <a:endParaRPr lang="en-US" altLang="ko-KR" sz="1000" dirty="0">
+              <a:latin typeface="Arial" panose="020B0604020202020204" pitchFamily="34" charset="0"/>
+              <a:cs typeface="Arial" panose="020B0604020202020204" pitchFamily="34" charset="0"/>
+            </a:endParaRPr>
+          </a:p>
+          <a:p>
+            <a:pPr marL="171450" indent="-171450">
+              <a:buFontTx/>
+              <a:buChar char="-"/>
+            </a:pPr>
+            <a:endParaRPr lang="en-US" altLang="ko-KR" sz="1000" dirty="0">
+              <a:latin typeface="Arial" panose="020B0604020202020204" pitchFamily="34" charset="0"/>
+              <a:cs typeface="Arial" panose="020B0604020202020204" pitchFamily="34" charset="0"/>
+            </a:endParaRPr>
+          </a:p>
+          <a:p>
+            <a:pPr marL="171450" indent="-171450">
+              <a:buFontTx/>
+              <a:buChar char="-"/>
+            </a:pPr>
+            <a:r>
+              <a:rPr lang="ko-KR" altLang="en-US" sz="1000" dirty="0" err="1">
+                <a:latin typeface="Arial" panose="020B0604020202020204" pitchFamily="34" charset="0"/>
+                <a:cs typeface="Arial" panose="020B0604020202020204" pitchFamily="34" charset="0"/>
+              </a:rPr>
+              <a:t>콤보박스로</a:t>
+            </a:r>
+            <a:r>
+              <a:rPr lang="ko-KR" altLang="en-US" sz="1000" dirty="0">
+                <a:latin typeface="Arial" panose="020B0604020202020204" pitchFamily="34" charset="0"/>
+                <a:cs typeface="Arial" panose="020B0604020202020204" pitchFamily="34" charset="0"/>
+              </a:rPr>
+              <a:t> </a:t>
+            </a:r>
+            <a:r>
+              <a:rPr lang="en-US" altLang="ko-KR" sz="1000" dirty="0">
+                <a:latin typeface="Arial" panose="020B0604020202020204" pitchFamily="34" charset="0"/>
+                <a:cs typeface="Arial" panose="020B0604020202020204" pitchFamily="34" charset="0"/>
+              </a:rPr>
+              <a:t>Image Type </a:t>
+            </a:r>
+            <a:r>
+              <a:rPr lang="ko-KR" altLang="en-US" sz="1000" dirty="0">
+                <a:latin typeface="Arial" panose="020B0604020202020204" pitchFamily="34" charset="0"/>
+                <a:cs typeface="Arial" panose="020B0604020202020204" pitchFamily="34" charset="0"/>
+              </a:rPr>
+              <a:t>선택하여 </a:t>
+            </a:r>
+            <a:r>
+              <a:rPr lang="en-US" altLang="ko-KR" sz="1000" dirty="0">
+                <a:latin typeface="Arial" panose="020B0604020202020204" pitchFamily="34" charset="0"/>
+                <a:cs typeface="Arial" panose="020B0604020202020204" pitchFamily="34" charset="0"/>
+              </a:rPr>
+              <a:t>Main Image </a:t>
+            </a:r>
+            <a:r>
+              <a:rPr lang="ko-KR" altLang="en-US" sz="1000" dirty="0">
+                <a:latin typeface="Arial" panose="020B0604020202020204" pitchFamily="34" charset="0"/>
+                <a:cs typeface="Arial" panose="020B0604020202020204" pitchFamily="34" charset="0"/>
+              </a:rPr>
+              <a:t>출력 예정</a:t>
+            </a:r>
+            <a:r>
+              <a:rPr lang="en-US" altLang="ko-KR" sz="1000" dirty="0">
+                <a:latin typeface="Arial" panose="020B0604020202020204" pitchFamily="34" charset="0"/>
+                <a:cs typeface="Arial" panose="020B0604020202020204" pitchFamily="34" charset="0"/>
+              </a:rPr>
+              <a:t>(Blob </a:t>
+            </a:r>
+            <a:r>
+              <a:rPr lang="ko-KR" altLang="en-US" sz="1000" dirty="0">
+                <a:latin typeface="Arial" panose="020B0604020202020204" pitchFamily="34" charset="0"/>
+                <a:cs typeface="Arial" panose="020B0604020202020204" pitchFamily="34" charset="0"/>
+              </a:rPr>
+              <a:t>하기 전 사용했던 </a:t>
+            </a:r>
+            <a:r>
+              <a:rPr lang="en-US" altLang="ko-KR" sz="1000" dirty="0" err="1">
+                <a:latin typeface="Arial" panose="020B0604020202020204" pitchFamily="34" charset="0"/>
+                <a:cs typeface="Arial" panose="020B0604020202020204" pitchFamily="34" charset="0"/>
+              </a:rPr>
+              <a:t>Fillter</a:t>
+            </a:r>
+            <a:r>
+              <a:rPr lang="en-US" altLang="ko-KR" sz="1000" dirty="0">
+                <a:latin typeface="Arial" panose="020B0604020202020204" pitchFamily="34" charset="0"/>
+                <a:cs typeface="Arial" panose="020B0604020202020204" pitchFamily="34" charset="0"/>
+              </a:rPr>
+              <a:t> </a:t>
+            </a:r>
+            <a:r>
+              <a:rPr lang="ko-KR" altLang="en-US" sz="1000" dirty="0">
+                <a:latin typeface="Arial" panose="020B0604020202020204" pitchFamily="34" charset="0"/>
+                <a:cs typeface="Arial" panose="020B0604020202020204" pitchFamily="34" charset="0"/>
+              </a:rPr>
+              <a:t>및 </a:t>
+            </a:r>
+            <a:r>
+              <a:rPr lang="en-US" altLang="ko-KR" sz="1000" dirty="0" err="1">
+                <a:latin typeface="Arial" panose="020B0604020202020204" pitchFamily="34" charset="0"/>
+                <a:cs typeface="Arial" panose="020B0604020202020204" pitchFamily="34" charset="0"/>
+              </a:rPr>
+              <a:t>Threshlod</a:t>
+            </a:r>
+            <a:r>
+              <a:rPr lang="en-US" altLang="ko-KR" sz="1000" dirty="0">
+                <a:latin typeface="Arial" panose="020B0604020202020204" pitchFamily="34" charset="0"/>
+                <a:cs typeface="Arial" panose="020B0604020202020204" pitchFamily="34" charset="0"/>
+              </a:rPr>
+              <a:t>) Image </a:t>
+            </a:r>
+            <a:r>
+              <a:rPr lang="ko-KR" altLang="en-US" sz="1000" dirty="0">
+                <a:latin typeface="Arial" panose="020B0604020202020204" pitchFamily="34" charset="0"/>
+                <a:cs typeface="Arial" panose="020B0604020202020204" pitchFamily="34" charset="0"/>
+              </a:rPr>
+              <a:t>출력</a:t>
+            </a:r>
+            <a:endParaRPr lang="en-US" altLang="ko-KR" sz="1000" dirty="0">
+              <a:latin typeface="Arial" panose="020B0604020202020204" pitchFamily="34" charset="0"/>
+              <a:cs typeface="Arial" panose="020B0604020202020204" pitchFamily="34" charset="0"/>
+            </a:endParaRPr>
+          </a:p>
+          <a:p>
+            <a:pPr marL="171450" indent="-171450">
+              <a:buFontTx/>
+              <a:buChar char="-"/>
+            </a:pPr>
+            <a:endParaRPr lang="ko-KR" altLang="en-US" sz="1000" dirty="0">
+              <a:latin typeface="Arial" panose="020B0604020202020204" pitchFamily="34" charset="0"/>
+              <a:cs typeface="Arial" panose="020B0604020202020204" pitchFamily="34" charset="0"/>
+            </a:endParaRPr>
+          </a:p>
+        </p:txBody>
+      </p:sp>
+      <p:sp>
+        <p:nvSpPr>
+          <p:cNvPr id="11" name="TextBox 10">
+            <a:extLst>
+              <a:ext uri="{FF2B5EF4-FFF2-40B4-BE49-F238E27FC236}">
+                <a16:creationId xmlns:a16="http://schemas.microsoft.com/office/drawing/2014/main" id="{8E58FC17-2492-4BDD-BCD9-B0FEE89407D2}"/>
+              </a:ext>
+            </a:extLst>
+          </p:cNvPr>
+          <p:cNvSpPr txBox="1"/>
+          <p:nvPr/>
+        </p:nvSpPr>
+        <p:spPr>
+          <a:xfrm>
+            <a:off x="2121252" y="5155967"/>
+            <a:ext cx="812611" cy="246221"/>
+          </a:xfrm>
+          <a:prstGeom prst="rect">
+            <a:avLst/>
+          </a:prstGeom>
+          <a:noFill/>
+        </p:spPr>
+        <p:txBody>
+          <a:bodyPr wrap="square" rtlCol="0">
+            <a:spAutoFit/>
+          </a:bodyPr>
           <a:lstStyle/>
           <a:p>
             <a:pPr algn="ctr"/>
-            <a:endParaRPr lang="ko-KR" altLang="en-US"/>
+            <a:r>
+              <a:rPr lang="en-US" altLang="ko-KR" sz="1000" dirty="0">
+                <a:latin typeface="Arial" panose="020B0604020202020204" pitchFamily="34" charset="0"/>
+                <a:cs typeface="Arial" panose="020B0604020202020204" pitchFamily="34" charset="0"/>
+              </a:rPr>
+              <a:t>UI</a:t>
+            </a:r>
+            <a:r>
+              <a:rPr lang="ko-KR" altLang="en-US" sz="1000" dirty="0">
+                <a:latin typeface="Arial" panose="020B0604020202020204" pitchFamily="34" charset="0"/>
+                <a:cs typeface="Arial" panose="020B0604020202020204" pitchFamily="34" charset="0"/>
+              </a:rPr>
+              <a:t> 디자인 </a:t>
+            </a:r>
+            <a:endParaRPr lang="en-US" altLang="ko-KR" sz="1000" dirty="0">
+              <a:latin typeface="Arial" panose="020B0604020202020204" pitchFamily="34" charset="0"/>
+              <a:cs typeface="Arial" panose="020B0604020202020204" pitchFamily="34" charset="0"/>
+            </a:endParaRPr>
           </a:p>
         </p:txBody>
       </p:sp>
       <p:grpSp>
         <p:nvGrpSpPr>
-          <p:cNvPr id="24" name="그룹 23">
+          <p:cNvPr id="62" name="그룹 61">
             <a:extLst>
               <a:ext uri="{FF2B5EF4-FFF2-40B4-BE49-F238E27FC236}">
-                <a16:creationId xmlns:a16="http://schemas.microsoft.com/office/drawing/2014/main" id="{F7FC0742-5D08-4EC0-8049-B0CF5B7E73CC}"/>
+                <a16:creationId xmlns:a16="http://schemas.microsoft.com/office/drawing/2014/main" id="{69DEA333-2E2A-4B76-9706-BBB8C4E2CBBE}"/>
               </a:ext>
             </a:extLst>
           </p:cNvPr>
@@ -7846,18 +12648,18 @@
         </p:nvGrpSpPr>
         <p:grpSpPr>
           <a:xfrm>
-            <a:off x="8533806" y="1839727"/>
-            <a:ext cx="3231342" cy="1964605"/>
-            <a:chOff x="318305" y="1046688"/>
-            <a:chExt cx="9072749" cy="5516089"/>
+            <a:off x="136990" y="1944054"/>
+            <a:ext cx="5221416" cy="3170099"/>
+            <a:chOff x="191344" y="1579394"/>
+            <a:chExt cx="4791146" cy="2908867"/>
           </a:xfrm>
         </p:grpSpPr>
         <p:grpSp>
           <p:nvGrpSpPr>
-            <p:cNvPr id="25" name="그룹 24">
+            <p:cNvPr id="14" name="그룹 13">
               <a:extLst>
                 <a:ext uri="{FF2B5EF4-FFF2-40B4-BE49-F238E27FC236}">
-                  <a16:creationId xmlns:a16="http://schemas.microsoft.com/office/drawing/2014/main" id="{34BBA841-BB00-4317-9BAA-755FAA924A38}"/>
+                  <a16:creationId xmlns:a16="http://schemas.microsoft.com/office/drawing/2014/main" id="{2C1705AE-F684-4FF4-91B3-375BFC1CFCE9}"/>
                 </a:ext>
               </a:extLst>
             </p:cNvPr>
@@ -7866,18 +12668,18 @@
           </p:nvGrpSpPr>
           <p:grpSpPr>
             <a:xfrm>
-              <a:off x="318305" y="1046689"/>
-              <a:ext cx="9072749" cy="5516088"/>
+              <a:off x="191344" y="1579395"/>
+              <a:ext cx="4784446" cy="2908866"/>
               <a:chOff x="1559625" y="590797"/>
-              <a:chExt cx="9072749" cy="5516088"/>
+              <a:chExt cx="9072750" cy="5516088"/>
             </a:xfrm>
           </p:grpSpPr>
           <p:sp>
             <p:nvSpPr>
-              <p:cNvPr id="40" name="직사각형 39">
+              <p:cNvPr id="29" name="직사각형 28">
                 <a:extLst>
                   <a:ext uri="{FF2B5EF4-FFF2-40B4-BE49-F238E27FC236}">
-                    <a16:creationId xmlns:a16="http://schemas.microsoft.com/office/drawing/2014/main" id="{CCA53936-217E-482A-B20E-627BFA3D23FC}"/>
+                    <a16:creationId xmlns:a16="http://schemas.microsoft.com/office/drawing/2014/main" id="{B9ADE353-A03A-463E-AB6F-8E9B87C4BF7A}"/>
                   </a:ext>
                 </a:extLst>
               </p:cNvPr>
@@ -7886,7 +12688,7 @@
             </p:nvSpPr>
             <p:spPr>
               <a:xfrm>
-                <a:off x="1559626" y="751114"/>
+                <a:off x="1559627" y="751114"/>
                 <a:ext cx="9072748" cy="5355771"/>
               </a:xfrm>
               <a:prstGeom prst="rect">
@@ -7926,10 +12728,10 @@
           </p:sp>
           <p:sp>
             <p:nvSpPr>
-              <p:cNvPr id="41" name="직사각형 40">
+              <p:cNvPr id="30" name="직사각형 29">
                 <a:extLst>
                   <a:ext uri="{FF2B5EF4-FFF2-40B4-BE49-F238E27FC236}">
-                    <a16:creationId xmlns:a16="http://schemas.microsoft.com/office/drawing/2014/main" id="{11E082E2-F209-4467-AF54-E33DAFD5C788}"/>
+                    <a16:creationId xmlns:a16="http://schemas.microsoft.com/office/drawing/2014/main" id="{00CDCA27-BBCF-4EDE-831D-AB88190B5652}"/>
                   </a:ext>
                 </a:extLst>
               </p:cNvPr>
@@ -7979,7 +12781,7 @@
                       <a:schemeClr val="tx1"/>
                     </a:solidFill>
                   </a:rPr>
-                  <a:t>  Log</a:t>
+                  <a:t>  Image</a:t>
                 </a:r>
                 <a:r>
                   <a:rPr lang="ko-KR" altLang="en-US" sz="300" dirty="0">
@@ -8008,10 +12810,10 @@
         </p:grpSp>
         <p:pic>
           <p:nvPicPr>
-            <p:cNvPr id="26" name="그림 25">
+            <p:cNvPr id="15" name="그림 14">
               <a:extLst>
                 <a:ext uri="{FF2B5EF4-FFF2-40B4-BE49-F238E27FC236}">
-                  <a16:creationId xmlns:a16="http://schemas.microsoft.com/office/drawing/2014/main" id="{0CBEBD36-DD1D-4F36-9F01-3657C0EE9141}"/>
+                  <a16:creationId xmlns:a16="http://schemas.microsoft.com/office/drawing/2014/main" id="{E6D42C5E-090E-4A17-9549-47722F27A8A1}"/>
                 </a:ext>
               </a:extLst>
             </p:cNvPr>
@@ -8034,8 +12836,8 @@
           </p:blipFill>
           <p:spPr>
             <a:xfrm>
-              <a:off x="318305" y="1223669"/>
-              <a:ext cx="1402993" cy="331360"/>
+              <a:off x="191344" y="1672724"/>
+              <a:ext cx="739858" cy="174740"/>
             </a:xfrm>
             <a:prstGeom prst="rect">
               <a:avLst/>
@@ -8044,10 +12846,10 @@
         </p:pic>
         <p:sp>
           <p:nvSpPr>
-            <p:cNvPr id="27" name="직사각형 26">
+            <p:cNvPr id="16" name="직사각형 15">
               <a:extLst>
                 <a:ext uri="{FF2B5EF4-FFF2-40B4-BE49-F238E27FC236}">
-                  <a16:creationId xmlns:a16="http://schemas.microsoft.com/office/drawing/2014/main" id="{81A9FEC6-9BDF-4FCA-9206-6E32221A3C76}"/>
+                  <a16:creationId xmlns:a16="http://schemas.microsoft.com/office/drawing/2014/main" id="{23457C3D-8CF6-43A4-B20A-7830942FB486}"/>
                 </a:ext>
               </a:extLst>
             </p:cNvPr>
@@ -8056,8 +12858,152 @@
           </p:nvSpPr>
           <p:spPr>
             <a:xfrm>
-              <a:off x="407368" y="2114342"/>
-              <a:ext cx="8862950" cy="4374214"/>
+              <a:off x="270483" y="1885833"/>
+              <a:ext cx="2560791" cy="2469266"/>
+            </a:xfrm>
+            <a:prstGeom prst="rect">
+              <a:avLst/>
+            </a:prstGeom>
+            <a:solidFill>
+              <a:schemeClr val="bg2">
+                <a:lumMod val="75000"/>
+              </a:schemeClr>
+            </a:solidFill>
+            <a:ln>
+              <a:noFill/>
+            </a:ln>
+          </p:spPr>
+          <p:style>
+            <a:lnRef idx="2">
+              <a:schemeClr val="accent1">
+                <a:shade val="50000"/>
+              </a:schemeClr>
+            </a:lnRef>
+            <a:fillRef idx="1">
+              <a:schemeClr val="accent1"/>
+            </a:fillRef>
+            <a:effectRef idx="0">
+              <a:schemeClr val="accent1"/>
+            </a:effectRef>
+            <a:fontRef idx="minor">
+              <a:schemeClr val="lt1"/>
+            </a:fontRef>
+          </p:style>
+          <p:txBody>
+            <a:bodyPr rtlCol="0" anchor="ctr"/>
+            <a:lstStyle/>
+            <a:p>
+              <a:pPr algn="ctr"/>
+              <a:endParaRPr lang="ko-KR" altLang="en-US" dirty="0"/>
+            </a:p>
+          </p:txBody>
+        </p:sp>
+        <p:pic>
+          <p:nvPicPr>
+            <p:cNvPr id="28" name="그림 27">
+              <a:extLst>
+                <a:ext uri="{FF2B5EF4-FFF2-40B4-BE49-F238E27FC236}">
+                  <a16:creationId xmlns:a16="http://schemas.microsoft.com/office/drawing/2014/main" id="{D2F488CD-7DB3-4AF1-82FD-74778D732C6A}"/>
+                </a:ext>
+              </a:extLst>
+            </p:cNvPr>
+            <p:cNvPicPr>
+              <a:picLocks noChangeAspect="1"/>
+            </p:cNvPicPr>
+            <p:nvPr/>
+          </p:nvPicPr>
+          <p:blipFill>
+            <a:blip r:embed="rId3">
+              <a:extLst>
+                <a:ext uri="{28A0092B-C50C-407E-A947-70E740481C1C}">
+                  <a14:useLocalDpi xmlns:a14="http://schemas.microsoft.com/office/drawing/2010/main" val="0"/>
+                </a:ext>
+              </a:extLst>
+            </a:blip>
+            <a:stretch>
+              <a:fillRect/>
+            </a:stretch>
+          </p:blipFill>
+          <p:spPr>
+            <a:xfrm>
+              <a:off x="201780" y="1579394"/>
+              <a:ext cx="81411" cy="81411"/>
+            </a:xfrm>
+            <a:prstGeom prst="rect">
+              <a:avLst/>
+            </a:prstGeom>
+          </p:spPr>
+        </p:pic>
+        <p:sp>
+          <p:nvSpPr>
+            <p:cNvPr id="34" name="직사각형 33">
+              <a:extLst>
+                <a:ext uri="{FF2B5EF4-FFF2-40B4-BE49-F238E27FC236}">
+                  <a16:creationId xmlns:a16="http://schemas.microsoft.com/office/drawing/2014/main" id="{8A29EB4A-C6E8-473D-8756-D14C1DD3D0E8}"/>
+                </a:ext>
+              </a:extLst>
+            </p:cNvPr>
+            <p:cNvSpPr/>
+            <p:nvPr/>
+          </p:nvSpPr>
+          <p:spPr>
+            <a:xfrm>
+              <a:off x="2883480" y="3413403"/>
+              <a:ext cx="965542" cy="931033"/>
+            </a:xfrm>
+            <a:prstGeom prst="rect">
+              <a:avLst/>
+            </a:prstGeom>
+            <a:solidFill>
+              <a:schemeClr val="bg2">
+                <a:lumMod val="75000"/>
+              </a:schemeClr>
+            </a:solidFill>
+            <a:ln>
+              <a:noFill/>
+            </a:ln>
+          </p:spPr>
+          <p:style>
+            <a:lnRef idx="2">
+              <a:schemeClr val="accent1">
+                <a:shade val="50000"/>
+              </a:schemeClr>
+            </a:lnRef>
+            <a:fillRef idx="1">
+              <a:schemeClr val="accent1"/>
+            </a:fillRef>
+            <a:effectRef idx="0">
+              <a:schemeClr val="accent1"/>
+            </a:effectRef>
+            <a:fontRef idx="minor">
+              <a:schemeClr val="lt1"/>
+            </a:fontRef>
+          </p:style>
+          <p:txBody>
+            <a:bodyPr rtlCol="0" anchor="ctr"/>
+            <a:lstStyle/>
+            <a:p>
+              <a:pPr algn="ctr"/>
+              <a:endParaRPr lang="ko-KR" altLang="en-US" dirty="0"/>
+            </a:p>
+          </p:txBody>
+        </p:sp>
+        <p:sp>
+          <p:nvSpPr>
+            <p:cNvPr id="36" name="직사각형 35">
+              <a:extLst>
+                <a:ext uri="{FF2B5EF4-FFF2-40B4-BE49-F238E27FC236}">
+                  <a16:creationId xmlns:a16="http://schemas.microsoft.com/office/drawing/2014/main" id="{4AD5957E-6BD3-4981-B7D0-D4B91F98624E}"/>
+                </a:ext>
+              </a:extLst>
+            </p:cNvPr>
+            <p:cNvSpPr/>
+            <p:nvPr/>
+          </p:nvSpPr>
+          <p:spPr>
+            <a:xfrm>
+              <a:off x="3901227" y="3413402"/>
+              <a:ext cx="1042641" cy="931033"/>
             </a:xfrm>
             <a:prstGeom prst="rect">
               <a:avLst/>
@@ -8096,10 +13042,10 @@
         </p:sp>
         <p:cxnSp>
           <p:nvCxnSpPr>
-            <p:cNvPr id="28" name="직선 연결선 27">
+            <p:cNvPr id="17" name="직선 연결선 16">
               <a:extLst>
                 <a:ext uri="{FF2B5EF4-FFF2-40B4-BE49-F238E27FC236}">
-                  <a16:creationId xmlns:a16="http://schemas.microsoft.com/office/drawing/2014/main" id="{A6E77FD1-1ACE-467B-ABAF-47E8C9CDC591}"/>
+                  <a16:creationId xmlns:a16="http://schemas.microsoft.com/office/drawing/2014/main" id="{27D3F590-5178-4437-BEAE-57F54D748B7D}"/>
                 </a:ext>
               </a:extLst>
             </p:cNvPr>
@@ -8110,8 +13056,8 @@
           </p:nvCxnSpPr>
           <p:spPr>
             <a:xfrm>
-              <a:off x="423204" y="2376759"/>
-              <a:ext cx="8862949" cy="1"/>
+              <a:off x="3901228" y="3573016"/>
+              <a:ext cx="1042640" cy="0"/>
             </a:xfrm>
             <a:prstGeom prst="line">
               <a:avLst/>
@@ -8139,10 +13085,10 @@
         </p:cxnSp>
         <p:cxnSp>
           <p:nvCxnSpPr>
-            <p:cNvPr id="29" name="직선 연결선 28">
+            <p:cNvPr id="40" name="직선 연결선 39">
               <a:extLst>
                 <a:ext uri="{FF2B5EF4-FFF2-40B4-BE49-F238E27FC236}">
-                  <a16:creationId xmlns:a16="http://schemas.microsoft.com/office/drawing/2014/main" id="{68B14898-8D33-4C6E-9C8B-EE47A4943BD3}"/>
+                  <a16:creationId xmlns:a16="http://schemas.microsoft.com/office/drawing/2014/main" id="{7BBBFB13-DDD0-4DA4-A968-1D07D5571F68}"/>
                 </a:ext>
               </a:extLst>
             </p:cNvPr>
@@ -8152,9 +13098,9 @@
             <p:nvPr/>
           </p:nvCxnSpPr>
           <p:spPr>
-            <a:xfrm>
-              <a:off x="2380515" y="2108404"/>
-              <a:ext cx="0" cy="4350727"/>
+            <a:xfrm flipV="1">
+              <a:off x="4079776" y="3413402"/>
+              <a:ext cx="0" cy="931033"/>
             </a:xfrm>
             <a:prstGeom prst="line">
               <a:avLst/>
@@ -8182,10 +13128,10 @@
         </p:cxnSp>
         <p:cxnSp>
           <p:nvCxnSpPr>
-            <p:cNvPr id="30" name="직선 연결선 29">
+            <p:cNvPr id="44" name="직선 연결선 43">
               <a:extLst>
                 <a:ext uri="{FF2B5EF4-FFF2-40B4-BE49-F238E27FC236}">
-                  <a16:creationId xmlns:a16="http://schemas.microsoft.com/office/drawing/2014/main" id="{E9BAD434-77F6-4BF5-BA40-FB326C76083B}"/>
+                  <a16:creationId xmlns:a16="http://schemas.microsoft.com/office/drawing/2014/main" id="{C304DD95-6F76-4AB9-A331-AE812C04FA8F}"/>
                 </a:ext>
               </a:extLst>
             </p:cNvPr>
@@ -8195,9 +13141,9 @@
             <p:nvPr/>
           </p:nvCxnSpPr>
           <p:spPr>
-            <a:xfrm>
-              <a:off x="1541466" y="2114342"/>
-              <a:ext cx="0" cy="4374214"/>
+            <a:xfrm flipV="1">
+              <a:off x="4367808" y="3413402"/>
+              <a:ext cx="0" cy="931033"/>
             </a:xfrm>
             <a:prstGeom prst="line">
               <a:avLst/>
@@ -8225,10 +13171,10 @@
         </p:cxnSp>
         <p:cxnSp>
           <p:nvCxnSpPr>
-            <p:cNvPr id="31" name="직선 연결선 30">
+            <p:cNvPr id="45" name="직선 연결선 44">
               <a:extLst>
                 <a:ext uri="{FF2B5EF4-FFF2-40B4-BE49-F238E27FC236}">
-                  <a16:creationId xmlns:a16="http://schemas.microsoft.com/office/drawing/2014/main" id="{CBF055B6-135F-4E3A-95CC-B291F4CDEBBF}"/>
+                  <a16:creationId xmlns:a16="http://schemas.microsoft.com/office/drawing/2014/main" id="{B16AA914-7DEF-494B-AD55-4D034C69CF12}"/>
                 </a:ext>
               </a:extLst>
             </p:cNvPr>
@@ -8238,9 +13184,9 @@
             <p:nvPr/>
           </p:nvCxnSpPr>
           <p:spPr>
-            <a:xfrm>
-              <a:off x="3589921" y="2108404"/>
-              <a:ext cx="13022" cy="4356665"/>
+            <a:xfrm flipV="1">
+              <a:off x="4655840" y="3413401"/>
+              <a:ext cx="0" cy="931033"/>
             </a:xfrm>
             <a:prstGeom prst="line">
               <a:avLst/>
@@ -8268,10 +13214,10 @@
         </p:cxnSp>
         <p:sp>
           <p:nvSpPr>
-            <p:cNvPr id="32" name="TextBox 31">
+            <p:cNvPr id="47" name="TextBox 46">
               <a:extLst>
                 <a:ext uri="{FF2B5EF4-FFF2-40B4-BE49-F238E27FC236}">
-                  <a16:creationId xmlns:a16="http://schemas.microsoft.com/office/drawing/2014/main" id="{D56DF3E7-A866-4BBE-92CE-EE695D1E3DF1}"/>
+                  <a16:creationId xmlns:a16="http://schemas.microsoft.com/office/drawing/2014/main" id="{2FF79C6B-57EC-48F9-B2CC-017D491E3ECD}"/>
                 </a:ext>
               </a:extLst>
             </p:cNvPr>
@@ -8280,8 +13226,8 @@
           </p:nvSpPr>
           <p:spPr>
             <a:xfrm>
-              <a:off x="537261" y="2058770"/>
-              <a:ext cx="895024" cy="388868"/>
+              <a:off x="3833147" y="3434517"/>
+              <a:ext cx="306130" cy="138499"/>
             </a:xfrm>
             <a:prstGeom prst="rect">
               <a:avLst/>
@@ -8303,7 +13249,7 @@
                   <a:latin typeface="Arial Black" panose="020B0A04020102020204" pitchFamily="34" charset="0"/>
                   <a:cs typeface="Arial" panose="020B0604020202020204" pitchFamily="34" charset="0"/>
                 </a:rPr>
-                <a:t>Date</a:t>
+                <a:t>Index</a:t>
               </a:r>
               <a:endParaRPr lang="ko-KR" altLang="en-US" sz="300" dirty="0">
                 <a:solidFill>
@@ -8317,10 +13263,10 @@
         </p:sp>
         <p:sp>
           <p:nvSpPr>
-            <p:cNvPr id="33" name="TextBox 32">
+            <p:cNvPr id="48" name="TextBox 47">
               <a:extLst>
                 <a:ext uri="{FF2B5EF4-FFF2-40B4-BE49-F238E27FC236}">
-                  <a16:creationId xmlns:a16="http://schemas.microsoft.com/office/drawing/2014/main" id="{A3D929EB-C628-489E-B111-7F433A9125BF}"/>
+                  <a16:creationId xmlns:a16="http://schemas.microsoft.com/office/drawing/2014/main" id="{F3214002-39A6-4B32-89A2-889158BC50F1}"/>
                 </a:ext>
               </a:extLst>
             </p:cNvPr>
@@ -8329,8 +13275,8 @@
           </p:nvSpPr>
           <p:spPr>
             <a:xfrm>
-              <a:off x="1300324" y="2058772"/>
-              <a:ext cx="1265373" cy="388868"/>
+              <a:off x="4059285" y="3424713"/>
+              <a:ext cx="353120" cy="138499"/>
             </a:xfrm>
             <a:prstGeom prst="rect">
               <a:avLst/>
@@ -8352,7 +13298,7 @@
                   <a:latin typeface="Arial Black" panose="020B0A04020102020204" pitchFamily="34" charset="0"/>
                   <a:cs typeface="Arial" panose="020B0604020202020204" pitchFamily="34" charset="0"/>
                 </a:rPr>
-                <a:t>Function</a:t>
+                <a:t>Result</a:t>
               </a:r>
               <a:endParaRPr lang="ko-KR" altLang="en-US" sz="300" dirty="0">
                 <a:solidFill>
@@ -8366,10 +13312,10 @@
         </p:sp>
         <p:sp>
           <p:nvSpPr>
-            <p:cNvPr id="34" name="TextBox 33">
+            <p:cNvPr id="49" name="TextBox 48">
               <a:extLst>
                 <a:ext uri="{FF2B5EF4-FFF2-40B4-BE49-F238E27FC236}">
-                  <a16:creationId xmlns:a16="http://schemas.microsoft.com/office/drawing/2014/main" id="{6F7F1C32-998C-4C2E-9036-C22DAE9B393E}"/>
+                  <a16:creationId xmlns:a16="http://schemas.microsoft.com/office/drawing/2014/main" id="{93B36B1E-382A-4757-90E6-73E03CEA1E61}"/>
                 </a:ext>
               </a:extLst>
             </p:cNvPr>
@@ -8378,8 +13324,8 @@
           </p:nvSpPr>
           <p:spPr>
             <a:xfrm>
-              <a:off x="2413711" y="2034185"/>
-              <a:ext cx="1182721" cy="388868"/>
+              <a:off x="4334172" y="3431974"/>
+              <a:ext cx="353120" cy="138499"/>
             </a:xfrm>
             <a:prstGeom prst="rect">
               <a:avLst/>
@@ -8401,7 +13347,7 @@
                   <a:latin typeface="Arial Black" panose="020B0A04020102020204" pitchFamily="34" charset="0"/>
                   <a:cs typeface="Arial" panose="020B0604020202020204" pitchFamily="34" charset="0"/>
                 </a:rPr>
-                <a:t>Priority</a:t>
+                <a:t>Pos X</a:t>
               </a:r>
               <a:endParaRPr lang="ko-KR" altLang="en-US" sz="300" dirty="0">
                 <a:solidFill>
@@ -8415,10 +13361,10 @@
         </p:sp>
         <p:sp>
           <p:nvSpPr>
-            <p:cNvPr id="35" name="TextBox 34">
+            <p:cNvPr id="50" name="TextBox 49">
               <a:extLst>
                 <a:ext uri="{FF2B5EF4-FFF2-40B4-BE49-F238E27FC236}">
-                  <a16:creationId xmlns:a16="http://schemas.microsoft.com/office/drawing/2014/main" id="{2E27120E-FFD4-4690-975E-F83BFB7D1AB2}"/>
+                  <a16:creationId xmlns:a16="http://schemas.microsoft.com/office/drawing/2014/main" id="{42F74573-AA67-4895-BC33-0436913EAE31}"/>
                 </a:ext>
               </a:extLst>
             </p:cNvPr>
@@ -8427,8 +13373,8 @@
           </p:nvSpPr>
           <p:spPr>
             <a:xfrm>
-              <a:off x="3493998" y="2032509"/>
-              <a:ext cx="1580687" cy="388868"/>
+              <a:off x="4629370" y="3432588"/>
+              <a:ext cx="353120" cy="138499"/>
             </a:xfrm>
             <a:prstGeom prst="rect">
               <a:avLst/>
@@ -8441,6 +13387,7 @@
             </a:bodyPr>
             <a:lstStyle/>
             <a:p>
+              <a:pPr algn="ctr"/>
               <a:r>
                 <a:rPr lang="en-US" altLang="ko-KR" sz="300" dirty="0">
                   <a:solidFill>
@@ -8449,7 +13396,7 @@
                   <a:latin typeface="Arial Black" panose="020B0A04020102020204" pitchFamily="34" charset="0"/>
                   <a:cs typeface="Arial" panose="020B0604020202020204" pitchFamily="34" charset="0"/>
                 </a:rPr>
-                <a:t>Log Message</a:t>
+                <a:t>Pos Y</a:t>
               </a:r>
               <a:endParaRPr lang="ko-KR" altLang="en-US" sz="300" dirty="0">
                 <a:solidFill>
@@ -8461,1154 +13408,368 @@
             </a:p>
           </p:txBody>
         </p:sp>
-        <p:cxnSp>
-          <p:nvCxnSpPr>
-            <p:cNvPr id="36" name="직선 연결선 35">
+        <p:sp>
+          <p:nvSpPr>
+            <p:cNvPr id="51" name="TextBox 50">
               <a:extLst>
                 <a:ext uri="{FF2B5EF4-FFF2-40B4-BE49-F238E27FC236}">
-                  <a16:creationId xmlns:a16="http://schemas.microsoft.com/office/drawing/2014/main" id="{147A8365-CA33-4C96-AEF5-6E14F8423A78}"/>
+                  <a16:creationId xmlns:a16="http://schemas.microsoft.com/office/drawing/2014/main" id="{BAB8B55A-6A46-49DC-B09F-0430A3AA7D07}"/>
                 </a:ext>
               </a:extLst>
             </p:cNvPr>
-            <p:cNvCxnSpPr>
-              <a:cxnSpLocks/>
-            </p:cNvCxnSpPr>
+            <p:cNvSpPr txBox="1"/>
             <p:nvPr/>
-          </p:nvCxnSpPr>
+          </p:nvSpPr>
           <p:spPr>
             <a:xfrm>
-              <a:off x="423203" y="2626569"/>
-              <a:ext cx="8862949" cy="1"/>
+              <a:off x="969904" y="2998762"/>
+              <a:ext cx="1042189" cy="246221"/>
             </a:xfrm>
-            <a:prstGeom prst="line">
+            <a:prstGeom prst="rect">
               <a:avLst/>
             </a:prstGeom>
+            <a:noFill/>
+          </p:spPr>
+          <p:txBody>
+            <a:bodyPr wrap="square" rtlCol="0">
+              <a:spAutoFit/>
+            </a:bodyPr>
+            <a:lstStyle/>
+            <a:p>
+              <a:pPr algn="ctr"/>
+              <a:r>
+                <a:rPr lang="en-US" altLang="ko-KR" sz="1000" dirty="0">
+                  <a:latin typeface="Arial" panose="020B0604020202020204" pitchFamily="34" charset="0"/>
+                  <a:cs typeface="Arial" panose="020B0604020202020204" pitchFamily="34" charset="0"/>
+                </a:rPr>
+                <a:t>Main</a:t>
+              </a:r>
+              <a:r>
+                <a:rPr lang="ko-KR" altLang="en-US" sz="1000" dirty="0">
+                  <a:latin typeface="Arial" panose="020B0604020202020204" pitchFamily="34" charset="0"/>
+                  <a:cs typeface="Arial" panose="020B0604020202020204" pitchFamily="34" charset="0"/>
+                </a:rPr>
+                <a:t> </a:t>
+              </a:r>
+              <a:r>
+                <a:rPr lang="en-US" altLang="ko-KR" sz="1000" dirty="0">
+                  <a:latin typeface="Arial" panose="020B0604020202020204" pitchFamily="34" charset="0"/>
+                  <a:cs typeface="Arial" panose="020B0604020202020204" pitchFamily="34" charset="0"/>
+                </a:rPr>
+                <a:t>Image</a:t>
+              </a:r>
+            </a:p>
+          </p:txBody>
+        </p:sp>
+        <p:sp>
+          <p:nvSpPr>
+            <p:cNvPr id="52" name="TextBox 51">
+              <a:extLst>
+                <a:ext uri="{FF2B5EF4-FFF2-40B4-BE49-F238E27FC236}">
+                  <a16:creationId xmlns:a16="http://schemas.microsoft.com/office/drawing/2014/main" id="{939F6B41-C8E6-480B-A7EC-DA8BDE30DE04}"/>
+                </a:ext>
+              </a:extLst>
+            </p:cNvPr>
+            <p:cNvSpPr txBox="1"/>
+            <p:nvPr/>
+          </p:nvSpPr>
+          <p:spPr>
+            <a:xfrm>
+              <a:off x="2916849" y="3789040"/>
+              <a:ext cx="847072" cy="246221"/>
+            </a:xfrm>
+            <a:prstGeom prst="rect">
+              <a:avLst/>
+            </a:prstGeom>
+            <a:noFill/>
+          </p:spPr>
+          <p:txBody>
+            <a:bodyPr wrap="square" rtlCol="0">
+              <a:spAutoFit/>
+            </a:bodyPr>
+            <a:lstStyle/>
+            <a:p>
+              <a:pPr algn="ctr"/>
+              <a:r>
+                <a:rPr lang="en-US" altLang="ko-KR" sz="1000" dirty="0">
+                  <a:latin typeface="Arial" panose="020B0604020202020204" pitchFamily="34" charset="0"/>
+                  <a:cs typeface="Arial" panose="020B0604020202020204" pitchFamily="34" charset="0"/>
+                </a:rPr>
+                <a:t>Sub Image</a:t>
+              </a:r>
+            </a:p>
+          </p:txBody>
+        </p:sp>
+        <p:sp>
+          <p:nvSpPr>
+            <p:cNvPr id="53" name="사각형: 둥근 모서리 52">
+              <a:extLst>
+                <a:ext uri="{FF2B5EF4-FFF2-40B4-BE49-F238E27FC236}">
+                  <a16:creationId xmlns:a16="http://schemas.microsoft.com/office/drawing/2014/main" id="{CC00D4AF-0D48-4E00-9A75-E6E785D0B4D8}"/>
+                </a:ext>
+              </a:extLst>
+            </p:cNvPr>
+            <p:cNvSpPr/>
+            <p:nvPr/>
+          </p:nvSpPr>
+          <p:spPr>
+            <a:xfrm>
+              <a:off x="2939422" y="1895404"/>
+              <a:ext cx="998130" cy="230309"/>
+            </a:xfrm>
+            <a:prstGeom prst="roundRect">
+              <a:avLst/>
+            </a:prstGeom>
+            <a:solidFill>
+              <a:srgbClr val="2E3347"/>
+            </a:solidFill>
             <a:ln>
-              <a:solidFill>
-                <a:schemeClr val="tx1"/>
-              </a:solidFill>
+              <a:noFill/>
             </a:ln>
           </p:spPr>
           <p:style>
-            <a:lnRef idx="1">
-              <a:schemeClr val="accent1"/>
+            <a:lnRef idx="2">
+              <a:schemeClr val="accent1">
+                <a:shade val="50000"/>
+              </a:schemeClr>
             </a:lnRef>
-            <a:fillRef idx="0">
+            <a:fillRef idx="1">
               <a:schemeClr val="accent1"/>
             </a:fillRef>
             <a:effectRef idx="0">
               <a:schemeClr val="accent1"/>
             </a:effectRef>
             <a:fontRef idx="minor">
-              <a:schemeClr val="tx1"/>
+              <a:schemeClr val="lt1"/>
             </a:fontRef>
           </p:style>
-        </p:cxnSp>
-        <p:cxnSp>
-          <p:nvCxnSpPr>
-            <p:cNvPr id="37" name="직선 연결선 36">
+          <p:txBody>
+            <a:bodyPr rtlCol="0" anchor="ctr"/>
+            <a:lstStyle/>
+            <a:p>
+              <a:pPr algn="ctr"/>
+              <a:r>
+                <a:rPr lang="en-US" altLang="ko-KR" sz="800" dirty="0"/>
+                <a:t>Image Load</a:t>
+              </a:r>
+              <a:endParaRPr lang="ko-KR" altLang="en-US" sz="800" dirty="0"/>
+            </a:p>
+          </p:txBody>
+        </p:sp>
+        <p:sp>
+          <p:nvSpPr>
+            <p:cNvPr id="54" name="사각형: 둥근 모서리 53">
               <a:extLst>
                 <a:ext uri="{FF2B5EF4-FFF2-40B4-BE49-F238E27FC236}">
-                  <a16:creationId xmlns:a16="http://schemas.microsoft.com/office/drawing/2014/main" id="{78E7EB5F-41DE-4016-A5A5-A2181A9AB5E8}"/>
+                  <a16:creationId xmlns:a16="http://schemas.microsoft.com/office/drawing/2014/main" id="{8674AE37-62D7-47F7-BBD8-B333963C9956}"/>
                 </a:ext>
               </a:extLst>
             </p:cNvPr>
-            <p:cNvCxnSpPr>
-              <a:cxnSpLocks/>
-            </p:cNvCxnSpPr>
+            <p:cNvSpPr/>
             <p:nvPr/>
-          </p:nvCxnSpPr>
+          </p:nvSpPr>
           <p:spPr>
             <a:xfrm>
-              <a:off x="423202" y="2851216"/>
-              <a:ext cx="8862949" cy="1"/>
+              <a:off x="2939422" y="2189496"/>
+              <a:ext cx="998130" cy="230309"/>
             </a:xfrm>
-            <a:prstGeom prst="line">
+            <a:prstGeom prst="roundRect">
               <a:avLst/>
             </a:prstGeom>
+            <a:solidFill>
+              <a:srgbClr val="2E3347"/>
+            </a:solidFill>
             <a:ln>
-              <a:solidFill>
-                <a:schemeClr val="tx1"/>
-              </a:solidFill>
+              <a:noFill/>
             </a:ln>
           </p:spPr>
           <p:style>
-            <a:lnRef idx="1">
-              <a:schemeClr val="accent1"/>
+            <a:lnRef idx="2">
+              <a:schemeClr val="accent1">
+                <a:shade val="50000"/>
+              </a:schemeClr>
             </a:lnRef>
-            <a:fillRef idx="0">
+            <a:fillRef idx="1">
               <a:schemeClr val="accent1"/>
             </a:fillRef>
             <a:effectRef idx="0">
               <a:schemeClr val="accent1"/>
             </a:effectRef>
             <a:fontRef idx="minor">
-              <a:schemeClr val="tx1"/>
+              <a:schemeClr val="lt1"/>
             </a:fontRef>
           </p:style>
-        </p:cxnSp>
-        <p:cxnSp>
-          <p:nvCxnSpPr>
-            <p:cNvPr id="38" name="직선 연결선 37">
+          <p:txBody>
+            <a:bodyPr rtlCol="0" anchor="ctr"/>
+            <a:lstStyle/>
+            <a:p>
+              <a:pPr algn="ctr"/>
+              <a:r>
+                <a:rPr lang="en-US" altLang="ko-KR" sz="800" dirty="0"/>
+                <a:t>Image Save</a:t>
+              </a:r>
+              <a:endParaRPr lang="ko-KR" altLang="en-US" sz="800" dirty="0"/>
+            </a:p>
+          </p:txBody>
+        </p:sp>
+        <p:sp>
+          <p:nvSpPr>
+            <p:cNvPr id="59" name="사각형: 둥근 모서리 58">
               <a:extLst>
                 <a:ext uri="{FF2B5EF4-FFF2-40B4-BE49-F238E27FC236}">
-                  <a16:creationId xmlns:a16="http://schemas.microsoft.com/office/drawing/2014/main" id="{07D53D05-35BF-4824-A333-D1BC9FBDCDA2}"/>
+                  <a16:creationId xmlns:a16="http://schemas.microsoft.com/office/drawing/2014/main" id="{6E87F48D-79F3-4CD7-9484-E13881055434}"/>
                 </a:ext>
               </a:extLst>
             </p:cNvPr>
-            <p:cNvCxnSpPr>
-              <a:cxnSpLocks/>
-            </p:cNvCxnSpPr>
+            <p:cNvSpPr/>
             <p:nvPr/>
-          </p:nvCxnSpPr>
+          </p:nvSpPr>
           <p:spPr>
             <a:xfrm>
-              <a:off x="415285" y="3102492"/>
-              <a:ext cx="8862949" cy="1"/>
+              <a:off x="2937828" y="2570804"/>
+              <a:ext cx="1699380" cy="138500"/>
             </a:xfrm>
-            <a:prstGeom prst="line">
+            <a:prstGeom prst="roundRect">
               <a:avLst/>
             </a:prstGeom>
+            <a:solidFill>
+              <a:srgbClr val="2E3347"/>
+            </a:solidFill>
             <a:ln>
-              <a:solidFill>
-                <a:schemeClr val="tx1"/>
-              </a:solidFill>
+              <a:noFill/>
             </a:ln>
           </p:spPr>
           <p:style>
-            <a:lnRef idx="1">
-              <a:schemeClr val="accent1"/>
+            <a:lnRef idx="2">
+              <a:schemeClr val="accent1">
+                <a:shade val="50000"/>
+              </a:schemeClr>
             </a:lnRef>
-            <a:fillRef idx="0">
+            <a:fillRef idx="1">
               <a:schemeClr val="accent1"/>
             </a:fillRef>
             <a:effectRef idx="0">
               <a:schemeClr val="accent1"/>
             </a:effectRef>
             <a:fontRef idx="minor">
-              <a:schemeClr val="tx1"/>
+              <a:schemeClr val="lt1"/>
             </a:fontRef>
           </p:style>
-        </p:cxnSp>
-        <p:pic>
-          <p:nvPicPr>
-            <p:cNvPr id="39" name="그림 38">
+          <p:txBody>
+            <a:bodyPr rtlCol="0" anchor="ctr"/>
+            <a:lstStyle/>
+            <a:p>
+              <a:pPr algn="ctr"/>
+              <a:endParaRPr lang="ko-KR" altLang="en-US" sz="800" dirty="0"/>
+            </a:p>
+          </p:txBody>
+        </p:sp>
+        <p:sp>
+          <p:nvSpPr>
+            <p:cNvPr id="60" name="이등변 삼각형 59">
               <a:extLst>
                 <a:ext uri="{FF2B5EF4-FFF2-40B4-BE49-F238E27FC236}">
-                  <a16:creationId xmlns:a16="http://schemas.microsoft.com/office/drawing/2014/main" id="{D2B59A05-E8B7-43B4-8E20-8425734A3035}"/>
+                  <a16:creationId xmlns:a16="http://schemas.microsoft.com/office/drawing/2014/main" id="{B3D79873-6856-499C-A696-10CF4331F3BC}"/>
                 </a:ext>
               </a:extLst>
             </p:cNvPr>
-            <p:cNvPicPr>
-              <a:picLocks noChangeAspect="1"/>
-            </p:cNvPicPr>
+            <p:cNvSpPr/>
             <p:nvPr/>
-          </p:nvPicPr>
-          <p:blipFill>
-            <a:blip r:embed="rId3">
-              <a:extLst>
-                <a:ext uri="{28A0092B-C50C-407E-A947-70E740481C1C}">
-                  <a14:useLocalDpi xmlns:a14="http://schemas.microsoft.com/office/drawing/2010/main" val="0"/>
-                </a:ext>
-              </a:extLst>
-            </a:blip>
-            <a:stretch>
-              <a:fillRect/>
-            </a:stretch>
-          </p:blipFill>
+          </p:nvSpPr>
           <p:spPr>
-            <a:xfrm>
-              <a:off x="338095" y="1046688"/>
-              <a:ext cx="154380" cy="154380"/>
+            <a:xfrm rot="10800000">
+              <a:off x="4510732" y="2613937"/>
+              <a:ext cx="73988" cy="63783"/>
             </a:xfrm>
-            <a:prstGeom prst="rect">
+            <a:prstGeom prst="triangle">
               <a:avLst/>
             </a:prstGeom>
           </p:spPr>
-        </p:pic>
+          <p:style>
+            <a:lnRef idx="2">
+              <a:schemeClr val="accent1">
+                <a:shade val="50000"/>
+              </a:schemeClr>
+            </a:lnRef>
+            <a:fillRef idx="1">
+              <a:schemeClr val="accent1"/>
+            </a:fillRef>
+            <a:effectRef idx="0">
+              <a:schemeClr val="accent1"/>
+            </a:effectRef>
+            <a:fontRef idx="minor">
+              <a:schemeClr val="lt1"/>
+            </a:fontRef>
+          </p:style>
+          <p:txBody>
+            <a:bodyPr rtlCol="0" anchor="ctr"/>
+            <a:lstStyle/>
+            <a:p>
+              <a:pPr algn="ctr"/>
+              <a:endParaRPr lang="ko-KR" altLang="en-US"/>
+            </a:p>
+          </p:txBody>
+        </p:sp>
+        <p:sp>
+          <p:nvSpPr>
+            <p:cNvPr id="61" name="사각형: 둥근 모서리 60">
+              <a:extLst>
+                <a:ext uri="{FF2B5EF4-FFF2-40B4-BE49-F238E27FC236}">
+                  <a16:creationId xmlns:a16="http://schemas.microsoft.com/office/drawing/2014/main" id="{193B1340-EA76-41E9-9A01-17C178C22054}"/>
+                </a:ext>
+              </a:extLst>
+            </p:cNvPr>
+            <p:cNvSpPr/>
+            <p:nvPr/>
+          </p:nvSpPr>
+          <p:spPr>
+            <a:xfrm>
+              <a:off x="2954453" y="2795442"/>
+              <a:ext cx="998130" cy="230309"/>
+            </a:xfrm>
+            <a:prstGeom prst="roundRect">
+              <a:avLst/>
+            </a:prstGeom>
+            <a:solidFill>
+              <a:srgbClr val="2E3347"/>
+            </a:solidFill>
+            <a:ln>
+              <a:noFill/>
+            </a:ln>
+          </p:spPr>
+          <p:style>
+            <a:lnRef idx="2">
+              <a:schemeClr val="accent1">
+                <a:shade val="50000"/>
+              </a:schemeClr>
+            </a:lnRef>
+            <a:fillRef idx="1">
+              <a:schemeClr val="accent1"/>
+            </a:fillRef>
+            <a:effectRef idx="0">
+              <a:schemeClr val="accent1"/>
+            </a:effectRef>
+            <a:fontRef idx="minor">
+              <a:schemeClr val="lt1"/>
+            </a:fontRef>
+          </p:style>
+          <p:txBody>
+            <a:bodyPr rtlCol="0" anchor="ctr"/>
+            <a:lstStyle/>
+            <a:p>
+              <a:pPr algn="ctr"/>
+              <a:r>
+                <a:rPr lang="en-US" altLang="ko-KR" sz="800" dirty="0"/>
+                <a:t>Image </a:t>
+              </a:r>
+              <a:r>
+                <a:rPr lang="ko-KR" altLang="en-US" sz="800" dirty="0"/>
+                <a:t>변환</a:t>
+              </a:r>
+            </a:p>
+          </p:txBody>
+        </p:sp>
       </p:grpSp>
-      <p:sp>
-        <p:nvSpPr>
-          <p:cNvPr id="42" name="직사각형 41">
-            <a:extLst>
-              <a:ext uri="{FF2B5EF4-FFF2-40B4-BE49-F238E27FC236}">
-                <a16:creationId xmlns:a16="http://schemas.microsoft.com/office/drawing/2014/main" id="{A709F2B5-1EE8-4A20-8320-43335AF08EB0}"/>
-              </a:ext>
-            </a:extLst>
-          </p:cNvPr>
-          <p:cNvSpPr/>
-          <p:nvPr/>
-        </p:nvSpPr>
-        <p:spPr>
-          <a:xfrm>
-            <a:off x="612926" y="1952835"/>
-            <a:ext cx="2145844" cy="1810395"/>
-          </a:xfrm>
-          <a:prstGeom prst="rect">
-            <a:avLst/>
-          </a:prstGeom>
-          <a:noFill/>
-          <a:ln>
-            <a:solidFill>
-              <a:schemeClr val="tx1"/>
-            </a:solidFill>
-          </a:ln>
-        </p:spPr>
-        <p:style>
-          <a:lnRef idx="2">
-            <a:schemeClr val="accent1">
-              <a:shade val="50000"/>
-            </a:schemeClr>
-          </a:lnRef>
-          <a:fillRef idx="1">
-            <a:schemeClr val="accent1"/>
-          </a:fillRef>
-          <a:effectRef idx="0">
-            <a:schemeClr val="accent1"/>
-          </a:effectRef>
-          <a:fontRef idx="minor">
-            <a:schemeClr val="lt1"/>
-          </a:fontRef>
-        </p:style>
-        <p:txBody>
-          <a:bodyPr rtlCol="0" anchor="ctr"/>
-          <a:lstStyle/>
-          <a:p>
-            <a:pPr algn="ctr"/>
-            <a:endParaRPr lang="ko-KR" altLang="en-US"/>
-          </a:p>
-        </p:txBody>
-      </p:sp>
-      <p:sp>
-        <p:nvSpPr>
-          <p:cNvPr id="61" name="직사각형 60">
-            <a:extLst>
-              <a:ext uri="{FF2B5EF4-FFF2-40B4-BE49-F238E27FC236}">
-                <a16:creationId xmlns:a16="http://schemas.microsoft.com/office/drawing/2014/main" id="{002D0B6E-EF78-4E48-8489-260A95FD6F0D}"/>
-              </a:ext>
-            </a:extLst>
-          </p:cNvPr>
-          <p:cNvSpPr/>
-          <p:nvPr/>
-        </p:nvSpPr>
-        <p:spPr>
-          <a:xfrm>
-            <a:off x="387566" y="1459524"/>
-            <a:ext cx="4000044" cy="84910"/>
-          </a:xfrm>
-          <a:prstGeom prst="rect">
-            <a:avLst/>
-          </a:prstGeom>
-          <a:solidFill>
-            <a:schemeClr val="bg2">
-              <a:lumMod val="75000"/>
-            </a:schemeClr>
-          </a:solidFill>
-          <a:ln>
-            <a:noFill/>
-          </a:ln>
-        </p:spPr>
-        <p:style>
-          <a:lnRef idx="2">
-            <a:schemeClr val="accent1">
-              <a:shade val="50000"/>
-            </a:schemeClr>
-          </a:lnRef>
-          <a:fillRef idx="1">
-            <a:schemeClr val="accent1"/>
-          </a:fillRef>
-          <a:effectRef idx="0">
-            <a:schemeClr val="accent1"/>
-          </a:effectRef>
-          <a:fontRef idx="minor">
-            <a:schemeClr val="lt1"/>
-          </a:fontRef>
-        </p:style>
-        <p:txBody>
-          <a:bodyPr rtlCol="0" anchor="ctr"/>
-          <a:lstStyle/>
-          <a:p>
-            <a:pPr algn="ctr"/>
-            <a:endParaRPr lang="ko-KR" altLang="en-US"/>
-          </a:p>
-        </p:txBody>
-      </p:sp>
-      <p:cxnSp>
-        <p:nvCxnSpPr>
-          <p:cNvPr id="63" name="직선 화살표 연결선 62">
-            <a:extLst>
-              <a:ext uri="{FF2B5EF4-FFF2-40B4-BE49-F238E27FC236}">
-                <a16:creationId xmlns:a16="http://schemas.microsoft.com/office/drawing/2014/main" id="{B1F415E0-0B22-47D5-AE96-E24E0CA65FDE}"/>
-              </a:ext>
-            </a:extLst>
-          </p:cNvPr>
-          <p:cNvCxnSpPr/>
-          <p:nvPr/>
-        </p:nvCxnSpPr>
-        <p:spPr>
-          <a:xfrm>
-            <a:off x="4933406" y="2714018"/>
-            <a:ext cx="3024336" cy="0"/>
-          </a:xfrm>
-          <a:prstGeom prst="straightConnector1">
-            <a:avLst/>
-          </a:prstGeom>
-          <a:ln>
-            <a:solidFill>
-              <a:schemeClr val="tx1"/>
-            </a:solidFill>
-            <a:headEnd type="triangle"/>
-            <a:tailEnd type="triangle"/>
-          </a:ln>
-        </p:spPr>
-        <p:style>
-          <a:lnRef idx="1">
-            <a:schemeClr val="accent1"/>
-          </a:lnRef>
-          <a:fillRef idx="0">
-            <a:schemeClr val="accent1"/>
-          </a:fillRef>
-          <a:effectRef idx="0">
-            <a:schemeClr val="accent1"/>
-          </a:effectRef>
-          <a:fontRef idx="minor">
-            <a:schemeClr val="tx1"/>
-          </a:fontRef>
-        </p:style>
-      </p:cxnSp>
-      <p:sp>
-        <p:nvSpPr>
-          <p:cNvPr id="64" name="TextBox 63">
-            <a:extLst>
-              <a:ext uri="{FF2B5EF4-FFF2-40B4-BE49-F238E27FC236}">
-                <a16:creationId xmlns:a16="http://schemas.microsoft.com/office/drawing/2014/main" id="{BE2BE7A3-6151-4EE4-8C84-B62570CEC026}"/>
-              </a:ext>
-            </a:extLst>
-          </p:cNvPr>
-          <p:cNvSpPr txBox="1"/>
-          <p:nvPr/>
-        </p:nvSpPr>
-        <p:spPr>
-          <a:xfrm>
-            <a:off x="5797218" y="2266766"/>
-            <a:ext cx="1199274" cy="369332"/>
-          </a:xfrm>
-          <a:prstGeom prst="rect">
-            <a:avLst/>
-          </a:prstGeom>
-          <a:noFill/>
-        </p:spPr>
-        <p:txBody>
-          <a:bodyPr wrap="square" rtlCol="0">
-            <a:spAutoFit/>
-          </a:bodyPr>
-          <a:lstStyle/>
-          <a:p>
-            <a:pPr algn="ctr"/>
-            <a:r>
-              <a:rPr lang="en-US" altLang="ko-KR" dirty="0">
-                <a:latin typeface="Arial" panose="020B0604020202020204" pitchFamily="34" charset="0"/>
-                <a:cs typeface="Arial" panose="020B0604020202020204" pitchFamily="34" charset="0"/>
-              </a:rPr>
-              <a:t>TCP/IP</a:t>
-            </a:r>
-            <a:endParaRPr lang="ko-KR" altLang="en-US" dirty="0">
-              <a:latin typeface="Arial" panose="020B0604020202020204" pitchFamily="34" charset="0"/>
-              <a:cs typeface="Arial" panose="020B0604020202020204" pitchFamily="34" charset="0"/>
-            </a:endParaRPr>
-          </a:p>
-        </p:txBody>
-      </p:sp>
-      <p:sp>
-        <p:nvSpPr>
-          <p:cNvPr id="65" name="TextBox 64">
-            <a:extLst>
-              <a:ext uri="{FF2B5EF4-FFF2-40B4-BE49-F238E27FC236}">
-                <a16:creationId xmlns:a16="http://schemas.microsoft.com/office/drawing/2014/main" id="{998DEAAF-8B46-4458-8DEA-5F3001E810DC}"/>
-              </a:ext>
-            </a:extLst>
-          </p:cNvPr>
-          <p:cNvSpPr txBox="1"/>
-          <p:nvPr/>
-        </p:nvSpPr>
-        <p:spPr>
-          <a:xfrm>
-            <a:off x="1405014" y="4237486"/>
-            <a:ext cx="1735390" cy="369332"/>
-          </a:xfrm>
-          <a:prstGeom prst="rect">
-            <a:avLst/>
-          </a:prstGeom>
-          <a:noFill/>
-        </p:spPr>
-        <p:txBody>
-          <a:bodyPr wrap="square" rtlCol="0">
-            <a:spAutoFit/>
-          </a:bodyPr>
-          <a:lstStyle/>
-          <a:p>
-            <a:pPr algn="ctr"/>
-            <a:r>
-              <a:rPr lang="en-US" altLang="ko-KR" dirty="0">
-                <a:latin typeface="Arial" panose="020B0604020202020204" pitchFamily="34" charset="0"/>
-                <a:cs typeface="Arial" panose="020B0604020202020204" pitchFamily="34" charset="0"/>
-              </a:rPr>
-              <a:t>Image Viewer</a:t>
-            </a:r>
-            <a:endParaRPr lang="ko-KR" altLang="en-US" dirty="0">
-              <a:latin typeface="Arial" panose="020B0604020202020204" pitchFamily="34" charset="0"/>
-              <a:cs typeface="Arial" panose="020B0604020202020204" pitchFamily="34" charset="0"/>
-            </a:endParaRPr>
-          </a:p>
-        </p:txBody>
-      </p:sp>
-      <p:sp>
-        <p:nvSpPr>
-          <p:cNvPr id="66" name="TextBox 65">
-            <a:extLst>
-              <a:ext uri="{FF2B5EF4-FFF2-40B4-BE49-F238E27FC236}">
-                <a16:creationId xmlns:a16="http://schemas.microsoft.com/office/drawing/2014/main" id="{94B5BEF7-1D11-4D83-B9F5-FEB8A9BE598E}"/>
-              </a:ext>
-            </a:extLst>
-          </p:cNvPr>
-          <p:cNvSpPr txBox="1"/>
-          <p:nvPr/>
-        </p:nvSpPr>
-        <p:spPr>
-          <a:xfrm>
-            <a:off x="9360139" y="3889085"/>
-            <a:ext cx="1735390" cy="369332"/>
-          </a:xfrm>
-          <a:prstGeom prst="rect">
-            <a:avLst/>
-          </a:prstGeom>
-          <a:noFill/>
-        </p:spPr>
-        <p:txBody>
-          <a:bodyPr wrap="square" rtlCol="0">
-            <a:spAutoFit/>
-          </a:bodyPr>
-          <a:lstStyle/>
-          <a:p>
-            <a:pPr algn="ctr"/>
-            <a:r>
-              <a:rPr lang="en-US" altLang="ko-KR" dirty="0">
-                <a:latin typeface="Arial" panose="020B0604020202020204" pitchFamily="34" charset="0"/>
-                <a:cs typeface="Arial" panose="020B0604020202020204" pitchFamily="34" charset="0"/>
-              </a:rPr>
-              <a:t>Log Viewer</a:t>
-            </a:r>
-            <a:endParaRPr lang="ko-KR" altLang="en-US" dirty="0">
-              <a:latin typeface="Arial" panose="020B0604020202020204" pitchFamily="34" charset="0"/>
-              <a:cs typeface="Arial" panose="020B0604020202020204" pitchFamily="34" charset="0"/>
-            </a:endParaRPr>
-          </a:p>
-        </p:txBody>
-      </p:sp>
-      <p:sp>
-        <p:nvSpPr>
-          <p:cNvPr id="67" name="TextBox 66">
-            <a:extLst>
-              <a:ext uri="{FF2B5EF4-FFF2-40B4-BE49-F238E27FC236}">
-                <a16:creationId xmlns:a16="http://schemas.microsoft.com/office/drawing/2014/main" id="{9FE9975A-6C77-4AEC-B199-4BC031FCC67C}"/>
-              </a:ext>
-            </a:extLst>
-          </p:cNvPr>
-          <p:cNvSpPr txBox="1"/>
-          <p:nvPr/>
-        </p:nvSpPr>
-        <p:spPr>
-          <a:xfrm>
-            <a:off x="418004" y="4753767"/>
-            <a:ext cx="1656184" cy="861774"/>
-          </a:xfrm>
-          <a:prstGeom prst="rect">
-            <a:avLst/>
-          </a:prstGeom>
-          <a:noFill/>
-        </p:spPr>
-        <p:txBody>
-          <a:bodyPr wrap="square" rtlCol="0">
-            <a:spAutoFit/>
-          </a:bodyPr>
-          <a:lstStyle/>
-          <a:p>
-            <a:r>
-              <a:rPr lang="en-US" altLang="ko-KR" sz="1000" dirty="0">
-                <a:latin typeface="Arial" panose="020B0604020202020204" pitchFamily="34" charset="0"/>
-                <a:cs typeface="Arial" panose="020B0604020202020204" pitchFamily="34" charset="0"/>
-              </a:rPr>
-              <a:t>Log</a:t>
-            </a:r>
-            <a:r>
-              <a:rPr lang="ko-KR" altLang="en-US" sz="1000" dirty="0">
-                <a:latin typeface="Arial" panose="020B0604020202020204" pitchFamily="34" charset="0"/>
-                <a:cs typeface="Arial" panose="020B0604020202020204" pitchFamily="34" charset="0"/>
-              </a:rPr>
-              <a:t> </a:t>
-            </a:r>
-            <a:r>
-              <a:rPr lang="en-US" altLang="ko-KR" sz="1000" dirty="0">
-                <a:latin typeface="Arial" panose="020B0604020202020204" pitchFamily="34" charset="0"/>
-                <a:cs typeface="Arial" panose="020B0604020202020204" pitchFamily="34" charset="0"/>
-              </a:rPr>
-              <a:t>Viewer</a:t>
-            </a:r>
-            <a:r>
-              <a:rPr lang="ko-KR" altLang="en-US" sz="1000" dirty="0">
-                <a:latin typeface="Arial" panose="020B0604020202020204" pitchFamily="34" charset="0"/>
-                <a:cs typeface="Arial" panose="020B0604020202020204" pitchFamily="34" charset="0"/>
-              </a:rPr>
-              <a:t> </a:t>
-            </a:r>
-            <a:r>
-              <a:rPr lang="en-US" altLang="ko-KR" sz="1000" dirty="0">
-                <a:latin typeface="Arial" panose="020B0604020202020204" pitchFamily="34" charset="0"/>
-                <a:cs typeface="Arial" panose="020B0604020202020204" pitchFamily="34" charset="0"/>
-              </a:rPr>
-              <a:t>:</a:t>
-            </a:r>
-            <a:r>
-              <a:rPr lang="ko-KR" altLang="en-US" sz="1000" dirty="0">
-                <a:latin typeface="Arial" panose="020B0604020202020204" pitchFamily="34" charset="0"/>
-                <a:cs typeface="Arial" panose="020B0604020202020204" pitchFamily="34" charset="0"/>
-              </a:rPr>
-              <a:t> </a:t>
-            </a:r>
-            <a:r>
-              <a:rPr lang="en-US" altLang="ko-KR" sz="1000" dirty="0">
-                <a:latin typeface="Arial" panose="020B0604020202020204" pitchFamily="34" charset="0"/>
-                <a:cs typeface="Arial" panose="020B0604020202020204" pitchFamily="34" charset="0"/>
-              </a:rPr>
-              <a:t>Server</a:t>
-            </a:r>
-          </a:p>
-          <a:p>
-            <a:endParaRPr lang="en-US" altLang="ko-KR" sz="1000" dirty="0">
-              <a:latin typeface="Arial" panose="020B0604020202020204" pitchFamily="34" charset="0"/>
-              <a:cs typeface="Arial" panose="020B0604020202020204" pitchFamily="34" charset="0"/>
-            </a:endParaRPr>
-          </a:p>
-          <a:p>
-            <a:r>
-              <a:rPr lang="en-US" altLang="ko-KR" sz="1000" dirty="0">
-                <a:latin typeface="Arial" panose="020B0604020202020204" pitchFamily="34" charset="0"/>
-                <a:cs typeface="Arial" panose="020B0604020202020204" pitchFamily="34" charset="0"/>
-              </a:rPr>
-              <a:t>Image Viewer : Client</a:t>
-            </a:r>
-          </a:p>
-          <a:p>
-            <a:endParaRPr lang="en-US" altLang="ko-KR" sz="1000" dirty="0">
-              <a:latin typeface="Arial" panose="020B0604020202020204" pitchFamily="34" charset="0"/>
-              <a:cs typeface="Arial" panose="020B0604020202020204" pitchFamily="34" charset="0"/>
-            </a:endParaRPr>
-          </a:p>
-          <a:p>
-            <a:endParaRPr lang="ko-KR" altLang="en-US" sz="1000" dirty="0">
-              <a:latin typeface="Arial" panose="020B0604020202020204" pitchFamily="34" charset="0"/>
-              <a:cs typeface="Arial" panose="020B0604020202020204" pitchFamily="34" charset="0"/>
-            </a:endParaRPr>
-          </a:p>
-        </p:txBody>
-      </p:sp>
-    </p:spTree>
-    <p:extLst>
-      <p:ext uri="{BB962C8B-B14F-4D97-AF65-F5344CB8AC3E}">
-        <p14:creationId xmlns:p14="http://schemas.microsoft.com/office/powerpoint/2010/main" val="3992055054"/>
-      </p:ext>
-    </p:extLst>
-  </p:cSld>
-  <p:clrMapOvr>
-    <a:masterClrMapping/>
-  </p:clrMapOvr>
-</p:sld>
-</file>
-
-<file path=ppt/slides/slide5.xml><?xml version="1.0" encoding="utf-8"?>
-<p:sld xmlns:a="http://schemas.openxmlformats.org/drawingml/2006/main" xmlns:r="http://schemas.openxmlformats.org/officeDocument/2006/relationships" xmlns:p="http://schemas.openxmlformats.org/presentationml/2006/main">
-  <p:cSld>
-    <p:spTree>
-      <p:nvGrpSpPr>
-        <p:cNvPr id="1" name=""/>
-        <p:cNvGrpSpPr/>
-        <p:nvPr/>
-      </p:nvGrpSpPr>
-      <p:grpSpPr>
-        <a:xfrm>
-          <a:off x="0" y="0"/>
-          <a:ext cx="0" cy="0"/>
-          <a:chOff x="0" y="0"/>
-          <a:chExt cx="0" cy="0"/>
-        </a:xfrm>
-      </p:grpSpPr>
-      <p:sp>
-        <p:nvSpPr>
-          <p:cNvPr id="2" name="제목 1">
-            <a:extLst>
-              <a:ext uri="{FF2B5EF4-FFF2-40B4-BE49-F238E27FC236}">
-                <a16:creationId xmlns:a16="http://schemas.microsoft.com/office/drawing/2014/main" id="{A34CC49F-BE0D-45A8-97A0-BBAAB52C3EC6}"/>
-              </a:ext>
-            </a:extLst>
-          </p:cNvPr>
-          <p:cNvSpPr>
-            <a:spLocks noGrp="1"/>
-          </p:cNvSpPr>
-          <p:nvPr>
-            <p:ph type="title"/>
-          </p:nvPr>
-        </p:nvSpPr>
-        <p:spPr/>
-        <p:txBody>
-          <a:bodyPr/>
-          <a:lstStyle/>
-          <a:p>
-            <a:endParaRPr lang="ko-KR" altLang="en-US"/>
-          </a:p>
-        </p:txBody>
-      </p:sp>
-      <p:sp>
-        <p:nvSpPr>
-          <p:cNvPr id="3" name="슬라이드 번호 개체 틀 2">
-            <a:extLst>
-              <a:ext uri="{FF2B5EF4-FFF2-40B4-BE49-F238E27FC236}">
-                <a16:creationId xmlns:a16="http://schemas.microsoft.com/office/drawing/2014/main" id="{6E66C85C-D688-48F6-A9D6-D8923BA75F22}"/>
-              </a:ext>
-            </a:extLst>
-          </p:cNvPr>
-          <p:cNvSpPr>
-            <a:spLocks noGrp="1"/>
-          </p:cNvSpPr>
-          <p:nvPr>
-            <p:ph type="sldNum" sz="quarter" idx="4"/>
-          </p:nvPr>
-        </p:nvSpPr>
-        <p:spPr/>
-        <p:txBody>
-          <a:bodyPr/>
-          <a:lstStyle/>
-          <a:p>
-            <a:pPr>
-              <a:defRPr/>
-            </a:pPr>
-            <a:fld id="{B041EC1C-CD40-411B-B8A8-88A7A386D31F}" type="slidenum">
-              <a:rPr lang="ko-KR" altLang="en-US" smtClean="0"/>
-              <a:pPr>
-                <a:defRPr/>
-              </a:pPr>
-              <a:t>5</a:t>
-            </a:fld>
-            <a:endParaRPr lang="ko-KR" altLang="en-US"/>
-          </a:p>
-        </p:txBody>
-      </p:sp>
-      <p:sp>
-        <p:nvSpPr>
-          <p:cNvPr id="5" name="직사각형 4">
-            <a:extLst>
-              <a:ext uri="{FF2B5EF4-FFF2-40B4-BE49-F238E27FC236}">
-                <a16:creationId xmlns:a16="http://schemas.microsoft.com/office/drawing/2014/main" id="{BAD99F9A-4A67-46F3-8D0D-EB936F740B5A}"/>
-              </a:ext>
-            </a:extLst>
-          </p:cNvPr>
-          <p:cNvSpPr/>
-          <p:nvPr/>
-        </p:nvSpPr>
-        <p:spPr>
-          <a:xfrm>
-            <a:off x="427170" y="1942092"/>
-            <a:ext cx="3960440" cy="2602483"/>
-          </a:xfrm>
-          <a:prstGeom prst="rect">
-            <a:avLst/>
-          </a:prstGeom>
-          <a:noFill/>
-          <a:ln>
-            <a:solidFill>
-              <a:srgbClr val="000000"/>
-            </a:solidFill>
-          </a:ln>
-        </p:spPr>
-        <p:style>
-          <a:lnRef idx="2">
-            <a:schemeClr val="accent1">
-              <a:shade val="50000"/>
-            </a:schemeClr>
-          </a:lnRef>
-          <a:fillRef idx="1">
-            <a:schemeClr val="accent1"/>
-          </a:fillRef>
-          <a:effectRef idx="0">
-            <a:schemeClr val="accent1"/>
-          </a:effectRef>
-          <a:fontRef idx="minor">
-            <a:schemeClr val="lt1"/>
-          </a:fontRef>
-        </p:style>
-        <p:txBody>
-          <a:bodyPr rtlCol="0" anchor="ctr"/>
-          <a:lstStyle/>
-          <a:p>
-            <a:pPr algn="ctr"/>
-            <a:endParaRPr lang="ko-KR" altLang="en-US"/>
-          </a:p>
-        </p:txBody>
-      </p:sp>
-      <p:sp>
-        <p:nvSpPr>
-          <p:cNvPr id="6" name="직사각형 5">
-            <a:extLst>
-              <a:ext uri="{FF2B5EF4-FFF2-40B4-BE49-F238E27FC236}">
-                <a16:creationId xmlns:a16="http://schemas.microsoft.com/office/drawing/2014/main" id="{225591AB-69FE-4827-8BF7-7C2950583103}"/>
-              </a:ext>
-            </a:extLst>
-          </p:cNvPr>
-          <p:cNvSpPr/>
-          <p:nvPr/>
-        </p:nvSpPr>
-        <p:spPr>
-          <a:xfrm>
-            <a:off x="479376" y="1988840"/>
-            <a:ext cx="2901914" cy="2448272"/>
-          </a:xfrm>
-          <a:prstGeom prst="rect">
-            <a:avLst/>
-          </a:prstGeom>
-          <a:noFill/>
-          <a:ln>
-            <a:solidFill>
-              <a:schemeClr val="tx1"/>
-            </a:solidFill>
-          </a:ln>
-        </p:spPr>
-        <p:style>
-          <a:lnRef idx="2">
-            <a:schemeClr val="accent1">
-              <a:shade val="50000"/>
-            </a:schemeClr>
-          </a:lnRef>
-          <a:fillRef idx="1">
-            <a:schemeClr val="accent1"/>
-          </a:fillRef>
-          <a:effectRef idx="0">
-            <a:schemeClr val="accent1"/>
-          </a:effectRef>
-          <a:fontRef idx="minor">
-            <a:schemeClr val="lt1"/>
-          </a:fontRef>
-        </p:style>
-        <p:txBody>
-          <a:bodyPr rtlCol="0" anchor="ctr"/>
-          <a:lstStyle/>
-          <a:p>
-            <a:pPr algn="ctr"/>
-            <a:endParaRPr lang="ko-KR" altLang="en-US"/>
-          </a:p>
-        </p:txBody>
-      </p:sp>
-      <p:sp>
-        <p:nvSpPr>
-          <p:cNvPr id="7" name="직사각형 6">
-            <a:extLst>
-              <a:ext uri="{FF2B5EF4-FFF2-40B4-BE49-F238E27FC236}">
-                <a16:creationId xmlns:a16="http://schemas.microsoft.com/office/drawing/2014/main" id="{5E5B3C54-10CC-41B2-97F9-E2A04B777EBA}"/>
-              </a:ext>
-            </a:extLst>
-          </p:cNvPr>
-          <p:cNvSpPr/>
-          <p:nvPr/>
-        </p:nvSpPr>
-        <p:spPr>
-          <a:xfrm>
-            <a:off x="407368" y="1844824"/>
-            <a:ext cx="4000044" cy="84910"/>
-          </a:xfrm>
-          <a:prstGeom prst="rect">
-            <a:avLst/>
-          </a:prstGeom>
-          <a:solidFill>
-            <a:schemeClr val="bg2">
-              <a:lumMod val="75000"/>
-            </a:schemeClr>
-          </a:solidFill>
-          <a:ln>
-            <a:noFill/>
-          </a:ln>
-        </p:spPr>
-        <p:style>
-          <a:lnRef idx="2">
-            <a:schemeClr val="accent1">
-              <a:shade val="50000"/>
-            </a:schemeClr>
-          </a:lnRef>
-          <a:fillRef idx="1">
-            <a:schemeClr val="accent1"/>
-          </a:fillRef>
-          <a:effectRef idx="0">
-            <a:schemeClr val="accent1"/>
-          </a:effectRef>
-          <a:fontRef idx="minor">
-            <a:schemeClr val="lt1"/>
-          </a:fontRef>
-        </p:style>
-        <p:txBody>
-          <a:bodyPr rtlCol="0" anchor="ctr"/>
-          <a:lstStyle/>
-          <a:p>
-            <a:pPr algn="ctr"/>
-            <a:endParaRPr lang="ko-KR" altLang="en-US"/>
-          </a:p>
-        </p:txBody>
-      </p:sp>
-      <p:sp>
-        <p:nvSpPr>
-          <p:cNvPr id="8" name="직사각형 7">
-            <a:extLst>
-              <a:ext uri="{FF2B5EF4-FFF2-40B4-BE49-F238E27FC236}">
-                <a16:creationId xmlns:a16="http://schemas.microsoft.com/office/drawing/2014/main" id="{2AA0ABE9-3E29-41F4-85DA-4078A7E03C3B}"/>
-              </a:ext>
-            </a:extLst>
-          </p:cNvPr>
-          <p:cNvSpPr/>
-          <p:nvPr/>
-        </p:nvSpPr>
-        <p:spPr>
-          <a:xfrm>
-            <a:off x="3458342" y="2132856"/>
-            <a:ext cx="862304" cy="185117"/>
-          </a:xfrm>
-          <a:prstGeom prst="rect">
-            <a:avLst/>
-          </a:prstGeom>
-          <a:noFill/>
-          <a:ln>
-            <a:solidFill>
-              <a:schemeClr val="tx1"/>
-            </a:solidFill>
-          </a:ln>
-        </p:spPr>
-        <p:style>
-          <a:lnRef idx="2">
-            <a:schemeClr val="accent1">
-              <a:shade val="50000"/>
-            </a:schemeClr>
-          </a:lnRef>
-          <a:fillRef idx="1">
-            <a:schemeClr val="accent1"/>
-          </a:fillRef>
-          <a:effectRef idx="0">
-            <a:schemeClr val="accent1"/>
-          </a:effectRef>
-          <a:fontRef idx="minor">
-            <a:schemeClr val="lt1"/>
-          </a:fontRef>
-        </p:style>
-        <p:txBody>
-          <a:bodyPr rtlCol="0" anchor="ctr"/>
-          <a:lstStyle/>
-          <a:p>
-            <a:pPr algn="ctr"/>
-            <a:r>
-              <a:rPr lang="en-US" altLang="ko-KR" sz="1000" dirty="0">
-                <a:solidFill>
-                  <a:srgbClr val="000000"/>
-                </a:solidFill>
-              </a:rPr>
-              <a:t>Image Load</a:t>
-            </a:r>
-            <a:endParaRPr lang="ko-KR" altLang="en-US" sz="1000" dirty="0">
-              <a:solidFill>
-                <a:srgbClr val="000000"/>
-              </a:solidFill>
-            </a:endParaRPr>
-          </a:p>
-        </p:txBody>
-      </p:sp>
-      <p:sp>
-        <p:nvSpPr>
-          <p:cNvPr id="9" name="TextBox 8">
-            <a:extLst>
-              <a:ext uri="{FF2B5EF4-FFF2-40B4-BE49-F238E27FC236}">
-                <a16:creationId xmlns:a16="http://schemas.microsoft.com/office/drawing/2014/main" id="{4B037642-3F18-4EAB-8C1C-A2518E428750}"/>
-              </a:ext>
-            </a:extLst>
-          </p:cNvPr>
-          <p:cNvSpPr txBox="1"/>
-          <p:nvPr/>
-        </p:nvSpPr>
-        <p:spPr>
-          <a:xfrm>
-            <a:off x="4943872" y="1844824"/>
-            <a:ext cx="5020758" cy="707886"/>
-          </a:xfrm>
-          <a:prstGeom prst="rect">
-            <a:avLst/>
-          </a:prstGeom>
-          <a:noFill/>
-        </p:spPr>
-        <p:txBody>
-          <a:bodyPr wrap="square" rtlCol="0">
-            <a:spAutoFit/>
-          </a:bodyPr>
-          <a:lstStyle/>
-          <a:p>
-            <a:r>
-              <a:rPr lang="en-US" altLang="ko-KR" sz="1000" dirty="0">
-                <a:latin typeface="Arial" panose="020B0604020202020204" pitchFamily="34" charset="0"/>
-                <a:cs typeface="Arial" panose="020B0604020202020204" pitchFamily="34" charset="0"/>
-              </a:rPr>
-              <a:t>UI</a:t>
-            </a:r>
-          </a:p>
-          <a:p>
-            <a:pPr marL="171450" indent="-171450">
-              <a:buFontTx/>
-              <a:buChar char="-"/>
-            </a:pPr>
-            <a:r>
-              <a:rPr lang="en-US" altLang="ko-KR" sz="1000" dirty="0">
-                <a:latin typeface="Arial" panose="020B0604020202020204" pitchFamily="34" charset="0"/>
-                <a:cs typeface="Arial" panose="020B0604020202020204" pitchFamily="34" charset="0"/>
-              </a:rPr>
-              <a:t>Log</a:t>
-            </a:r>
-            <a:r>
-              <a:rPr lang="ko-KR" altLang="en-US" sz="1000" dirty="0">
-                <a:latin typeface="Arial" panose="020B0604020202020204" pitchFamily="34" charset="0"/>
-                <a:cs typeface="Arial" panose="020B0604020202020204" pitchFamily="34" charset="0"/>
-              </a:rPr>
-              <a:t> </a:t>
-            </a:r>
-            <a:r>
-              <a:rPr lang="en-US" altLang="ko-KR" sz="1000" dirty="0">
-                <a:latin typeface="Arial" panose="020B0604020202020204" pitchFamily="34" charset="0"/>
-                <a:cs typeface="Arial" panose="020B0604020202020204" pitchFamily="34" charset="0"/>
-              </a:rPr>
-              <a:t>Viewer </a:t>
-            </a:r>
-            <a:r>
-              <a:rPr lang="ko-KR" altLang="en-US" sz="1000" dirty="0">
-                <a:latin typeface="Arial" panose="020B0604020202020204" pitchFamily="34" charset="0"/>
-                <a:cs typeface="Arial" panose="020B0604020202020204" pitchFamily="34" charset="0"/>
-              </a:rPr>
-              <a:t>과 동일한 색상으로 제작 예정</a:t>
-            </a:r>
-            <a:endParaRPr lang="en-US" altLang="ko-KR" sz="1000" dirty="0">
-              <a:latin typeface="Arial" panose="020B0604020202020204" pitchFamily="34" charset="0"/>
-              <a:cs typeface="Arial" panose="020B0604020202020204" pitchFamily="34" charset="0"/>
-            </a:endParaRPr>
-          </a:p>
-          <a:p>
-            <a:pPr marL="171450" indent="-171450">
-              <a:buFontTx/>
-              <a:buChar char="-"/>
-            </a:pPr>
-            <a:endParaRPr lang="en-US" altLang="ko-KR" sz="1000" dirty="0">
-              <a:latin typeface="Arial" panose="020B0604020202020204" pitchFamily="34" charset="0"/>
-              <a:cs typeface="Arial" panose="020B0604020202020204" pitchFamily="34" charset="0"/>
-            </a:endParaRPr>
-          </a:p>
-          <a:p>
-            <a:r>
-              <a:rPr lang="en-US" altLang="ko-KR" sz="1000" dirty="0">
-                <a:latin typeface="Arial" panose="020B0604020202020204" pitchFamily="34" charset="0"/>
-                <a:cs typeface="Arial" panose="020B0604020202020204" pitchFamily="34" charset="0"/>
-              </a:rPr>
-              <a:t>-  Image Buffer</a:t>
-            </a:r>
-            <a:r>
-              <a:rPr lang="ko-KR" altLang="en-US" sz="1000" dirty="0">
-                <a:latin typeface="Arial" panose="020B0604020202020204" pitchFamily="34" charset="0"/>
-                <a:cs typeface="Arial" panose="020B0604020202020204" pitchFamily="34" charset="0"/>
-              </a:rPr>
-              <a:t>는 </a:t>
-            </a:r>
-            <a:r>
-              <a:rPr lang="en-US" altLang="ko-KR" sz="1000" dirty="0">
-                <a:latin typeface="Arial" panose="020B0604020202020204" pitchFamily="34" charset="0"/>
-                <a:cs typeface="Arial" panose="020B0604020202020204" pitchFamily="34" charset="0"/>
-              </a:rPr>
-              <a:t>Byte[]</a:t>
-            </a:r>
-            <a:r>
-              <a:rPr lang="ko-KR" altLang="en-US" sz="1000" dirty="0">
-                <a:latin typeface="Arial" panose="020B0604020202020204" pitchFamily="34" charset="0"/>
-                <a:cs typeface="Arial" panose="020B0604020202020204" pitchFamily="34" charset="0"/>
-              </a:rPr>
-              <a:t>로 생성 </a:t>
-            </a:r>
-            <a:r>
-              <a:rPr lang="en-US" altLang="ko-KR" sz="1000" dirty="0">
-                <a:latin typeface="Arial" panose="020B0604020202020204" pitchFamily="34" charset="0"/>
-                <a:cs typeface="Arial" panose="020B0604020202020204" pitchFamily="34" charset="0"/>
-              </a:rPr>
-              <a:t>, Image processing</a:t>
-            </a:r>
-            <a:r>
-              <a:rPr lang="ko-KR" altLang="en-US" sz="1000" dirty="0">
-                <a:latin typeface="Arial" panose="020B0604020202020204" pitchFamily="34" charset="0"/>
-                <a:cs typeface="Arial" panose="020B0604020202020204" pitchFamily="34" charset="0"/>
-              </a:rPr>
-              <a:t> 은 </a:t>
-            </a:r>
-            <a:r>
-              <a:rPr lang="en-US" altLang="ko-KR" sz="1000" dirty="0" err="1">
-                <a:latin typeface="Arial" panose="020B0604020202020204" pitchFamily="34" charset="0"/>
-                <a:cs typeface="Arial" panose="020B0604020202020204" pitchFamily="34" charset="0"/>
-              </a:rPr>
-              <a:t>Opencv</a:t>
-            </a:r>
-            <a:r>
-              <a:rPr lang="en-US" altLang="ko-KR" sz="1000" dirty="0">
-                <a:latin typeface="Arial" panose="020B0604020202020204" pitchFamily="34" charset="0"/>
-                <a:cs typeface="Arial" panose="020B0604020202020204" pitchFamily="34" charset="0"/>
-              </a:rPr>
-              <a:t> Sharp </a:t>
-            </a:r>
-            <a:r>
-              <a:rPr lang="ko-KR" altLang="en-US" sz="1000" dirty="0">
-                <a:latin typeface="Arial" panose="020B0604020202020204" pitchFamily="34" charset="0"/>
-                <a:cs typeface="Arial" panose="020B0604020202020204" pitchFamily="34" charset="0"/>
-              </a:rPr>
-              <a:t>사용 예정</a:t>
-            </a:r>
-          </a:p>
-        </p:txBody>
-      </p:sp>
-      <p:sp>
-        <p:nvSpPr>
-          <p:cNvPr id="10" name="TextBox 9">
-            <a:extLst>
-              <a:ext uri="{FF2B5EF4-FFF2-40B4-BE49-F238E27FC236}">
-                <a16:creationId xmlns:a16="http://schemas.microsoft.com/office/drawing/2014/main" id="{0B742E8F-429A-4D6E-9B99-63447BEA62C9}"/>
-              </a:ext>
-            </a:extLst>
-          </p:cNvPr>
-          <p:cNvSpPr txBox="1"/>
-          <p:nvPr/>
-        </p:nvSpPr>
-        <p:spPr>
-          <a:xfrm>
-            <a:off x="4924070" y="2633718"/>
-            <a:ext cx="5020758" cy="400110"/>
-          </a:xfrm>
-          <a:prstGeom prst="rect">
-            <a:avLst/>
-          </a:prstGeom>
-          <a:noFill/>
-        </p:spPr>
-        <p:txBody>
-          <a:bodyPr wrap="square" rtlCol="0">
-            <a:spAutoFit/>
-          </a:bodyPr>
-          <a:lstStyle/>
-          <a:p>
-            <a:r>
-              <a:rPr lang="ko-KR" altLang="en-US" sz="1000" dirty="0">
-                <a:latin typeface="Arial" panose="020B0604020202020204" pitchFamily="34" charset="0"/>
-                <a:cs typeface="Arial" panose="020B0604020202020204" pitchFamily="34" charset="0"/>
-              </a:rPr>
-              <a:t>기능</a:t>
-            </a:r>
-            <a:endParaRPr lang="en-US" altLang="ko-KR" sz="1000" dirty="0">
-              <a:latin typeface="Arial" panose="020B0604020202020204" pitchFamily="34" charset="0"/>
-              <a:cs typeface="Arial" panose="020B0604020202020204" pitchFamily="34" charset="0"/>
-            </a:endParaRPr>
-          </a:p>
-          <a:p>
-            <a:r>
-              <a:rPr lang="en-US" altLang="ko-KR" sz="1000" dirty="0">
-                <a:latin typeface="Arial" panose="020B0604020202020204" pitchFamily="34" charset="0"/>
-                <a:cs typeface="Arial" panose="020B0604020202020204" pitchFamily="34" charset="0"/>
-              </a:rPr>
-              <a:t>- Log</a:t>
-            </a:r>
-            <a:r>
-              <a:rPr lang="ko-KR" altLang="en-US" sz="1000" dirty="0">
-                <a:latin typeface="Arial" panose="020B0604020202020204" pitchFamily="34" charset="0"/>
-                <a:cs typeface="Arial" panose="020B0604020202020204" pitchFamily="34" charset="0"/>
-              </a:rPr>
-              <a:t> </a:t>
-            </a:r>
-            <a:r>
-              <a:rPr lang="en-US" altLang="ko-KR" sz="1000" dirty="0">
-                <a:latin typeface="Arial" panose="020B0604020202020204" pitchFamily="34" charset="0"/>
-                <a:cs typeface="Arial" panose="020B0604020202020204" pitchFamily="34" charset="0"/>
-              </a:rPr>
-              <a:t>Viewer</a:t>
-            </a:r>
-            <a:r>
-              <a:rPr lang="ko-KR" altLang="en-US" sz="1000" dirty="0">
-                <a:latin typeface="Arial" panose="020B0604020202020204" pitchFamily="34" charset="0"/>
-                <a:cs typeface="Arial" panose="020B0604020202020204" pitchFamily="34" charset="0"/>
-              </a:rPr>
-              <a:t> 과  </a:t>
-            </a:r>
-            <a:r>
-              <a:rPr lang="en-US" altLang="ko-KR" sz="1000" dirty="0">
-                <a:latin typeface="Arial" panose="020B0604020202020204" pitchFamily="34" charset="0"/>
-                <a:cs typeface="Arial" panose="020B0604020202020204" pitchFamily="34" charset="0"/>
-              </a:rPr>
-              <a:t>TCP/IP </a:t>
-            </a:r>
-            <a:r>
-              <a:rPr lang="ko-KR" altLang="en-US" sz="1000" dirty="0">
-                <a:latin typeface="Arial" panose="020B0604020202020204" pitchFamily="34" charset="0"/>
-                <a:cs typeface="Arial" panose="020B0604020202020204" pitchFamily="34" charset="0"/>
-              </a:rPr>
-              <a:t>통신으로 </a:t>
-            </a:r>
-            <a:r>
-              <a:rPr lang="en-US" altLang="ko-KR" sz="1000" dirty="0">
-                <a:latin typeface="Arial" panose="020B0604020202020204" pitchFamily="34" charset="0"/>
-                <a:cs typeface="Arial" panose="020B0604020202020204" pitchFamily="34" charset="0"/>
-              </a:rPr>
-              <a:t>Log </a:t>
-            </a:r>
-            <a:r>
-              <a:rPr lang="ko-KR" altLang="en-US" sz="1000" dirty="0">
-                <a:latin typeface="Arial" panose="020B0604020202020204" pitchFamily="34" charset="0"/>
-                <a:cs typeface="Arial" panose="020B0604020202020204" pitchFamily="34" charset="0"/>
-              </a:rPr>
-              <a:t>기록 예정</a:t>
-            </a:r>
-            <a:endParaRPr lang="en-US" altLang="ko-KR" sz="1000" dirty="0">
-              <a:latin typeface="Arial" panose="020B0604020202020204" pitchFamily="34" charset="0"/>
-              <a:cs typeface="Arial" panose="020B0604020202020204" pitchFamily="34" charset="0"/>
-            </a:endParaRPr>
-          </a:p>
-        </p:txBody>
-      </p:sp>
-      <p:pic>
-        <p:nvPicPr>
-          <p:cNvPr id="12" name="그림 11">
-            <a:extLst>
-              <a:ext uri="{FF2B5EF4-FFF2-40B4-BE49-F238E27FC236}">
-                <a16:creationId xmlns:a16="http://schemas.microsoft.com/office/drawing/2014/main" id="{08CF7032-5F3E-4E5E-A97D-A70B5A499A2D}"/>
-              </a:ext>
-            </a:extLst>
-          </p:cNvPr>
-          <p:cNvPicPr>
-            <a:picLocks noChangeAspect="1"/>
-          </p:cNvPicPr>
-          <p:nvPr/>
-        </p:nvPicPr>
-        <p:blipFill>
-          <a:blip r:embed="rId2"/>
-          <a:stretch>
-            <a:fillRect/>
-          </a:stretch>
-        </p:blipFill>
-        <p:spPr>
-          <a:xfrm>
-            <a:off x="7896200" y="3789040"/>
-            <a:ext cx="2602189" cy="2576297"/>
-          </a:xfrm>
-          <a:prstGeom prst="rect">
-            <a:avLst/>
-          </a:prstGeom>
-        </p:spPr>
-      </p:pic>
     </p:spTree>
     <p:extLst>
       <p:ext uri="{BB962C8B-B14F-4D97-AF65-F5344CB8AC3E}">
@@ -9622,7 +13783,7 @@
 </p:sld>
 </file>
 
-<file path=ppt/slides/slide6.xml><?xml version="1.0" encoding="utf-8"?>
+<file path=ppt/slides/slide8.xml><?xml version="1.0" encoding="utf-8"?>
 <p:sld xmlns:a="http://schemas.openxmlformats.org/drawingml/2006/main" xmlns:r="http://schemas.openxmlformats.org/officeDocument/2006/relationships" xmlns:p="http://schemas.openxmlformats.org/presentationml/2006/main">
   <p:cSld>
     <p:spTree>
